--- a/Virtual Voice Assistant Presentation.pptx
+++ b/Virtual Voice Assistant Presentation.pptx
@@ -5,7 +5,7 @@
     <p:sldMasterId id="2147483648" r:id="rId1"/>
   </p:sldMasterIdLst>
   <p:notesMasterIdLst>
-    <p:notesMasterId r:id="rId18"/>
+    <p:notesMasterId r:id="rId22"/>
   </p:notesMasterIdLst>
   <p:sldIdLst>
     <p:sldId id="276" r:id="rId2"/>
@@ -21,9 +21,13 @@
     <p:sldId id="299" r:id="rId12"/>
     <p:sldId id="297" r:id="rId13"/>
     <p:sldId id="302" r:id="rId14"/>
-    <p:sldId id="303" r:id="rId15"/>
-    <p:sldId id="298" r:id="rId16"/>
-    <p:sldId id="282" r:id="rId17"/>
+    <p:sldId id="304" r:id="rId15"/>
+    <p:sldId id="305" r:id="rId16"/>
+    <p:sldId id="306" r:id="rId17"/>
+    <p:sldId id="307" r:id="rId18"/>
+    <p:sldId id="303" r:id="rId19"/>
+    <p:sldId id="298" r:id="rId20"/>
+    <p:sldId id="282" r:id="rId21"/>
   </p:sldIdLst>
   <p:sldSz cx="12188825" cy="6858000"/>
   <p:notesSz cx="6858000" cy="9144000"/>
@@ -139,6 +143,45 @@
     </p:ext>
   </p:extLst>
 </p:presentation>
+</file>
+
+<file path=ppt/commentAuthors.xml><?xml version="1.0" encoding="utf-8"?>
+<p:cmAuthorLst xmlns:a="http://schemas.openxmlformats.org/drawingml/2006/main" xmlns:r="http://schemas.openxmlformats.org/officeDocument/2006/relationships" xmlns:p="http://schemas.openxmlformats.org/presentationml/2006/main">
+  <p:cmAuthor id="1" name="20DCE019 YATHARTH CHAUHAN" initials="2YC" lastIdx="1" clrIdx="0">
+    <p:extLst>
+      <p:ext uri="{19B8F6BF-5375-455C-9EA6-DF929625EA0E}">
+        <p15:presenceInfo xmlns:p15="http://schemas.microsoft.com/office/powerpoint/2012/main" userId="20DCE019 YATHARTH CHAUHAN" providerId="None"/>
+      </p:ext>
+    </p:extLst>
+  </p:cmAuthor>
+</p:cmAuthorLst>
+</file>
+
+<file path=ppt/ink/ink1.xml><?xml version="1.0" encoding="utf-8"?>
+<inkml:ink xmlns:inkml="http://www.w3.org/2003/InkML">
+  <inkml:definitions>
+    <inkml:context xml:id="ctx0">
+      <inkml:inkSource xml:id="inkSrc0">
+        <inkml:traceFormat>
+          <inkml:channel name="X" type="integer" min="-2.14748E9" max="2.14748E9" units="cm"/>
+          <inkml:channel name="Y" type="integer" min="-2.14748E9" max="2.14748E9" units="cm"/>
+          <inkml:channel name="F" type="integer" max="32767" units="dev"/>
+        </inkml:traceFormat>
+        <inkml:channelProperties>
+          <inkml:channelProperty channel="X" name="resolution" value="1000" units="1/cm"/>
+          <inkml:channelProperty channel="Y" name="resolution" value="1000" units="1/cm"/>
+          <inkml:channelProperty channel="F" name="resolution" value="0" units="1/dev"/>
+        </inkml:channelProperties>
+      </inkml:inkSource>
+      <inkml:timestamp xml:id="ts0" timeString="2022-04-11T15:21:45.969"/>
+    </inkml:context>
+    <inkml:brush xml:id="br0">
+      <inkml:brushProperty name="width" value="0.35" units="cm"/>
+      <inkml:brushProperty name="height" value="0.35" units="cm"/>
+    </inkml:brush>
+  </inkml:definitions>
+  <inkml:trace contextRef="#ctx0" brushRef="#br0">1 0 24575,'6'0'0</inkml:trace>
+</inkml:ink>
 </file>
 
 <file path=ppt/notesMasters/notesMaster1.xml><?xml version="1.0" encoding="utf-8"?>
@@ -10946,7 +10989,7 @@
         </p:blipFill>
         <p:spPr>
           <a:xfrm>
-            <a:off x="11013520" y="5645249"/>
+            <a:off x="10997150" y="5666325"/>
             <a:ext cx="1191675" cy="1191675"/>
           </a:xfrm>
           <a:prstGeom prst="rect">
@@ -14529,6 +14572,2437 @@
       </p:grpSpPr>
       <p:sp>
         <p:nvSpPr>
+          <p:cNvPr id="100" name="TextBox 99">
+            <a:extLst>
+              <a:ext uri="{FF2B5EF4-FFF2-40B4-BE49-F238E27FC236}">
+                <a16:creationId xmlns:a16="http://schemas.microsoft.com/office/drawing/2014/main" id="{BD0EC9BB-513A-4F47-98C1-1E679D2DB7BB}"/>
+              </a:ext>
+            </a:extLst>
+          </p:cNvPr>
+          <p:cNvSpPr txBox="1"/>
+          <p:nvPr/>
+        </p:nvSpPr>
+        <p:spPr>
+          <a:xfrm>
+            <a:off x="757766" y="476672"/>
+            <a:ext cx="11377264" cy="757130"/>
+          </a:xfrm>
+          <a:prstGeom prst="rect">
+            <a:avLst/>
+          </a:prstGeom>
+          <a:noFill/>
+        </p:spPr>
+        <p:txBody>
+          <a:bodyPr wrap="square">
+            <a:spAutoFit/>
+          </a:bodyPr>
+          <a:lstStyle/>
+          <a:p>
+            <a:pPr>
+              <a:lnSpc>
+                <a:spcPct val="90000"/>
+              </a:lnSpc>
+              <a:spcBef>
+                <a:spcPts val="400"/>
+              </a:spcBef>
+            </a:pPr>
+            <a:r>
+              <a:rPr lang="en-IN" sz="4800" b="1" dirty="0">
+                <a:solidFill>
+                  <a:schemeClr val="bg1"/>
+                </a:solidFill>
+                <a:ea typeface="Open Sans" panose="020B0606030504020204" pitchFamily="34" charset="0"/>
+                <a:cs typeface="Open Sans" panose="020B0606030504020204" pitchFamily="34" charset="0"/>
+              </a:rPr>
+              <a:t>Starting of Program</a:t>
+            </a:r>
+          </a:p>
+        </p:txBody>
+      </p:sp>
+      <p:grpSp>
+        <p:nvGrpSpPr>
+          <p:cNvPr id="10" name="Group 9">
+            <a:extLst>
+              <a:ext uri="{FF2B5EF4-FFF2-40B4-BE49-F238E27FC236}">
+                <a16:creationId xmlns:a16="http://schemas.microsoft.com/office/drawing/2014/main" id="{0EF55929-6444-4014-A9B7-9F010226A7DB}"/>
+              </a:ext>
+            </a:extLst>
+          </p:cNvPr>
+          <p:cNvGrpSpPr/>
+          <p:nvPr/>
+        </p:nvGrpSpPr>
+        <p:grpSpPr>
+          <a:xfrm>
+            <a:off x="10808404" y="257390"/>
+            <a:ext cx="1245309" cy="1195694"/>
+            <a:chOff x="5352732" y="1034056"/>
+            <a:chExt cx="1483360" cy="1484714"/>
+          </a:xfrm>
+        </p:grpSpPr>
+        <p:sp>
+          <p:nvSpPr>
+            <p:cNvPr id="11" name="Oval 10">
+              <a:extLst>
+                <a:ext uri="{FF2B5EF4-FFF2-40B4-BE49-F238E27FC236}">
+                  <a16:creationId xmlns:a16="http://schemas.microsoft.com/office/drawing/2014/main" id="{C0214DB5-85F1-4609-9978-94D3ABF0E29C}"/>
+                </a:ext>
+              </a:extLst>
+            </p:cNvPr>
+            <p:cNvSpPr>
+              <a:spLocks noChangeArrowheads="1"/>
+            </p:cNvSpPr>
+            <p:nvPr/>
+          </p:nvSpPr>
+          <p:spPr bwMode="auto">
+            <a:xfrm>
+              <a:off x="5352732" y="1034056"/>
+              <a:ext cx="1483360" cy="1484714"/>
+            </a:xfrm>
+            <a:prstGeom prst="ellipse">
+              <a:avLst/>
+            </a:prstGeom>
+            <a:solidFill>
+              <a:schemeClr val="accent2"/>
+            </a:solidFill>
+            <a:ln>
+              <a:noFill/>
+            </a:ln>
+            <a:effectLst/>
+          </p:spPr>
+          <p:txBody>
+            <a:bodyPr vert="horz" wrap="square" lIns="91440" tIns="45720" rIns="91440" bIns="45720" numCol="1" anchor="t" anchorCtr="0" compatLnSpc="1">
+              <a:prstTxWarp prst="textNoShape">
+                <a:avLst/>
+              </a:prstTxWarp>
+            </a:bodyPr>
+            <a:lstStyle/>
+            <a:p>
+              <a:endParaRPr lang="en-IN" dirty="0"/>
+            </a:p>
+          </p:txBody>
+        </p:sp>
+        <p:grpSp>
+          <p:nvGrpSpPr>
+            <p:cNvPr id="12" name="Group 11">
+              <a:extLst>
+                <a:ext uri="{FF2B5EF4-FFF2-40B4-BE49-F238E27FC236}">
+                  <a16:creationId xmlns:a16="http://schemas.microsoft.com/office/drawing/2014/main" id="{2DAC1FEA-B91A-4A66-9758-5A023D51FBB6}"/>
+                </a:ext>
+              </a:extLst>
+            </p:cNvPr>
+            <p:cNvGrpSpPr/>
+            <p:nvPr/>
+          </p:nvGrpSpPr>
+          <p:grpSpPr>
+            <a:xfrm>
+              <a:off x="5872025" y="1390015"/>
+              <a:ext cx="444774" cy="772796"/>
+              <a:chOff x="5778500" y="1427163"/>
+              <a:chExt cx="635000" cy="1103313"/>
+            </a:xfrm>
+          </p:grpSpPr>
+          <p:sp>
+            <p:nvSpPr>
+              <p:cNvPr id="13" name="Freeform 15">
+                <a:extLst>
+                  <a:ext uri="{FF2B5EF4-FFF2-40B4-BE49-F238E27FC236}">
+                    <a16:creationId xmlns:a16="http://schemas.microsoft.com/office/drawing/2014/main" id="{CBD27E50-CE94-4483-A911-011825D8AC4A}"/>
+                  </a:ext>
+                </a:extLst>
+              </p:cNvPr>
+              <p:cNvSpPr>
+                <a:spLocks noEditPoints="1"/>
+              </p:cNvSpPr>
+              <p:nvPr/>
+            </p:nvSpPr>
+            <p:spPr bwMode="auto">
+              <a:xfrm>
+                <a:off x="5886450" y="1427163"/>
+                <a:ext cx="420688" cy="841375"/>
+              </a:xfrm>
+              <a:custGeom>
+                <a:avLst/>
+                <a:gdLst>
+                  <a:gd name="T0" fmla="*/ 7 w 110"/>
+                  <a:gd name="T1" fmla="*/ 169 h 221"/>
+                  <a:gd name="T2" fmla="*/ 107 w 110"/>
+                  <a:gd name="T3" fmla="*/ 152 h 221"/>
+                  <a:gd name="T4" fmla="*/ 107 w 110"/>
+                  <a:gd name="T5" fmla="*/ 150 h 221"/>
+                  <a:gd name="T6" fmla="*/ 107 w 110"/>
+                  <a:gd name="T7" fmla="*/ 103 h 221"/>
+                  <a:gd name="T8" fmla="*/ 103 w 110"/>
+                  <a:gd name="T9" fmla="*/ 52 h 221"/>
+                  <a:gd name="T10" fmla="*/ 3 w 110"/>
+                  <a:gd name="T11" fmla="*/ 71 h 221"/>
+                  <a:gd name="T12" fmla="*/ 3 w 110"/>
+                  <a:gd name="T13" fmla="*/ 118 h 221"/>
+                  <a:gd name="T14" fmla="*/ 7 w 110"/>
+                  <a:gd name="T15" fmla="*/ 169 h 221"/>
+                  <a:gd name="T16" fmla="*/ 18 w 110"/>
+                  <a:gd name="T17" fmla="*/ 71 h 221"/>
+                  <a:gd name="T18" fmla="*/ 75 w 110"/>
+                  <a:gd name="T19" fmla="*/ 40 h 221"/>
+                  <a:gd name="T20" fmla="*/ 92 w 110"/>
+                  <a:gd name="T21" fmla="*/ 82 h 221"/>
+                  <a:gd name="T22" fmla="*/ 92 w 110"/>
+                  <a:gd name="T23" fmla="*/ 150 h 221"/>
+                  <a:gd name="T24" fmla="*/ 35 w 110"/>
+                  <a:gd name="T25" fmla="*/ 181 h 221"/>
+                  <a:gd name="T26" fmla="*/ 18 w 110"/>
+                  <a:gd name="T27" fmla="*/ 139 h 221"/>
+                  <a:gd name="T28" fmla="*/ 18 w 110"/>
+                  <a:gd name="T29" fmla="*/ 71 h 221"/>
+                </a:gdLst>
+                <a:ahLst/>
+                <a:cxnLst>
+                  <a:cxn ang="0">
+                    <a:pos x="T0" y="T1"/>
+                  </a:cxn>
+                  <a:cxn ang="0">
+                    <a:pos x="T2" y="T3"/>
+                  </a:cxn>
+                  <a:cxn ang="0">
+                    <a:pos x="T4" y="T5"/>
+                  </a:cxn>
+                  <a:cxn ang="0">
+                    <a:pos x="T6" y="T7"/>
+                  </a:cxn>
+                  <a:cxn ang="0">
+                    <a:pos x="T8" y="T9"/>
+                  </a:cxn>
+                  <a:cxn ang="0">
+                    <a:pos x="T10" y="T11"/>
+                  </a:cxn>
+                  <a:cxn ang="0">
+                    <a:pos x="T12" y="T13"/>
+                  </a:cxn>
+                  <a:cxn ang="0">
+                    <a:pos x="T14" y="T15"/>
+                  </a:cxn>
+                  <a:cxn ang="0">
+                    <a:pos x="T16" y="T17"/>
+                  </a:cxn>
+                  <a:cxn ang="0">
+                    <a:pos x="T18" y="T19"/>
+                  </a:cxn>
+                  <a:cxn ang="0">
+                    <a:pos x="T20" y="T21"/>
+                  </a:cxn>
+                  <a:cxn ang="0">
+                    <a:pos x="T22" y="T23"/>
+                  </a:cxn>
+                  <a:cxn ang="0">
+                    <a:pos x="T24" y="T25"/>
+                  </a:cxn>
+                  <a:cxn ang="0">
+                    <a:pos x="T26" y="T27"/>
+                  </a:cxn>
+                  <a:cxn ang="0">
+                    <a:pos x="T28" y="T29"/>
+                  </a:cxn>
+                </a:cxnLst>
+                <a:rect l="0" t="0" r="r" b="b"/>
+                <a:pathLst>
+                  <a:path w="110" h="221">
+                    <a:moveTo>
+                      <a:pt x="7" y="169"/>
+                    </a:moveTo>
+                    <a:cubicBezTo>
+                      <a:pt x="29" y="221"/>
+                      <a:pt x="102" y="206"/>
+                      <a:pt x="107" y="152"/>
+                    </a:cubicBezTo>
+                    <a:cubicBezTo>
+                      <a:pt x="107" y="151"/>
+                      <a:pt x="107" y="151"/>
+                      <a:pt x="107" y="150"/>
+                    </a:cubicBezTo>
+                    <a:cubicBezTo>
+                      <a:pt x="107" y="134"/>
+                      <a:pt x="107" y="119"/>
+                      <a:pt x="107" y="103"/>
+                    </a:cubicBezTo>
+                    <a:cubicBezTo>
+                      <a:pt x="107" y="87"/>
+                      <a:pt x="110" y="67"/>
+                      <a:pt x="103" y="52"/>
+                    </a:cubicBezTo>
+                    <a:cubicBezTo>
+                      <a:pt x="81" y="0"/>
+                      <a:pt x="6" y="16"/>
+                      <a:pt x="3" y="71"/>
+                    </a:cubicBezTo>
+                    <a:cubicBezTo>
+                      <a:pt x="2" y="87"/>
+                      <a:pt x="3" y="103"/>
+                      <a:pt x="3" y="118"/>
+                    </a:cubicBezTo>
+                    <a:cubicBezTo>
+                      <a:pt x="3" y="134"/>
+                      <a:pt x="0" y="154"/>
+                      <a:pt x="7" y="169"/>
+                    </a:cubicBezTo>
+                    <a:close/>
+                    <a:moveTo>
+                      <a:pt x="18" y="71"/>
+                    </a:moveTo>
+                    <a:cubicBezTo>
+                      <a:pt x="18" y="41"/>
+                      <a:pt x="50" y="26"/>
+                      <a:pt x="75" y="40"/>
+                    </a:cubicBezTo>
+                    <a:cubicBezTo>
+                      <a:pt x="91" y="49"/>
+                      <a:pt x="92" y="66"/>
+                      <a:pt x="92" y="82"/>
+                    </a:cubicBezTo>
+                    <a:cubicBezTo>
+                      <a:pt x="92" y="105"/>
+                      <a:pt x="92" y="127"/>
+                      <a:pt x="92" y="150"/>
+                    </a:cubicBezTo>
+                    <a:cubicBezTo>
+                      <a:pt x="90" y="180"/>
+                      <a:pt x="61" y="196"/>
+                      <a:pt x="35" y="181"/>
+                    </a:cubicBezTo>
+                    <a:cubicBezTo>
+                      <a:pt x="19" y="172"/>
+                      <a:pt x="18" y="155"/>
+                      <a:pt x="18" y="139"/>
+                    </a:cubicBezTo>
+                    <a:cubicBezTo>
+                      <a:pt x="18" y="117"/>
+                      <a:pt x="18" y="94"/>
+                      <a:pt x="18" y="71"/>
+                    </a:cubicBezTo>
+                    <a:close/>
+                  </a:path>
+                </a:pathLst>
+              </a:custGeom>
+              <a:solidFill>
+                <a:srgbClr val="FFFFFF"/>
+              </a:solidFill>
+              <a:ln w="9525">
+                <a:noFill/>
+                <a:round/>
+                <a:headEnd/>
+                <a:tailEnd/>
+              </a:ln>
+            </p:spPr>
+            <p:txBody>
+              <a:bodyPr vert="horz" wrap="square" lIns="91440" tIns="45720" rIns="91440" bIns="45720" numCol="1" anchor="t" anchorCtr="0" compatLnSpc="1">
+                <a:prstTxWarp prst="textNoShape">
+                  <a:avLst/>
+                </a:prstTxWarp>
+              </a:bodyPr>
+              <a:lstStyle/>
+              <a:p>
+                <a:endParaRPr lang="en-IN"/>
+              </a:p>
+            </p:txBody>
+          </p:sp>
+          <p:sp>
+            <p:nvSpPr>
+              <p:cNvPr id="14" name="Freeform 16">
+                <a:extLst>
+                  <a:ext uri="{FF2B5EF4-FFF2-40B4-BE49-F238E27FC236}">
+                    <a16:creationId xmlns:a16="http://schemas.microsoft.com/office/drawing/2014/main" id="{D1DAFA70-220A-4342-8B83-2DDBFB612A71}"/>
+                  </a:ext>
+                </a:extLst>
+              </p:cNvPr>
+              <p:cNvSpPr>
+                <a:spLocks/>
+              </p:cNvSpPr>
+              <p:nvPr/>
+            </p:nvSpPr>
+            <p:spPr bwMode="auto">
+              <a:xfrm>
+                <a:off x="5778500" y="1971676"/>
+                <a:ext cx="635000" cy="558800"/>
+              </a:xfrm>
+              <a:custGeom>
+                <a:avLst/>
+                <a:gdLst>
+                  <a:gd name="T0" fmla="*/ 166 w 166"/>
+                  <a:gd name="T1" fmla="*/ 9 h 147"/>
+                  <a:gd name="T2" fmla="*/ 151 w 166"/>
+                  <a:gd name="T3" fmla="*/ 9 h 147"/>
+                  <a:gd name="T4" fmla="*/ 83 w 166"/>
+                  <a:gd name="T5" fmla="*/ 77 h 147"/>
+                  <a:gd name="T6" fmla="*/ 15 w 166"/>
+                  <a:gd name="T7" fmla="*/ 9 h 147"/>
+                  <a:gd name="T8" fmla="*/ 0 w 166"/>
+                  <a:gd name="T9" fmla="*/ 9 h 147"/>
+                  <a:gd name="T10" fmla="*/ 76 w 166"/>
+                  <a:gd name="T11" fmla="*/ 92 h 147"/>
+                  <a:gd name="T12" fmla="*/ 76 w 166"/>
+                  <a:gd name="T13" fmla="*/ 138 h 147"/>
+                  <a:gd name="T14" fmla="*/ 91 w 166"/>
+                  <a:gd name="T15" fmla="*/ 138 h 147"/>
+                  <a:gd name="T16" fmla="*/ 91 w 166"/>
+                  <a:gd name="T17" fmla="*/ 92 h 147"/>
+                  <a:gd name="T18" fmla="*/ 166 w 166"/>
+                  <a:gd name="T19" fmla="*/ 9 h 147"/>
+                </a:gdLst>
+                <a:ahLst/>
+                <a:cxnLst>
+                  <a:cxn ang="0">
+                    <a:pos x="T0" y="T1"/>
+                  </a:cxn>
+                  <a:cxn ang="0">
+                    <a:pos x="T2" y="T3"/>
+                  </a:cxn>
+                  <a:cxn ang="0">
+                    <a:pos x="T4" y="T5"/>
+                  </a:cxn>
+                  <a:cxn ang="0">
+                    <a:pos x="T6" y="T7"/>
+                  </a:cxn>
+                  <a:cxn ang="0">
+                    <a:pos x="T8" y="T9"/>
+                  </a:cxn>
+                  <a:cxn ang="0">
+                    <a:pos x="T10" y="T11"/>
+                  </a:cxn>
+                  <a:cxn ang="0">
+                    <a:pos x="T12" y="T13"/>
+                  </a:cxn>
+                  <a:cxn ang="0">
+                    <a:pos x="T14" y="T15"/>
+                  </a:cxn>
+                  <a:cxn ang="0">
+                    <a:pos x="T16" y="T17"/>
+                  </a:cxn>
+                  <a:cxn ang="0">
+                    <a:pos x="T18" y="T19"/>
+                  </a:cxn>
+                </a:cxnLst>
+                <a:rect l="0" t="0" r="r" b="b"/>
+                <a:pathLst>
+                  <a:path w="166" h="147">
+                    <a:moveTo>
+                      <a:pt x="166" y="9"/>
+                    </a:moveTo>
+                    <a:cubicBezTo>
+                      <a:pt x="166" y="0"/>
+                      <a:pt x="151" y="0"/>
+                      <a:pt x="151" y="9"/>
+                    </a:cubicBezTo>
+                    <a:cubicBezTo>
+                      <a:pt x="149" y="47"/>
+                      <a:pt x="121" y="76"/>
+                      <a:pt x="83" y="77"/>
+                    </a:cubicBezTo>
+                    <a:cubicBezTo>
+                      <a:pt x="45" y="79"/>
+                      <a:pt x="17" y="45"/>
+                      <a:pt x="15" y="9"/>
+                    </a:cubicBezTo>
+                    <a:cubicBezTo>
+                      <a:pt x="15" y="0"/>
+                      <a:pt x="0" y="0"/>
+                      <a:pt x="0" y="9"/>
+                    </a:cubicBezTo>
+                    <a:cubicBezTo>
+                      <a:pt x="2" y="53"/>
+                      <a:pt x="33" y="87"/>
+                      <a:pt x="76" y="92"/>
+                    </a:cubicBezTo>
+                    <a:cubicBezTo>
+                      <a:pt x="76" y="107"/>
+                      <a:pt x="76" y="122"/>
+                      <a:pt x="76" y="138"/>
+                    </a:cubicBezTo>
+                    <a:cubicBezTo>
+                      <a:pt x="76" y="147"/>
+                      <a:pt x="91" y="147"/>
+                      <a:pt x="91" y="138"/>
+                    </a:cubicBezTo>
+                    <a:cubicBezTo>
+                      <a:pt x="91" y="122"/>
+                      <a:pt x="91" y="107"/>
+                      <a:pt x="91" y="92"/>
+                    </a:cubicBezTo>
+                    <a:cubicBezTo>
+                      <a:pt x="133" y="89"/>
+                      <a:pt x="164" y="51"/>
+                      <a:pt x="166" y="9"/>
+                    </a:cubicBezTo>
+                    <a:close/>
+                  </a:path>
+                </a:pathLst>
+              </a:custGeom>
+              <a:solidFill>
+                <a:srgbClr val="FFFFFF"/>
+              </a:solidFill>
+              <a:ln w="9525">
+                <a:noFill/>
+                <a:round/>
+                <a:headEnd/>
+                <a:tailEnd/>
+              </a:ln>
+            </p:spPr>
+            <p:txBody>
+              <a:bodyPr vert="horz" wrap="square" lIns="91440" tIns="45720" rIns="91440" bIns="45720" numCol="1" anchor="t" anchorCtr="0" compatLnSpc="1">
+                <a:prstTxWarp prst="textNoShape">
+                  <a:avLst/>
+                </a:prstTxWarp>
+              </a:bodyPr>
+              <a:lstStyle/>
+              <a:p>
+                <a:endParaRPr lang="en-IN"/>
+              </a:p>
+            </p:txBody>
+          </p:sp>
+        </p:grpSp>
+      </p:grpSp>
+      <p:pic>
+        <p:nvPicPr>
+          <p:cNvPr id="8" name="Picture 7">
+            <a:extLst>
+              <a:ext uri="{FF2B5EF4-FFF2-40B4-BE49-F238E27FC236}">
+                <a16:creationId xmlns:a16="http://schemas.microsoft.com/office/drawing/2014/main" id="{81BF88BF-F504-4763-84DD-8CA573145109}"/>
+              </a:ext>
+            </a:extLst>
+          </p:cNvPr>
+          <p:cNvPicPr>
+            <a:picLocks noChangeAspect="1"/>
+          </p:cNvPicPr>
+          <p:nvPr/>
+        </p:nvPicPr>
+        <p:blipFill rotWithShape="1">
+          <a:blip r:embed="rId2"/>
+          <a:srcRect r="30027"/>
+          <a:stretch/>
+        </p:blipFill>
+        <p:spPr>
+          <a:xfrm>
+            <a:off x="762726" y="1626213"/>
+            <a:ext cx="9511023" cy="4251059"/>
+          </a:xfrm>
+          <a:prstGeom prst="rect">
+            <a:avLst/>
+          </a:prstGeom>
+        </p:spPr>
+      </p:pic>
+    </p:spTree>
+    <p:extLst>
+      <p:ext uri="{BB962C8B-B14F-4D97-AF65-F5344CB8AC3E}">
+        <p14:creationId xmlns:p14="http://schemas.microsoft.com/office/powerpoint/2010/main" val="2822512592"/>
+      </p:ext>
+    </p:extLst>
+  </p:cSld>
+  <p:clrMapOvr>
+    <a:masterClrMapping/>
+  </p:clrMapOvr>
+</p:sld>
+</file>
+
+<file path=ppt/slides/slide15.xml><?xml version="1.0" encoding="utf-8"?>
+<p:sld xmlns:a="http://schemas.openxmlformats.org/drawingml/2006/main" xmlns:r="http://schemas.openxmlformats.org/officeDocument/2006/relationships" xmlns:p="http://schemas.openxmlformats.org/presentationml/2006/main">
+  <p:cSld>
+    <p:bg>
+      <p:bgPr>
+        <a:gradFill>
+          <a:gsLst>
+            <a:gs pos="10000">
+              <a:schemeClr val="accent2"/>
+            </a:gs>
+            <a:gs pos="94000">
+              <a:schemeClr val="accent3">
+                <a:lumMod val="75000"/>
+              </a:schemeClr>
+            </a:gs>
+          </a:gsLst>
+          <a:lin ang="2700000" scaled="1"/>
+        </a:gradFill>
+        <a:effectLst/>
+      </p:bgPr>
+    </p:bg>
+    <p:spTree>
+      <p:nvGrpSpPr>
+        <p:cNvPr id="1" name=""/>
+        <p:cNvGrpSpPr/>
+        <p:nvPr/>
+      </p:nvGrpSpPr>
+      <p:grpSpPr>
+        <a:xfrm>
+          <a:off x="0" y="0"/>
+          <a:ext cx="0" cy="0"/>
+          <a:chOff x="0" y="0"/>
+          <a:chExt cx="0" cy="0"/>
+        </a:xfrm>
+      </p:grpSpPr>
+      <p:sp>
+        <p:nvSpPr>
+          <p:cNvPr id="100" name="TextBox 99">
+            <a:extLst>
+              <a:ext uri="{FF2B5EF4-FFF2-40B4-BE49-F238E27FC236}">
+                <a16:creationId xmlns:a16="http://schemas.microsoft.com/office/drawing/2014/main" id="{BD0EC9BB-513A-4F47-98C1-1E679D2DB7BB}"/>
+              </a:ext>
+            </a:extLst>
+          </p:cNvPr>
+          <p:cNvSpPr txBox="1"/>
+          <p:nvPr/>
+        </p:nvSpPr>
+        <p:spPr>
+          <a:xfrm>
+            <a:off x="757766" y="476672"/>
+            <a:ext cx="11377264" cy="757130"/>
+          </a:xfrm>
+          <a:prstGeom prst="rect">
+            <a:avLst/>
+          </a:prstGeom>
+          <a:noFill/>
+        </p:spPr>
+        <p:txBody>
+          <a:bodyPr wrap="square">
+            <a:spAutoFit/>
+          </a:bodyPr>
+          <a:lstStyle/>
+          <a:p>
+            <a:pPr>
+              <a:lnSpc>
+                <a:spcPct val="90000"/>
+              </a:lnSpc>
+              <a:spcBef>
+                <a:spcPts val="400"/>
+              </a:spcBef>
+            </a:pPr>
+            <a:r>
+              <a:rPr lang="en-IN" sz="4800" b="1" dirty="0">
+                <a:solidFill>
+                  <a:schemeClr val="bg1"/>
+                </a:solidFill>
+                <a:ea typeface="Open Sans" panose="020B0606030504020204" pitchFamily="34" charset="0"/>
+                <a:cs typeface="Open Sans" panose="020B0606030504020204" pitchFamily="34" charset="0"/>
+              </a:rPr>
+              <a:t>Give a Play Song Command</a:t>
+            </a:r>
+          </a:p>
+        </p:txBody>
+      </p:sp>
+      <p:grpSp>
+        <p:nvGrpSpPr>
+          <p:cNvPr id="10" name="Group 9">
+            <a:extLst>
+              <a:ext uri="{FF2B5EF4-FFF2-40B4-BE49-F238E27FC236}">
+                <a16:creationId xmlns:a16="http://schemas.microsoft.com/office/drawing/2014/main" id="{0EF55929-6444-4014-A9B7-9F010226A7DB}"/>
+              </a:ext>
+            </a:extLst>
+          </p:cNvPr>
+          <p:cNvGrpSpPr/>
+          <p:nvPr/>
+        </p:nvGrpSpPr>
+        <p:grpSpPr>
+          <a:xfrm>
+            <a:off x="10558908" y="235607"/>
+            <a:ext cx="1245309" cy="1195694"/>
+            <a:chOff x="5352732" y="1034056"/>
+            <a:chExt cx="1483360" cy="1484714"/>
+          </a:xfrm>
+        </p:grpSpPr>
+        <p:sp>
+          <p:nvSpPr>
+            <p:cNvPr id="11" name="Oval 10">
+              <a:extLst>
+                <a:ext uri="{FF2B5EF4-FFF2-40B4-BE49-F238E27FC236}">
+                  <a16:creationId xmlns:a16="http://schemas.microsoft.com/office/drawing/2014/main" id="{C0214DB5-85F1-4609-9978-94D3ABF0E29C}"/>
+                </a:ext>
+              </a:extLst>
+            </p:cNvPr>
+            <p:cNvSpPr>
+              <a:spLocks noChangeArrowheads="1"/>
+            </p:cNvSpPr>
+            <p:nvPr/>
+          </p:nvSpPr>
+          <p:spPr bwMode="auto">
+            <a:xfrm>
+              <a:off x="5352732" y="1034056"/>
+              <a:ext cx="1483360" cy="1484714"/>
+            </a:xfrm>
+            <a:prstGeom prst="ellipse">
+              <a:avLst/>
+            </a:prstGeom>
+            <a:solidFill>
+              <a:schemeClr val="accent2"/>
+            </a:solidFill>
+            <a:ln>
+              <a:noFill/>
+            </a:ln>
+            <a:effectLst/>
+          </p:spPr>
+          <p:txBody>
+            <a:bodyPr vert="horz" wrap="square" lIns="91440" tIns="45720" rIns="91440" bIns="45720" numCol="1" anchor="t" anchorCtr="0" compatLnSpc="1">
+              <a:prstTxWarp prst="textNoShape">
+                <a:avLst/>
+              </a:prstTxWarp>
+            </a:bodyPr>
+            <a:lstStyle/>
+            <a:p>
+              <a:endParaRPr lang="en-IN" dirty="0"/>
+            </a:p>
+          </p:txBody>
+        </p:sp>
+        <p:grpSp>
+          <p:nvGrpSpPr>
+            <p:cNvPr id="12" name="Group 11">
+              <a:extLst>
+                <a:ext uri="{FF2B5EF4-FFF2-40B4-BE49-F238E27FC236}">
+                  <a16:creationId xmlns:a16="http://schemas.microsoft.com/office/drawing/2014/main" id="{2DAC1FEA-B91A-4A66-9758-5A023D51FBB6}"/>
+                </a:ext>
+              </a:extLst>
+            </p:cNvPr>
+            <p:cNvGrpSpPr/>
+            <p:nvPr/>
+          </p:nvGrpSpPr>
+          <p:grpSpPr>
+            <a:xfrm>
+              <a:off x="5872025" y="1390015"/>
+              <a:ext cx="444774" cy="772796"/>
+              <a:chOff x="5778500" y="1427163"/>
+              <a:chExt cx="635000" cy="1103313"/>
+            </a:xfrm>
+          </p:grpSpPr>
+          <p:sp>
+            <p:nvSpPr>
+              <p:cNvPr id="13" name="Freeform 15">
+                <a:extLst>
+                  <a:ext uri="{FF2B5EF4-FFF2-40B4-BE49-F238E27FC236}">
+                    <a16:creationId xmlns:a16="http://schemas.microsoft.com/office/drawing/2014/main" id="{CBD27E50-CE94-4483-A911-011825D8AC4A}"/>
+                  </a:ext>
+                </a:extLst>
+              </p:cNvPr>
+              <p:cNvSpPr>
+                <a:spLocks noEditPoints="1"/>
+              </p:cNvSpPr>
+              <p:nvPr/>
+            </p:nvSpPr>
+            <p:spPr bwMode="auto">
+              <a:xfrm>
+                <a:off x="5886450" y="1427163"/>
+                <a:ext cx="420688" cy="841375"/>
+              </a:xfrm>
+              <a:custGeom>
+                <a:avLst/>
+                <a:gdLst>
+                  <a:gd name="T0" fmla="*/ 7 w 110"/>
+                  <a:gd name="T1" fmla="*/ 169 h 221"/>
+                  <a:gd name="T2" fmla="*/ 107 w 110"/>
+                  <a:gd name="T3" fmla="*/ 152 h 221"/>
+                  <a:gd name="T4" fmla="*/ 107 w 110"/>
+                  <a:gd name="T5" fmla="*/ 150 h 221"/>
+                  <a:gd name="T6" fmla="*/ 107 w 110"/>
+                  <a:gd name="T7" fmla="*/ 103 h 221"/>
+                  <a:gd name="T8" fmla="*/ 103 w 110"/>
+                  <a:gd name="T9" fmla="*/ 52 h 221"/>
+                  <a:gd name="T10" fmla="*/ 3 w 110"/>
+                  <a:gd name="T11" fmla="*/ 71 h 221"/>
+                  <a:gd name="T12" fmla="*/ 3 w 110"/>
+                  <a:gd name="T13" fmla="*/ 118 h 221"/>
+                  <a:gd name="T14" fmla="*/ 7 w 110"/>
+                  <a:gd name="T15" fmla="*/ 169 h 221"/>
+                  <a:gd name="T16" fmla="*/ 18 w 110"/>
+                  <a:gd name="T17" fmla="*/ 71 h 221"/>
+                  <a:gd name="T18" fmla="*/ 75 w 110"/>
+                  <a:gd name="T19" fmla="*/ 40 h 221"/>
+                  <a:gd name="T20" fmla="*/ 92 w 110"/>
+                  <a:gd name="T21" fmla="*/ 82 h 221"/>
+                  <a:gd name="T22" fmla="*/ 92 w 110"/>
+                  <a:gd name="T23" fmla="*/ 150 h 221"/>
+                  <a:gd name="T24" fmla="*/ 35 w 110"/>
+                  <a:gd name="T25" fmla="*/ 181 h 221"/>
+                  <a:gd name="T26" fmla="*/ 18 w 110"/>
+                  <a:gd name="T27" fmla="*/ 139 h 221"/>
+                  <a:gd name="T28" fmla="*/ 18 w 110"/>
+                  <a:gd name="T29" fmla="*/ 71 h 221"/>
+                </a:gdLst>
+                <a:ahLst/>
+                <a:cxnLst>
+                  <a:cxn ang="0">
+                    <a:pos x="T0" y="T1"/>
+                  </a:cxn>
+                  <a:cxn ang="0">
+                    <a:pos x="T2" y="T3"/>
+                  </a:cxn>
+                  <a:cxn ang="0">
+                    <a:pos x="T4" y="T5"/>
+                  </a:cxn>
+                  <a:cxn ang="0">
+                    <a:pos x="T6" y="T7"/>
+                  </a:cxn>
+                  <a:cxn ang="0">
+                    <a:pos x="T8" y="T9"/>
+                  </a:cxn>
+                  <a:cxn ang="0">
+                    <a:pos x="T10" y="T11"/>
+                  </a:cxn>
+                  <a:cxn ang="0">
+                    <a:pos x="T12" y="T13"/>
+                  </a:cxn>
+                  <a:cxn ang="0">
+                    <a:pos x="T14" y="T15"/>
+                  </a:cxn>
+                  <a:cxn ang="0">
+                    <a:pos x="T16" y="T17"/>
+                  </a:cxn>
+                  <a:cxn ang="0">
+                    <a:pos x="T18" y="T19"/>
+                  </a:cxn>
+                  <a:cxn ang="0">
+                    <a:pos x="T20" y="T21"/>
+                  </a:cxn>
+                  <a:cxn ang="0">
+                    <a:pos x="T22" y="T23"/>
+                  </a:cxn>
+                  <a:cxn ang="0">
+                    <a:pos x="T24" y="T25"/>
+                  </a:cxn>
+                  <a:cxn ang="0">
+                    <a:pos x="T26" y="T27"/>
+                  </a:cxn>
+                  <a:cxn ang="0">
+                    <a:pos x="T28" y="T29"/>
+                  </a:cxn>
+                </a:cxnLst>
+                <a:rect l="0" t="0" r="r" b="b"/>
+                <a:pathLst>
+                  <a:path w="110" h="221">
+                    <a:moveTo>
+                      <a:pt x="7" y="169"/>
+                    </a:moveTo>
+                    <a:cubicBezTo>
+                      <a:pt x="29" y="221"/>
+                      <a:pt x="102" y="206"/>
+                      <a:pt x="107" y="152"/>
+                    </a:cubicBezTo>
+                    <a:cubicBezTo>
+                      <a:pt x="107" y="151"/>
+                      <a:pt x="107" y="151"/>
+                      <a:pt x="107" y="150"/>
+                    </a:cubicBezTo>
+                    <a:cubicBezTo>
+                      <a:pt x="107" y="134"/>
+                      <a:pt x="107" y="119"/>
+                      <a:pt x="107" y="103"/>
+                    </a:cubicBezTo>
+                    <a:cubicBezTo>
+                      <a:pt x="107" y="87"/>
+                      <a:pt x="110" y="67"/>
+                      <a:pt x="103" y="52"/>
+                    </a:cubicBezTo>
+                    <a:cubicBezTo>
+                      <a:pt x="81" y="0"/>
+                      <a:pt x="6" y="16"/>
+                      <a:pt x="3" y="71"/>
+                    </a:cubicBezTo>
+                    <a:cubicBezTo>
+                      <a:pt x="2" y="87"/>
+                      <a:pt x="3" y="103"/>
+                      <a:pt x="3" y="118"/>
+                    </a:cubicBezTo>
+                    <a:cubicBezTo>
+                      <a:pt x="3" y="134"/>
+                      <a:pt x="0" y="154"/>
+                      <a:pt x="7" y="169"/>
+                    </a:cubicBezTo>
+                    <a:close/>
+                    <a:moveTo>
+                      <a:pt x="18" y="71"/>
+                    </a:moveTo>
+                    <a:cubicBezTo>
+                      <a:pt x="18" y="41"/>
+                      <a:pt x="50" y="26"/>
+                      <a:pt x="75" y="40"/>
+                    </a:cubicBezTo>
+                    <a:cubicBezTo>
+                      <a:pt x="91" y="49"/>
+                      <a:pt x="92" y="66"/>
+                      <a:pt x="92" y="82"/>
+                    </a:cubicBezTo>
+                    <a:cubicBezTo>
+                      <a:pt x="92" y="105"/>
+                      <a:pt x="92" y="127"/>
+                      <a:pt x="92" y="150"/>
+                    </a:cubicBezTo>
+                    <a:cubicBezTo>
+                      <a:pt x="90" y="180"/>
+                      <a:pt x="61" y="196"/>
+                      <a:pt x="35" y="181"/>
+                    </a:cubicBezTo>
+                    <a:cubicBezTo>
+                      <a:pt x="19" y="172"/>
+                      <a:pt x="18" y="155"/>
+                      <a:pt x="18" y="139"/>
+                    </a:cubicBezTo>
+                    <a:cubicBezTo>
+                      <a:pt x="18" y="117"/>
+                      <a:pt x="18" y="94"/>
+                      <a:pt x="18" y="71"/>
+                    </a:cubicBezTo>
+                    <a:close/>
+                  </a:path>
+                </a:pathLst>
+              </a:custGeom>
+              <a:solidFill>
+                <a:srgbClr val="FFFFFF"/>
+              </a:solidFill>
+              <a:ln w="9525">
+                <a:noFill/>
+                <a:round/>
+                <a:headEnd/>
+                <a:tailEnd/>
+              </a:ln>
+            </p:spPr>
+            <p:txBody>
+              <a:bodyPr vert="horz" wrap="square" lIns="91440" tIns="45720" rIns="91440" bIns="45720" numCol="1" anchor="t" anchorCtr="0" compatLnSpc="1">
+                <a:prstTxWarp prst="textNoShape">
+                  <a:avLst/>
+                </a:prstTxWarp>
+              </a:bodyPr>
+              <a:lstStyle/>
+              <a:p>
+                <a:endParaRPr lang="en-IN"/>
+              </a:p>
+            </p:txBody>
+          </p:sp>
+          <p:sp>
+            <p:nvSpPr>
+              <p:cNvPr id="14" name="Freeform 16">
+                <a:extLst>
+                  <a:ext uri="{FF2B5EF4-FFF2-40B4-BE49-F238E27FC236}">
+                    <a16:creationId xmlns:a16="http://schemas.microsoft.com/office/drawing/2014/main" id="{D1DAFA70-220A-4342-8B83-2DDBFB612A71}"/>
+                  </a:ext>
+                </a:extLst>
+              </p:cNvPr>
+              <p:cNvSpPr>
+                <a:spLocks/>
+              </p:cNvSpPr>
+              <p:nvPr/>
+            </p:nvSpPr>
+            <p:spPr bwMode="auto">
+              <a:xfrm>
+                <a:off x="5778500" y="1971676"/>
+                <a:ext cx="635000" cy="558800"/>
+              </a:xfrm>
+              <a:custGeom>
+                <a:avLst/>
+                <a:gdLst>
+                  <a:gd name="T0" fmla="*/ 166 w 166"/>
+                  <a:gd name="T1" fmla="*/ 9 h 147"/>
+                  <a:gd name="T2" fmla="*/ 151 w 166"/>
+                  <a:gd name="T3" fmla="*/ 9 h 147"/>
+                  <a:gd name="T4" fmla="*/ 83 w 166"/>
+                  <a:gd name="T5" fmla="*/ 77 h 147"/>
+                  <a:gd name="T6" fmla="*/ 15 w 166"/>
+                  <a:gd name="T7" fmla="*/ 9 h 147"/>
+                  <a:gd name="T8" fmla="*/ 0 w 166"/>
+                  <a:gd name="T9" fmla="*/ 9 h 147"/>
+                  <a:gd name="T10" fmla="*/ 76 w 166"/>
+                  <a:gd name="T11" fmla="*/ 92 h 147"/>
+                  <a:gd name="T12" fmla="*/ 76 w 166"/>
+                  <a:gd name="T13" fmla="*/ 138 h 147"/>
+                  <a:gd name="T14" fmla="*/ 91 w 166"/>
+                  <a:gd name="T15" fmla="*/ 138 h 147"/>
+                  <a:gd name="T16" fmla="*/ 91 w 166"/>
+                  <a:gd name="T17" fmla="*/ 92 h 147"/>
+                  <a:gd name="T18" fmla="*/ 166 w 166"/>
+                  <a:gd name="T19" fmla="*/ 9 h 147"/>
+                </a:gdLst>
+                <a:ahLst/>
+                <a:cxnLst>
+                  <a:cxn ang="0">
+                    <a:pos x="T0" y="T1"/>
+                  </a:cxn>
+                  <a:cxn ang="0">
+                    <a:pos x="T2" y="T3"/>
+                  </a:cxn>
+                  <a:cxn ang="0">
+                    <a:pos x="T4" y="T5"/>
+                  </a:cxn>
+                  <a:cxn ang="0">
+                    <a:pos x="T6" y="T7"/>
+                  </a:cxn>
+                  <a:cxn ang="0">
+                    <a:pos x="T8" y="T9"/>
+                  </a:cxn>
+                  <a:cxn ang="0">
+                    <a:pos x="T10" y="T11"/>
+                  </a:cxn>
+                  <a:cxn ang="0">
+                    <a:pos x="T12" y="T13"/>
+                  </a:cxn>
+                  <a:cxn ang="0">
+                    <a:pos x="T14" y="T15"/>
+                  </a:cxn>
+                  <a:cxn ang="0">
+                    <a:pos x="T16" y="T17"/>
+                  </a:cxn>
+                  <a:cxn ang="0">
+                    <a:pos x="T18" y="T19"/>
+                  </a:cxn>
+                </a:cxnLst>
+                <a:rect l="0" t="0" r="r" b="b"/>
+                <a:pathLst>
+                  <a:path w="166" h="147">
+                    <a:moveTo>
+                      <a:pt x="166" y="9"/>
+                    </a:moveTo>
+                    <a:cubicBezTo>
+                      <a:pt x="166" y="0"/>
+                      <a:pt x="151" y="0"/>
+                      <a:pt x="151" y="9"/>
+                    </a:cubicBezTo>
+                    <a:cubicBezTo>
+                      <a:pt x="149" y="47"/>
+                      <a:pt x="121" y="76"/>
+                      <a:pt x="83" y="77"/>
+                    </a:cubicBezTo>
+                    <a:cubicBezTo>
+                      <a:pt x="45" y="79"/>
+                      <a:pt x="17" y="45"/>
+                      <a:pt x="15" y="9"/>
+                    </a:cubicBezTo>
+                    <a:cubicBezTo>
+                      <a:pt x="15" y="0"/>
+                      <a:pt x="0" y="0"/>
+                      <a:pt x="0" y="9"/>
+                    </a:cubicBezTo>
+                    <a:cubicBezTo>
+                      <a:pt x="2" y="53"/>
+                      <a:pt x="33" y="87"/>
+                      <a:pt x="76" y="92"/>
+                    </a:cubicBezTo>
+                    <a:cubicBezTo>
+                      <a:pt x="76" y="107"/>
+                      <a:pt x="76" y="122"/>
+                      <a:pt x="76" y="138"/>
+                    </a:cubicBezTo>
+                    <a:cubicBezTo>
+                      <a:pt x="76" y="147"/>
+                      <a:pt x="91" y="147"/>
+                      <a:pt x="91" y="138"/>
+                    </a:cubicBezTo>
+                    <a:cubicBezTo>
+                      <a:pt x="91" y="122"/>
+                      <a:pt x="91" y="107"/>
+                      <a:pt x="91" y="92"/>
+                    </a:cubicBezTo>
+                    <a:cubicBezTo>
+                      <a:pt x="133" y="89"/>
+                      <a:pt x="164" y="51"/>
+                      <a:pt x="166" y="9"/>
+                    </a:cubicBezTo>
+                    <a:close/>
+                  </a:path>
+                </a:pathLst>
+              </a:custGeom>
+              <a:solidFill>
+                <a:srgbClr val="FFFFFF"/>
+              </a:solidFill>
+              <a:ln w="9525">
+                <a:noFill/>
+                <a:round/>
+                <a:headEnd/>
+                <a:tailEnd/>
+              </a:ln>
+            </p:spPr>
+            <p:txBody>
+              <a:bodyPr vert="horz" wrap="square" lIns="91440" tIns="45720" rIns="91440" bIns="45720" numCol="1" anchor="t" anchorCtr="0" compatLnSpc="1">
+                <a:prstTxWarp prst="textNoShape">
+                  <a:avLst/>
+                </a:prstTxWarp>
+              </a:bodyPr>
+              <a:lstStyle/>
+              <a:p>
+                <a:endParaRPr lang="en-IN"/>
+              </a:p>
+            </p:txBody>
+          </p:sp>
+        </p:grpSp>
+      </p:grpSp>
+      <p:pic>
+        <p:nvPicPr>
+          <p:cNvPr id="15" name="Picture 14">
+            <a:extLst>
+              <a:ext uri="{FF2B5EF4-FFF2-40B4-BE49-F238E27FC236}">
+                <a16:creationId xmlns:a16="http://schemas.microsoft.com/office/drawing/2014/main" id="{64A45EE4-2E32-4B6C-9589-4E1A1824EF45}"/>
+              </a:ext>
+            </a:extLst>
+          </p:cNvPr>
+          <p:cNvPicPr>
+            <a:picLocks noChangeAspect="1"/>
+          </p:cNvPicPr>
+          <p:nvPr/>
+        </p:nvPicPr>
+        <p:blipFill>
+          <a:blip r:embed="rId2"/>
+          <a:stretch>
+            <a:fillRect/>
+          </a:stretch>
+        </p:blipFill>
+        <p:spPr>
+          <a:xfrm>
+            <a:off x="981844" y="1628799"/>
+            <a:ext cx="9887230" cy="4356079"/>
+          </a:xfrm>
+          <a:prstGeom prst="rect">
+            <a:avLst/>
+          </a:prstGeom>
+        </p:spPr>
+      </p:pic>
+      <p:pic>
+        <p:nvPicPr>
+          <p:cNvPr id="17" name="Picture 16">
+            <a:extLst>
+              <a:ext uri="{FF2B5EF4-FFF2-40B4-BE49-F238E27FC236}">
+                <a16:creationId xmlns:a16="http://schemas.microsoft.com/office/drawing/2014/main" id="{E8E6B2DA-A135-4F07-9E39-B388207DB371}"/>
+              </a:ext>
+            </a:extLst>
+          </p:cNvPr>
+          <p:cNvPicPr>
+            <a:picLocks noChangeAspect="1"/>
+          </p:cNvPicPr>
+          <p:nvPr/>
+        </p:nvPicPr>
+        <p:blipFill>
+          <a:blip r:embed="rId3"/>
+          <a:stretch>
+            <a:fillRect/>
+          </a:stretch>
+        </p:blipFill>
+        <p:spPr>
+          <a:xfrm>
+            <a:off x="6588882" y="3577271"/>
+            <a:ext cx="4280192" cy="2407607"/>
+          </a:xfrm>
+          <a:prstGeom prst="rect">
+            <a:avLst/>
+          </a:prstGeom>
+        </p:spPr>
+      </p:pic>
+      <mc:AlternateContent xmlns:mc="http://schemas.openxmlformats.org/markup-compatibility/2006">
+        <mc:Choice xmlns:p14="http://schemas.microsoft.com/office/powerpoint/2010/main" Requires="p14">
+          <p:contentPart p14:bwMode="auto" r:id="rId4">
+            <p14:nvContentPartPr>
+              <p14:cNvPr id="16" name="Ink 15">
+                <a:extLst>
+                  <a:ext uri="{FF2B5EF4-FFF2-40B4-BE49-F238E27FC236}">
+                    <a16:creationId xmlns:a16="http://schemas.microsoft.com/office/drawing/2014/main" id="{A4F5C2EC-D85E-4460-8541-69912335A5EF}"/>
+                  </a:ext>
+                </a:extLst>
+              </p14:cNvPr>
+              <p14:cNvContentPartPr/>
+              <p14:nvPr/>
+            </p14:nvContentPartPr>
+            <p14:xfrm>
+              <a:off x="1497940" y="3086040"/>
+              <a:ext cx="2520" cy="360"/>
+            </p14:xfrm>
+          </p:contentPart>
+        </mc:Choice>
+        <mc:Fallback>
+          <p:pic>
+            <p:nvPicPr>
+              <p:cNvPr id="16" name="Ink 15">
+                <a:extLst>
+                  <a:ext uri="{FF2B5EF4-FFF2-40B4-BE49-F238E27FC236}">
+                    <a16:creationId xmlns:a16="http://schemas.microsoft.com/office/drawing/2014/main" id="{A4F5C2EC-D85E-4460-8541-69912335A5EF}"/>
+                  </a:ext>
+                </a:extLst>
+              </p:cNvPr>
+              <p:cNvPicPr/>
+              <p:nvPr/>
+            </p:nvPicPr>
+            <p:blipFill>
+              <a:blip r:embed="rId5"/>
+              <a:stretch>
+                <a:fillRect/>
+              </a:stretch>
+            </p:blipFill>
+            <p:spPr>
+              <a:xfrm>
+                <a:off x="1435300" y="3023040"/>
+                <a:ext cx="128160" cy="126000"/>
+              </a:xfrm>
+              <a:prstGeom prst="rect">
+                <a:avLst/>
+              </a:prstGeom>
+            </p:spPr>
+          </p:pic>
+        </mc:Fallback>
+      </mc:AlternateContent>
+    </p:spTree>
+    <p:extLst>
+      <p:ext uri="{BB962C8B-B14F-4D97-AF65-F5344CB8AC3E}">
+        <p14:creationId xmlns:p14="http://schemas.microsoft.com/office/powerpoint/2010/main" val="939311534"/>
+      </p:ext>
+    </p:extLst>
+  </p:cSld>
+  <p:clrMapOvr>
+    <a:masterClrMapping/>
+  </p:clrMapOvr>
+</p:sld>
+</file>
+
+<file path=ppt/slides/slide16.xml><?xml version="1.0" encoding="utf-8"?>
+<p:sld xmlns:a="http://schemas.openxmlformats.org/drawingml/2006/main" xmlns:r="http://schemas.openxmlformats.org/officeDocument/2006/relationships" xmlns:p="http://schemas.openxmlformats.org/presentationml/2006/main">
+  <p:cSld>
+    <p:bg>
+      <p:bgPr>
+        <a:gradFill>
+          <a:gsLst>
+            <a:gs pos="10000">
+              <a:schemeClr val="accent2"/>
+            </a:gs>
+            <a:gs pos="94000">
+              <a:schemeClr val="accent3">
+                <a:lumMod val="75000"/>
+              </a:schemeClr>
+            </a:gs>
+          </a:gsLst>
+          <a:lin ang="2700000" scaled="1"/>
+        </a:gradFill>
+        <a:effectLst/>
+      </p:bgPr>
+    </p:bg>
+    <p:spTree>
+      <p:nvGrpSpPr>
+        <p:cNvPr id="1" name=""/>
+        <p:cNvGrpSpPr/>
+        <p:nvPr/>
+      </p:nvGrpSpPr>
+      <p:grpSpPr>
+        <a:xfrm>
+          <a:off x="0" y="0"/>
+          <a:ext cx="0" cy="0"/>
+          <a:chOff x="0" y="0"/>
+          <a:chExt cx="0" cy="0"/>
+        </a:xfrm>
+      </p:grpSpPr>
+      <p:sp>
+        <p:nvSpPr>
+          <p:cNvPr id="100" name="TextBox 99">
+            <a:extLst>
+              <a:ext uri="{FF2B5EF4-FFF2-40B4-BE49-F238E27FC236}">
+                <a16:creationId xmlns:a16="http://schemas.microsoft.com/office/drawing/2014/main" id="{BD0EC9BB-513A-4F47-98C1-1E679D2DB7BB}"/>
+              </a:ext>
+            </a:extLst>
+          </p:cNvPr>
+          <p:cNvSpPr txBox="1"/>
+          <p:nvPr/>
+        </p:nvSpPr>
+        <p:spPr>
+          <a:xfrm>
+            <a:off x="757766" y="476672"/>
+            <a:ext cx="11377264" cy="757130"/>
+          </a:xfrm>
+          <a:prstGeom prst="rect">
+            <a:avLst/>
+          </a:prstGeom>
+          <a:noFill/>
+        </p:spPr>
+        <p:txBody>
+          <a:bodyPr wrap="square">
+            <a:spAutoFit/>
+          </a:bodyPr>
+          <a:lstStyle/>
+          <a:p>
+            <a:pPr>
+              <a:lnSpc>
+                <a:spcPct val="90000"/>
+              </a:lnSpc>
+              <a:spcBef>
+                <a:spcPts val="400"/>
+              </a:spcBef>
+            </a:pPr>
+            <a:r>
+              <a:rPr lang="en-IN" sz="4800" b="1" dirty="0">
+                <a:solidFill>
+                  <a:schemeClr val="bg1"/>
+                </a:solidFill>
+                <a:ea typeface="Open Sans" panose="020B0606030504020204" pitchFamily="34" charset="0"/>
+                <a:cs typeface="Open Sans" panose="020B0606030504020204" pitchFamily="34" charset="0"/>
+              </a:rPr>
+              <a:t>Search On Google Command</a:t>
+            </a:r>
+          </a:p>
+        </p:txBody>
+      </p:sp>
+      <p:grpSp>
+        <p:nvGrpSpPr>
+          <p:cNvPr id="10" name="Group 9">
+            <a:extLst>
+              <a:ext uri="{FF2B5EF4-FFF2-40B4-BE49-F238E27FC236}">
+                <a16:creationId xmlns:a16="http://schemas.microsoft.com/office/drawing/2014/main" id="{0EF55929-6444-4014-A9B7-9F010226A7DB}"/>
+              </a:ext>
+            </a:extLst>
+          </p:cNvPr>
+          <p:cNvGrpSpPr/>
+          <p:nvPr/>
+        </p:nvGrpSpPr>
+        <p:grpSpPr>
+          <a:xfrm>
+            <a:off x="10558908" y="235607"/>
+            <a:ext cx="1245309" cy="1195694"/>
+            <a:chOff x="5352732" y="1034056"/>
+            <a:chExt cx="1483360" cy="1484714"/>
+          </a:xfrm>
+        </p:grpSpPr>
+        <p:sp>
+          <p:nvSpPr>
+            <p:cNvPr id="11" name="Oval 10">
+              <a:extLst>
+                <a:ext uri="{FF2B5EF4-FFF2-40B4-BE49-F238E27FC236}">
+                  <a16:creationId xmlns:a16="http://schemas.microsoft.com/office/drawing/2014/main" id="{C0214DB5-85F1-4609-9978-94D3ABF0E29C}"/>
+                </a:ext>
+              </a:extLst>
+            </p:cNvPr>
+            <p:cNvSpPr>
+              <a:spLocks noChangeArrowheads="1"/>
+            </p:cNvSpPr>
+            <p:nvPr/>
+          </p:nvSpPr>
+          <p:spPr bwMode="auto">
+            <a:xfrm>
+              <a:off x="5352732" y="1034056"/>
+              <a:ext cx="1483360" cy="1484714"/>
+            </a:xfrm>
+            <a:prstGeom prst="ellipse">
+              <a:avLst/>
+            </a:prstGeom>
+            <a:solidFill>
+              <a:schemeClr val="accent2"/>
+            </a:solidFill>
+            <a:ln>
+              <a:noFill/>
+            </a:ln>
+            <a:effectLst/>
+          </p:spPr>
+          <p:txBody>
+            <a:bodyPr vert="horz" wrap="square" lIns="91440" tIns="45720" rIns="91440" bIns="45720" numCol="1" anchor="t" anchorCtr="0" compatLnSpc="1">
+              <a:prstTxWarp prst="textNoShape">
+                <a:avLst/>
+              </a:prstTxWarp>
+            </a:bodyPr>
+            <a:lstStyle/>
+            <a:p>
+              <a:endParaRPr lang="en-IN" dirty="0"/>
+            </a:p>
+          </p:txBody>
+        </p:sp>
+        <p:grpSp>
+          <p:nvGrpSpPr>
+            <p:cNvPr id="12" name="Group 11">
+              <a:extLst>
+                <a:ext uri="{FF2B5EF4-FFF2-40B4-BE49-F238E27FC236}">
+                  <a16:creationId xmlns:a16="http://schemas.microsoft.com/office/drawing/2014/main" id="{2DAC1FEA-B91A-4A66-9758-5A023D51FBB6}"/>
+                </a:ext>
+              </a:extLst>
+            </p:cNvPr>
+            <p:cNvGrpSpPr/>
+            <p:nvPr/>
+          </p:nvGrpSpPr>
+          <p:grpSpPr>
+            <a:xfrm>
+              <a:off x="5872025" y="1390015"/>
+              <a:ext cx="444774" cy="772796"/>
+              <a:chOff x="5778500" y="1427163"/>
+              <a:chExt cx="635000" cy="1103313"/>
+            </a:xfrm>
+          </p:grpSpPr>
+          <p:sp>
+            <p:nvSpPr>
+              <p:cNvPr id="13" name="Freeform 15">
+                <a:extLst>
+                  <a:ext uri="{FF2B5EF4-FFF2-40B4-BE49-F238E27FC236}">
+                    <a16:creationId xmlns:a16="http://schemas.microsoft.com/office/drawing/2014/main" id="{CBD27E50-CE94-4483-A911-011825D8AC4A}"/>
+                  </a:ext>
+                </a:extLst>
+              </p:cNvPr>
+              <p:cNvSpPr>
+                <a:spLocks noEditPoints="1"/>
+              </p:cNvSpPr>
+              <p:nvPr/>
+            </p:nvSpPr>
+            <p:spPr bwMode="auto">
+              <a:xfrm>
+                <a:off x="5886450" y="1427163"/>
+                <a:ext cx="420688" cy="841375"/>
+              </a:xfrm>
+              <a:custGeom>
+                <a:avLst/>
+                <a:gdLst>
+                  <a:gd name="T0" fmla="*/ 7 w 110"/>
+                  <a:gd name="T1" fmla="*/ 169 h 221"/>
+                  <a:gd name="T2" fmla="*/ 107 w 110"/>
+                  <a:gd name="T3" fmla="*/ 152 h 221"/>
+                  <a:gd name="T4" fmla="*/ 107 w 110"/>
+                  <a:gd name="T5" fmla="*/ 150 h 221"/>
+                  <a:gd name="T6" fmla="*/ 107 w 110"/>
+                  <a:gd name="T7" fmla="*/ 103 h 221"/>
+                  <a:gd name="T8" fmla="*/ 103 w 110"/>
+                  <a:gd name="T9" fmla="*/ 52 h 221"/>
+                  <a:gd name="T10" fmla="*/ 3 w 110"/>
+                  <a:gd name="T11" fmla="*/ 71 h 221"/>
+                  <a:gd name="T12" fmla="*/ 3 w 110"/>
+                  <a:gd name="T13" fmla="*/ 118 h 221"/>
+                  <a:gd name="T14" fmla="*/ 7 w 110"/>
+                  <a:gd name="T15" fmla="*/ 169 h 221"/>
+                  <a:gd name="T16" fmla="*/ 18 w 110"/>
+                  <a:gd name="T17" fmla="*/ 71 h 221"/>
+                  <a:gd name="T18" fmla="*/ 75 w 110"/>
+                  <a:gd name="T19" fmla="*/ 40 h 221"/>
+                  <a:gd name="T20" fmla="*/ 92 w 110"/>
+                  <a:gd name="T21" fmla="*/ 82 h 221"/>
+                  <a:gd name="T22" fmla="*/ 92 w 110"/>
+                  <a:gd name="T23" fmla="*/ 150 h 221"/>
+                  <a:gd name="T24" fmla="*/ 35 w 110"/>
+                  <a:gd name="T25" fmla="*/ 181 h 221"/>
+                  <a:gd name="T26" fmla="*/ 18 w 110"/>
+                  <a:gd name="T27" fmla="*/ 139 h 221"/>
+                  <a:gd name="T28" fmla="*/ 18 w 110"/>
+                  <a:gd name="T29" fmla="*/ 71 h 221"/>
+                </a:gdLst>
+                <a:ahLst/>
+                <a:cxnLst>
+                  <a:cxn ang="0">
+                    <a:pos x="T0" y="T1"/>
+                  </a:cxn>
+                  <a:cxn ang="0">
+                    <a:pos x="T2" y="T3"/>
+                  </a:cxn>
+                  <a:cxn ang="0">
+                    <a:pos x="T4" y="T5"/>
+                  </a:cxn>
+                  <a:cxn ang="0">
+                    <a:pos x="T6" y="T7"/>
+                  </a:cxn>
+                  <a:cxn ang="0">
+                    <a:pos x="T8" y="T9"/>
+                  </a:cxn>
+                  <a:cxn ang="0">
+                    <a:pos x="T10" y="T11"/>
+                  </a:cxn>
+                  <a:cxn ang="0">
+                    <a:pos x="T12" y="T13"/>
+                  </a:cxn>
+                  <a:cxn ang="0">
+                    <a:pos x="T14" y="T15"/>
+                  </a:cxn>
+                  <a:cxn ang="0">
+                    <a:pos x="T16" y="T17"/>
+                  </a:cxn>
+                  <a:cxn ang="0">
+                    <a:pos x="T18" y="T19"/>
+                  </a:cxn>
+                  <a:cxn ang="0">
+                    <a:pos x="T20" y="T21"/>
+                  </a:cxn>
+                  <a:cxn ang="0">
+                    <a:pos x="T22" y="T23"/>
+                  </a:cxn>
+                  <a:cxn ang="0">
+                    <a:pos x="T24" y="T25"/>
+                  </a:cxn>
+                  <a:cxn ang="0">
+                    <a:pos x="T26" y="T27"/>
+                  </a:cxn>
+                  <a:cxn ang="0">
+                    <a:pos x="T28" y="T29"/>
+                  </a:cxn>
+                </a:cxnLst>
+                <a:rect l="0" t="0" r="r" b="b"/>
+                <a:pathLst>
+                  <a:path w="110" h="221">
+                    <a:moveTo>
+                      <a:pt x="7" y="169"/>
+                    </a:moveTo>
+                    <a:cubicBezTo>
+                      <a:pt x="29" y="221"/>
+                      <a:pt x="102" y="206"/>
+                      <a:pt x="107" y="152"/>
+                    </a:cubicBezTo>
+                    <a:cubicBezTo>
+                      <a:pt x="107" y="151"/>
+                      <a:pt x="107" y="151"/>
+                      <a:pt x="107" y="150"/>
+                    </a:cubicBezTo>
+                    <a:cubicBezTo>
+                      <a:pt x="107" y="134"/>
+                      <a:pt x="107" y="119"/>
+                      <a:pt x="107" y="103"/>
+                    </a:cubicBezTo>
+                    <a:cubicBezTo>
+                      <a:pt x="107" y="87"/>
+                      <a:pt x="110" y="67"/>
+                      <a:pt x="103" y="52"/>
+                    </a:cubicBezTo>
+                    <a:cubicBezTo>
+                      <a:pt x="81" y="0"/>
+                      <a:pt x="6" y="16"/>
+                      <a:pt x="3" y="71"/>
+                    </a:cubicBezTo>
+                    <a:cubicBezTo>
+                      <a:pt x="2" y="87"/>
+                      <a:pt x="3" y="103"/>
+                      <a:pt x="3" y="118"/>
+                    </a:cubicBezTo>
+                    <a:cubicBezTo>
+                      <a:pt x="3" y="134"/>
+                      <a:pt x="0" y="154"/>
+                      <a:pt x="7" y="169"/>
+                    </a:cubicBezTo>
+                    <a:close/>
+                    <a:moveTo>
+                      <a:pt x="18" y="71"/>
+                    </a:moveTo>
+                    <a:cubicBezTo>
+                      <a:pt x="18" y="41"/>
+                      <a:pt x="50" y="26"/>
+                      <a:pt x="75" y="40"/>
+                    </a:cubicBezTo>
+                    <a:cubicBezTo>
+                      <a:pt x="91" y="49"/>
+                      <a:pt x="92" y="66"/>
+                      <a:pt x="92" y="82"/>
+                    </a:cubicBezTo>
+                    <a:cubicBezTo>
+                      <a:pt x="92" y="105"/>
+                      <a:pt x="92" y="127"/>
+                      <a:pt x="92" y="150"/>
+                    </a:cubicBezTo>
+                    <a:cubicBezTo>
+                      <a:pt x="90" y="180"/>
+                      <a:pt x="61" y="196"/>
+                      <a:pt x="35" y="181"/>
+                    </a:cubicBezTo>
+                    <a:cubicBezTo>
+                      <a:pt x="19" y="172"/>
+                      <a:pt x="18" y="155"/>
+                      <a:pt x="18" y="139"/>
+                    </a:cubicBezTo>
+                    <a:cubicBezTo>
+                      <a:pt x="18" y="117"/>
+                      <a:pt x="18" y="94"/>
+                      <a:pt x="18" y="71"/>
+                    </a:cubicBezTo>
+                    <a:close/>
+                  </a:path>
+                </a:pathLst>
+              </a:custGeom>
+              <a:solidFill>
+                <a:srgbClr val="FFFFFF"/>
+              </a:solidFill>
+              <a:ln w="9525">
+                <a:noFill/>
+                <a:round/>
+                <a:headEnd/>
+                <a:tailEnd/>
+              </a:ln>
+            </p:spPr>
+            <p:txBody>
+              <a:bodyPr vert="horz" wrap="square" lIns="91440" tIns="45720" rIns="91440" bIns="45720" numCol="1" anchor="t" anchorCtr="0" compatLnSpc="1">
+                <a:prstTxWarp prst="textNoShape">
+                  <a:avLst/>
+                </a:prstTxWarp>
+              </a:bodyPr>
+              <a:lstStyle/>
+              <a:p>
+                <a:endParaRPr lang="en-IN"/>
+              </a:p>
+            </p:txBody>
+          </p:sp>
+          <p:sp>
+            <p:nvSpPr>
+              <p:cNvPr id="14" name="Freeform 16">
+                <a:extLst>
+                  <a:ext uri="{FF2B5EF4-FFF2-40B4-BE49-F238E27FC236}">
+                    <a16:creationId xmlns:a16="http://schemas.microsoft.com/office/drawing/2014/main" id="{D1DAFA70-220A-4342-8B83-2DDBFB612A71}"/>
+                  </a:ext>
+                </a:extLst>
+              </p:cNvPr>
+              <p:cNvSpPr>
+                <a:spLocks/>
+              </p:cNvSpPr>
+              <p:nvPr/>
+            </p:nvSpPr>
+            <p:spPr bwMode="auto">
+              <a:xfrm>
+                <a:off x="5778500" y="1971676"/>
+                <a:ext cx="635000" cy="558800"/>
+              </a:xfrm>
+              <a:custGeom>
+                <a:avLst/>
+                <a:gdLst>
+                  <a:gd name="T0" fmla="*/ 166 w 166"/>
+                  <a:gd name="T1" fmla="*/ 9 h 147"/>
+                  <a:gd name="T2" fmla="*/ 151 w 166"/>
+                  <a:gd name="T3" fmla="*/ 9 h 147"/>
+                  <a:gd name="T4" fmla="*/ 83 w 166"/>
+                  <a:gd name="T5" fmla="*/ 77 h 147"/>
+                  <a:gd name="T6" fmla="*/ 15 w 166"/>
+                  <a:gd name="T7" fmla="*/ 9 h 147"/>
+                  <a:gd name="T8" fmla="*/ 0 w 166"/>
+                  <a:gd name="T9" fmla="*/ 9 h 147"/>
+                  <a:gd name="T10" fmla="*/ 76 w 166"/>
+                  <a:gd name="T11" fmla="*/ 92 h 147"/>
+                  <a:gd name="T12" fmla="*/ 76 w 166"/>
+                  <a:gd name="T13" fmla="*/ 138 h 147"/>
+                  <a:gd name="T14" fmla="*/ 91 w 166"/>
+                  <a:gd name="T15" fmla="*/ 138 h 147"/>
+                  <a:gd name="T16" fmla="*/ 91 w 166"/>
+                  <a:gd name="T17" fmla="*/ 92 h 147"/>
+                  <a:gd name="T18" fmla="*/ 166 w 166"/>
+                  <a:gd name="T19" fmla="*/ 9 h 147"/>
+                </a:gdLst>
+                <a:ahLst/>
+                <a:cxnLst>
+                  <a:cxn ang="0">
+                    <a:pos x="T0" y="T1"/>
+                  </a:cxn>
+                  <a:cxn ang="0">
+                    <a:pos x="T2" y="T3"/>
+                  </a:cxn>
+                  <a:cxn ang="0">
+                    <a:pos x="T4" y="T5"/>
+                  </a:cxn>
+                  <a:cxn ang="0">
+                    <a:pos x="T6" y="T7"/>
+                  </a:cxn>
+                  <a:cxn ang="0">
+                    <a:pos x="T8" y="T9"/>
+                  </a:cxn>
+                  <a:cxn ang="0">
+                    <a:pos x="T10" y="T11"/>
+                  </a:cxn>
+                  <a:cxn ang="0">
+                    <a:pos x="T12" y="T13"/>
+                  </a:cxn>
+                  <a:cxn ang="0">
+                    <a:pos x="T14" y="T15"/>
+                  </a:cxn>
+                  <a:cxn ang="0">
+                    <a:pos x="T16" y="T17"/>
+                  </a:cxn>
+                  <a:cxn ang="0">
+                    <a:pos x="T18" y="T19"/>
+                  </a:cxn>
+                </a:cxnLst>
+                <a:rect l="0" t="0" r="r" b="b"/>
+                <a:pathLst>
+                  <a:path w="166" h="147">
+                    <a:moveTo>
+                      <a:pt x="166" y="9"/>
+                    </a:moveTo>
+                    <a:cubicBezTo>
+                      <a:pt x="166" y="0"/>
+                      <a:pt x="151" y="0"/>
+                      <a:pt x="151" y="9"/>
+                    </a:cubicBezTo>
+                    <a:cubicBezTo>
+                      <a:pt x="149" y="47"/>
+                      <a:pt x="121" y="76"/>
+                      <a:pt x="83" y="77"/>
+                    </a:cubicBezTo>
+                    <a:cubicBezTo>
+                      <a:pt x="45" y="79"/>
+                      <a:pt x="17" y="45"/>
+                      <a:pt x="15" y="9"/>
+                    </a:cubicBezTo>
+                    <a:cubicBezTo>
+                      <a:pt x="15" y="0"/>
+                      <a:pt x="0" y="0"/>
+                      <a:pt x="0" y="9"/>
+                    </a:cubicBezTo>
+                    <a:cubicBezTo>
+                      <a:pt x="2" y="53"/>
+                      <a:pt x="33" y="87"/>
+                      <a:pt x="76" y="92"/>
+                    </a:cubicBezTo>
+                    <a:cubicBezTo>
+                      <a:pt x="76" y="107"/>
+                      <a:pt x="76" y="122"/>
+                      <a:pt x="76" y="138"/>
+                    </a:cubicBezTo>
+                    <a:cubicBezTo>
+                      <a:pt x="76" y="147"/>
+                      <a:pt x="91" y="147"/>
+                      <a:pt x="91" y="138"/>
+                    </a:cubicBezTo>
+                    <a:cubicBezTo>
+                      <a:pt x="91" y="122"/>
+                      <a:pt x="91" y="107"/>
+                      <a:pt x="91" y="92"/>
+                    </a:cubicBezTo>
+                    <a:cubicBezTo>
+                      <a:pt x="133" y="89"/>
+                      <a:pt x="164" y="51"/>
+                      <a:pt x="166" y="9"/>
+                    </a:cubicBezTo>
+                    <a:close/>
+                  </a:path>
+                </a:pathLst>
+              </a:custGeom>
+              <a:solidFill>
+                <a:srgbClr val="FFFFFF"/>
+              </a:solidFill>
+              <a:ln w="9525">
+                <a:noFill/>
+                <a:round/>
+                <a:headEnd/>
+                <a:tailEnd/>
+              </a:ln>
+            </p:spPr>
+            <p:txBody>
+              <a:bodyPr vert="horz" wrap="square" lIns="91440" tIns="45720" rIns="91440" bIns="45720" numCol="1" anchor="t" anchorCtr="0" compatLnSpc="1">
+                <a:prstTxWarp prst="textNoShape">
+                  <a:avLst/>
+                </a:prstTxWarp>
+              </a:bodyPr>
+              <a:lstStyle/>
+              <a:p>
+                <a:endParaRPr lang="en-IN"/>
+              </a:p>
+            </p:txBody>
+          </p:sp>
+        </p:grpSp>
+      </p:grpSp>
+      <p:pic>
+        <p:nvPicPr>
+          <p:cNvPr id="29" name="Picture 28">
+            <a:extLst>
+              <a:ext uri="{FF2B5EF4-FFF2-40B4-BE49-F238E27FC236}">
+                <a16:creationId xmlns:a16="http://schemas.microsoft.com/office/drawing/2014/main" id="{34E6F932-55B2-450E-8A60-4DECD785990C}"/>
+              </a:ext>
+            </a:extLst>
+          </p:cNvPr>
+          <p:cNvPicPr>
+            <a:picLocks noChangeAspect="1"/>
+          </p:cNvPicPr>
+          <p:nvPr/>
+        </p:nvPicPr>
+        <p:blipFill>
+          <a:blip r:embed="rId2"/>
+          <a:stretch>
+            <a:fillRect/>
+          </a:stretch>
+        </p:blipFill>
+        <p:spPr>
+          <a:xfrm>
+            <a:off x="804375" y="1738452"/>
+            <a:ext cx="10388520" cy="4104456"/>
+          </a:xfrm>
+          <a:prstGeom prst="rect">
+            <a:avLst/>
+          </a:prstGeom>
+        </p:spPr>
+      </p:pic>
+      <p:pic>
+        <p:nvPicPr>
+          <p:cNvPr id="31" name="Picture 30">
+            <a:extLst>
+              <a:ext uri="{FF2B5EF4-FFF2-40B4-BE49-F238E27FC236}">
+                <a16:creationId xmlns:a16="http://schemas.microsoft.com/office/drawing/2014/main" id="{048CF814-70C7-456A-93E2-0C300AB1435D}"/>
+              </a:ext>
+            </a:extLst>
+          </p:cNvPr>
+          <p:cNvPicPr>
+            <a:picLocks noChangeAspect="1"/>
+          </p:cNvPicPr>
+          <p:nvPr/>
+        </p:nvPicPr>
+        <p:blipFill rotWithShape="1">
+          <a:blip r:embed="rId3"/>
+          <a:srcRect b="355"/>
+          <a:stretch/>
+        </p:blipFill>
+        <p:spPr>
+          <a:xfrm>
+            <a:off x="6633893" y="3448472"/>
+            <a:ext cx="4559002" cy="2394436"/>
+          </a:xfrm>
+          <a:prstGeom prst="rect">
+            <a:avLst/>
+          </a:prstGeom>
+        </p:spPr>
+      </p:pic>
+    </p:spTree>
+    <p:extLst>
+      <p:ext uri="{BB962C8B-B14F-4D97-AF65-F5344CB8AC3E}">
+        <p14:creationId xmlns:p14="http://schemas.microsoft.com/office/powerpoint/2010/main" val="943911080"/>
+      </p:ext>
+    </p:extLst>
+  </p:cSld>
+  <p:clrMapOvr>
+    <a:masterClrMapping/>
+  </p:clrMapOvr>
+</p:sld>
+</file>
+
+<file path=ppt/slides/slide17.xml><?xml version="1.0" encoding="utf-8"?>
+<p:sld xmlns:a="http://schemas.openxmlformats.org/drawingml/2006/main" xmlns:r="http://schemas.openxmlformats.org/officeDocument/2006/relationships" xmlns:p="http://schemas.openxmlformats.org/presentationml/2006/main">
+  <p:cSld>
+    <p:bg>
+      <p:bgPr>
+        <a:gradFill>
+          <a:gsLst>
+            <a:gs pos="10000">
+              <a:schemeClr val="accent2"/>
+            </a:gs>
+            <a:gs pos="94000">
+              <a:schemeClr val="accent3">
+                <a:lumMod val="75000"/>
+              </a:schemeClr>
+            </a:gs>
+          </a:gsLst>
+          <a:lin ang="2700000" scaled="1"/>
+        </a:gradFill>
+        <a:effectLst/>
+      </p:bgPr>
+    </p:bg>
+    <p:spTree>
+      <p:nvGrpSpPr>
+        <p:cNvPr id="1" name=""/>
+        <p:cNvGrpSpPr/>
+        <p:nvPr/>
+      </p:nvGrpSpPr>
+      <p:grpSpPr>
+        <a:xfrm>
+          <a:off x="0" y="0"/>
+          <a:ext cx="0" cy="0"/>
+          <a:chOff x="0" y="0"/>
+          <a:chExt cx="0" cy="0"/>
+        </a:xfrm>
+      </p:grpSpPr>
+      <p:sp>
+        <p:nvSpPr>
+          <p:cNvPr id="100" name="TextBox 99">
+            <a:extLst>
+              <a:ext uri="{FF2B5EF4-FFF2-40B4-BE49-F238E27FC236}">
+                <a16:creationId xmlns:a16="http://schemas.microsoft.com/office/drawing/2014/main" id="{BD0EC9BB-513A-4F47-98C1-1E679D2DB7BB}"/>
+              </a:ext>
+            </a:extLst>
+          </p:cNvPr>
+          <p:cNvSpPr txBox="1"/>
+          <p:nvPr/>
+        </p:nvSpPr>
+        <p:spPr>
+          <a:xfrm>
+            <a:off x="757766" y="476672"/>
+            <a:ext cx="11377264" cy="757130"/>
+          </a:xfrm>
+          <a:prstGeom prst="rect">
+            <a:avLst/>
+          </a:prstGeom>
+          <a:noFill/>
+        </p:spPr>
+        <p:txBody>
+          <a:bodyPr wrap="square">
+            <a:spAutoFit/>
+          </a:bodyPr>
+          <a:lstStyle/>
+          <a:p>
+            <a:pPr>
+              <a:lnSpc>
+                <a:spcPct val="90000"/>
+              </a:lnSpc>
+              <a:spcBef>
+                <a:spcPts val="400"/>
+              </a:spcBef>
+            </a:pPr>
+            <a:r>
+              <a:rPr lang="en-IN" sz="4800" b="1" dirty="0">
+                <a:solidFill>
+                  <a:schemeClr val="bg1"/>
+                </a:solidFill>
+                <a:ea typeface="Open Sans" panose="020B0606030504020204" pitchFamily="34" charset="0"/>
+                <a:cs typeface="Open Sans" panose="020B0606030504020204" pitchFamily="34" charset="0"/>
+              </a:rPr>
+              <a:t>Open System App</a:t>
+            </a:r>
+          </a:p>
+        </p:txBody>
+      </p:sp>
+      <p:grpSp>
+        <p:nvGrpSpPr>
+          <p:cNvPr id="10" name="Group 9">
+            <a:extLst>
+              <a:ext uri="{FF2B5EF4-FFF2-40B4-BE49-F238E27FC236}">
+                <a16:creationId xmlns:a16="http://schemas.microsoft.com/office/drawing/2014/main" id="{0EF55929-6444-4014-A9B7-9F010226A7DB}"/>
+              </a:ext>
+            </a:extLst>
+          </p:cNvPr>
+          <p:cNvGrpSpPr/>
+          <p:nvPr/>
+        </p:nvGrpSpPr>
+        <p:grpSpPr>
+          <a:xfrm>
+            <a:off x="10558908" y="235607"/>
+            <a:ext cx="1245309" cy="1195694"/>
+            <a:chOff x="5352732" y="1034056"/>
+            <a:chExt cx="1483360" cy="1484714"/>
+          </a:xfrm>
+        </p:grpSpPr>
+        <p:sp>
+          <p:nvSpPr>
+            <p:cNvPr id="11" name="Oval 10">
+              <a:extLst>
+                <a:ext uri="{FF2B5EF4-FFF2-40B4-BE49-F238E27FC236}">
+                  <a16:creationId xmlns:a16="http://schemas.microsoft.com/office/drawing/2014/main" id="{C0214DB5-85F1-4609-9978-94D3ABF0E29C}"/>
+                </a:ext>
+              </a:extLst>
+            </p:cNvPr>
+            <p:cNvSpPr>
+              <a:spLocks noChangeArrowheads="1"/>
+            </p:cNvSpPr>
+            <p:nvPr/>
+          </p:nvSpPr>
+          <p:spPr bwMode="auto">
+            <a:xfrm>
+              <a:off x="5352732" y="1034056"/>
+              <a:ext cx="1483360" cy="1484714"/>
+            </a:xfrm>
+            <a:prstGeom prst="ellipse">
+              <a:avLst/>
+            </a:prstGeom>
+            <a:solidFill>
+              <a:schemeClr val="accent2"/>
+            </a:solidFill>
+            <a:ln>
+              <a:noFill/>
+            </a:ln>
+            <a:effectLst/>
+          </p:spPr>
+          <p:txBody>
+            <a:bodyPr vert="horz" wrap="square" lIns="91440" tIns="45720" rIns="91440" bIns="45720" numCol="1" anchor="t" anchorCtr="0" compatLnSpc="1">
+              <a:prstTxWarp prst="textNoShape">
+                <a:avLst/>
+              </a:prstTxWarp>
+            </a:bodyPr>
+            <a:lstStyle/>
+            <a:p>
+              <a:endParaRPr lang="en-IN" dirty="0"/>
+            </a:p>
+          </p:txBody>
+        </p:sp>
+        <p:grpSp>
+          <p:nvGrpSpPr>
+            <p:cNvPr id="12" name="Group 11">
+              <a:extLst>
+                <a:ext uri="{FF2B5EF4-FFF2-40B4-BE49-F238E27FC236}">
+                  <a16:creationId xmlns:a16="http://schemas.microsoft.com/office/drawing/2014/main" id="{2DAC1FEA-B91A-4A66-9758-5A023D51FBB6}"/>
+                </a:ext>
+              </a:extLst>
+            </p:cNvPr>
+            <p:cNvGrpSpPr/>
+            <p:nvPr/>
+          </p:nvGrpSpPr>
+          <p:grpSpPr>
+            <a:xfrm>
+              <a:off x="5872025" y="1390015"/>
+              <a:ext cx="444774" cy="772796"/>
+              <a:chOff x="5778500" y="1427163"/>
+              <a:chExt cx="635000" cy="1103313"/>
+            </a:xfrm>
+          </p:grpSpPr>
+          <p:sp>
+            <p:nvSpPr>
+              <p:cNvPr id="13" name="Freeform 15">
+                <a:extLst>
+                  <a:ext uri="{FF2B5EF4-FFF2-40B4-BE49-F238E27FC236}">
+                    <a16:creationId xmlns:a16="http://schemas.microsoft.com/office/drawing/2014/main" id="{CBD27E50-CE94-4483-A911-011825D8AC4A}"/>
+                  </a:ext>
+                </a:extLst>
+              </p:cNvPr>
+              <p:cNvSpPr>
+                <a:spLocks noEditPoints="1"/>
+              </p:cNvSpPr>
+              <p:nvPr/>
+            </p:nvSpPr>
+            <p:spPr bwMode="auto">
+              <a:xfrm>
+                <a:off x="5886450" y="1427163"/>
+                <a:ext cx="420688" cy="841375"/>
+              </a:xfrm>
+              <a:custGeom>
+                <a:avLst/>
+                <a:gdLst>
+                  <a:gd name="T0" fmla="*/ 7 w 110"/>
+                  <a:gd name="T1" fmla="*/ 169 h 221"/>
+                  <a:gd name="T2" fmla="*/ 107 w 110"/>
+                  <a:gd name="T3" fmla="*/ 152 h 221"/>
+                  <a:gd name="T4" fmla="*/ 107 w 110"/>
+                  <a:gd name="T5" fmla="*/ 150 h 221"/>
+                  <a:gd name="T6" fmla="*/ 107 w 110"/>
+                  <a:gd name="T7" fmla="*/ 103 h 221"/>
+                  <a:gd name="T8" fmla="*/ 103 w 110"/>
+                  <a:gd name="T9" fmla="*/ 52 h 221"/>
+                  <a:gd name="T10" fmla="*/ 3 w 110"/>
+                  <a:gd name="T11" fmla="*/ 71 h 221"/>
+                  <a:gd name="T12" fmla="*/ 3 w 110"/>
+                  <a:gd name="T13" fmla="*/ 118 h 221"/>
+                  <a:gd name="T14" fmla="*/ 7 w 110"/>
+                  <a:gd name="T15" fmla="*/ 169 h 221"/>
+                  <a:gd name="T16" fmla="*/ 18 w 110"/>
+                  <a:gd name="T17" fmla="*/ 71 h 221"/>
+                  <a:gd name="T18" fmla="*/ 75 w 110"/>
+                  <a:gd name="T19" fmla="*/ 40 h 221"/>
+                  <a:gd name="T20" fmla="*/ 92 w 110"/>
+                  <a:gd name="T21" fmla="*/ 82 h 221"/>
+                  <a:gd name="T22" fmla="*/ 92 w 110"/>
+                  <a:gd name="T23" fmla="*/ 150 h 221"/>
+                  <a:gd name="T24" fmla="*/ 35 w 110"/>
+                  <a:gd name="T25" fmla="*/ 181 h 221"/>
+                  <a:gd name="T26" fmla="*/ 18 w 110"/>
+                  <a:gd name="T27" fmla="*/ 139 h 221"/>
+                  <a:gd name="T28" fmla="*/ 18 w 110"/>
+                  <a:gd name="T29" fmla="*/ 71 h 221"/>
+                </a:gdLst>
+                <a:ahLst/>
+                <a:cxnLst>
+                  <a:cxn ang="0">
+                    <a:pos x="T0" y="T1"/>
+                  </a:cxn>
+                  <a:cxn ang="0">
+                    <a:pos x="T2" y="T3"/>
+                  </a:cxn>
+                  <a:cxn ang="0">
+                    <a:pos x="T4" y="T5"/>
+                  </a:cxn>
+                  <a:cxn ang="0">
+                    <a:pos x="T6" y="T7"/>
+                  </a:cxn>
+                  <a:cxn ang="0">
+                    <a:pos x="T8" y="T9"/>
+                  </a:cxn>
+                  <a:cxn ang="0">
+                    <a:pos x="T10" y="T11"/>
+                  </a:cxn>
+                  <a:cxn ang="0">
+                    <a:pos x="T12" y="T13"/>
+                  </a:cxn>
+                  <a:cxn ang="0">
+                    <a:pos x="T14" y="T15"/>
+                  </a:cxn>
+                  <a:cxn ang="0">
+                    <a:pos x="T16" y="T17"/>
+                  </a:cxn>
+                  <a:cxn ang="0">
+                    <a:pos x="T18" y="T19"/>
+                  </a:cxn>
+                  <a:cxn ang="0">
+                    <a:pos x="T20" y="T21"/>
+                  </a:cxn>
+                  <a:cxn ang="0">
+                    <a:pos x="T22" y="T23"/>
+                  </a:cxn>
+                  <a:cxn ang="0">
+                    <a:pos x="T24" y="T25"/>
+                  </a:cxn>
+                  <a:cxn ang="0">
+                    <a:pos x="T26" y="T27"/>
+                  </a:cxn>
+                  <a:cxn ang="0">
+                    <a:pos x="T28" y="T29"/>
+                  </a:cxn>
+                </a:cxnLst>
+                <a:rect l="0" t="0" r="r" b="b"/>
+                <a:pathLst>
+                  <a:path w="110" h="221">
+                    <a:moveTo>
+                      <a:pt x="7" y="169"/>
+                    </a:moveTo>
+                    <a:cubicBezTo>
+                      <a:pt x="29" y="221"/>
+                      <a:pt x="102" y="206"/>
+                      <a:pt x="107" y="152"/>
+                    </a:cubicBezTo>
+                    <a:cubicBezTo>
+                      <a:pt x="107" y="151"/>
+                      <a:pt x="107" y="151"/>
+                      <a:pt x="107" y="150"/>
+                    </a:cubicBezTo>
+                    <a:cubicBezTo>
+                      <a:pt x="107" y="134"/>
+                      <a:pt x="107" y="119"/>
+                      <a:pt x="107" y="103"/>
+                    </a:cubicBezTo>
+                    <a:cubicBezTo>
+                      <a:pt x="107" y="87"/>
+                      <a:pt x="110" y="67"/>
+                      <a:pt x="103" y="52"/>
+                    </a:cubicBezTo>
+                    <a:cubicBezTo>
+                      <a:pt x="81" y="0"/>
+                      <a:pt x="6" y="16"/>
+                      <a:pt x="3" y="71"/>
+                    </a:cubicBezTo>
+                    <a:cubicBezTo>
+                      <a:pt x="2" y="87"/>
+                      <a:pt x="3" y="103"/>
+                      <a:pt x="3" y="118"/>
+                    </a:cubicBezTo>
+                    <a:cubicBezTo>
+                      <a:pt x="3" y="134"/>
+                      <a:pt x="0" y="154"/>
+                      <a:pt x="7" y="169"/>
+                    </a:cubicBezTo>
+                    <a:close/>
+                    <a:moveTo>
+                      <a:pt x="18" y="71"/>
+                    </a:moveTo>
+                    <a:cubicBezTo>
+                      <a:pt x="18" y="41"/>
+                      <a:pt x="50" y="26"/>
+                      <a:pt x="75" y="40"/>
+                    </a:cubicBezTo>
+                    <a:cubicBezTo>
+                      <a:pt x="91" y="49"/>
+                      <a:pt x="92" y="66"/>
+                      <a:pt x="92" y="82"/>
+                    </a:cubicBezTo>
+                    <a:cubicBezTo>
+                      <a:pt x="92" y="105"/>
+                      <a:pt x="92" y="127"/>
+                      <a:pt x="92" y="150"/>
+                    </a:cubicBezTo>
+                    <a:cubicBezTo>
+                      <a:pt x="90" y="180"/>
+                      <a:pt x="61" y="196"/>
+                      <a:pt x="35" y="181"/>
+                    </a:cubicBezTo>
+                    <a:cubicBezTo>
+                      <a:pt x="19" y="172"/>
+                      <a:pt x="18" y="155"/>
+                      <a:pt x="18" y="139"/>
+                    </a:cubicBezTo>
+                    <a:cubicBezTo>
+                      <a:pt x="18" y="117"/>
+                      <a:pt x="18" y="94"/>
+                      <a:pt x="18" y="71"/>
+                    </a:cubicBezTo>
+                    <a:close/>
+                  </a:path>
+                </a:pathLst>
+              </a:custGeom>
+              <a:solidFill>
+                <a:srgbClr val="FFFFFF"/>
+              </a:solidFill>
+              <a:ln w="9525">
+                <a:noFill/>
+                <a:round/>
+                <a:headEnd/>
+                <a:tailEnd/>
+              </a:ln>
+            </p:spPr>
+            <p:txBody>
+              <a:bodyPr vert="horz" wrap="square" lIns="91440" tIns="45720" rIns="91440" bIns="45720" numCol="1" anchor="t" anchorCtr="0" compatLnSpc="1">
+                <a:prstTxWarp prst="textNoShape">
+                  <a:avLst/>
+                </a:prstTxWarp>
+              </a:bodyPr>
+              <a:lstStyle/>
+              <a:p>
+                <a:endParaRPr lang="en-IN"/>
+              </a:p>
+            </p:txBody>
+          </p:sp>
+          <p:sp>
+            <p:nvSpPr>
+              <p:cNvPr id="14" name="Freeform 16">
+                <a:extLst>
+                  <a:ext uri="{FF2B5EF4-FFF2-40B4-BE49-F238E27FC236}">
+                    <a16:creationId xmlns:a16="http://schemas.microsoft.com/office/drawing/2014/main" id="{D1DAFA70-220A-4342-8B83-2DDBFB612A71}"/>
+                  </a:ext>
+                </a:extLst>
+              </p:cNvPr>
+              <p:cNvSpPr>
+                <a:spLocks/>
+              </p:cNvSpPr>
+              <p:nvPr/>
+            </p:nvSpPr>
+            <p:spPr bwMode="auto">
+              <a:xfrm>
+                <a:off x="5778500" y="1971676"/>
+                <a:ext cx="635000" cy="558800"/>
+              </a:xfrm>
+              <a:custGeom>
+                <a:avLst/>
+                <a:gdLst>
+                  <a:gd name="T0" fmla="*/ 166 w 166"/>
+                  <a:gd name="T1" fmla="*/ 9 h 147"/>
+                  <a:gd name="T2" fmla="*/ 151 w 166"/>
+                  <a:gd name="T3" fmla="*/ 9 h 147"/>
+                  <a:gd name="T4" fmla="*/ 83 w 166"/>
+                  <a:gd name="T5" fmla="*/ 77 h 147"/>
+                  <a:gd name="T6" fmla="*/ 15 w 166"/>
+                  <a:gd name="T7" fmla="*/ 9 h 147"/>
+                  <a:gd name="T8" fmla="*/ 0 w 166"/>
+                  <a:gd name="T9" fmla="*/ 9 h 147"/>
+                  <a:gd name="T10" fmla="*/ 76 w 166"/>
+                  <a:gd name="T11" fmla="*/ 92 h 147"/>
+                  <a:gd name="T12" fmla="*/ 76 w 166"/>
+                  <a:gd name="T13" fmla="*/ 138 h 147"/>
+                  <a:gd name="T14" fmla="*/ 91 w 166"/>
+                  <a:gd name="T15" fmla="*/ 138 h 147"/>
+                  <a:gd name="T16" fmla="*/ 91 w 166"/>
+                  <a:gd name="T17" fmla="*/ 92 h 147"/>
+                  <a:gd name="T18" fmla="*/ 166 w 166"/>
+                  <a:gd name="T19" fmla="*/ 9 h 147"/>
+                </a:gdLst>
+                <a:ahLst/>
+                <a:cxnLst>
+                  <a:cxn ang="0">
+                    <a:pos x="T0" y="T1"/>
+                  </a:cxn>
+                  <a:cxn ang="0">
+                    <a:pos x="T2" y="T3"/>
+                  </a:cxn>
+                  <a:cxn ang="0">
+                    <a:pos x="T4" y="T5"/>
+                  </a:cxn>
+                  <a:cxn ang="0">
+                    <a:pos x="T6" y="T7"/>
+                  </a:cxn>
+                  <a:cxn ang="0">
+                    <a:pos x="T8" y="T9"/>
+                  </a:cxn>
+                  <a:cxn ang="0">
+                    <a:pos x="T10" y="T11"/>
+                  </a:cxn>
+                  <a:cxn ang="0">
+                    <a:pos x="T12" y="T13"/>
+                  </a:cxn>
+                  <a:cxn ang="0">
+                    <a:pos x="T14" y="T15"/>
+                  </a:cxn>
+                  <a:cxn ang="0">
+                    <a:pos x="T16" y="T17"/>
+                  </a:cxn>
+                  <a:cxn ang="0">
+                    <a:pos x="T18" y="T19"/>
+                  </a:cxn>
+                </a:cxnLst>
+                <a:rect l="0" t="0" r="r" b="b"/>
+                <a:pathLst>
+                  <a:path w="166" h="147">
+                    <a:moveTo>
+                      <a:pt x="166" y="9"/>
+                    </a:moveTo>
+                    <a:cubicBezTo>
+                      <a:pt x="166" y="0"/>
+                      <a:pt x="151" y="0"/>
+                      <a:pt x="151" y="9"/>
+                    </a:cubicBezTo>
+                    <a:cubicBezTo>
+                      <a:pt x="149" y="47"/>
+                      <a:pt x="121" y="76"/>
+                      <a:pt x="83" y="77"/>
+                    </a:cubicBezTo>
+                    <a:cubicBezTo>
+                      <a:pt x="45" y="79"/>
+                      <a:pt x="17" y="45"/>
+                      <a:pt x="15" y="9"/>
+                    </a:cubicBezTo>
+                    <a:cubicBezTo>
+                      <a:pt x="15" y="0"/>
+                      <a:pt x="0" y="0"/>
+                      <a:pt x="0" y="9"/>
+                    </a:cubicBezTo>
+                    <a:cubicBezTo>
+                      <a:pt x="2" y="53"/>
+                      <a:pt x="33" y="87"/>
+                      <a:pt x="76" y="92"/>
+                    </a:cubicBezTo>
+                    <a:cubicBezTo>
+                      <a:pt x="76" y="107"/>
+                      <a:pt x="76" y="122"/>
+                      <a:pt x="76" y="138"/>
+                    </a:cubicBezTo>
+                    <a:cubicBezTo>
+                      <a:pt x="76" y="147"/>
+                      <a:pt x="91" y="147"/>
+                      <a:pt x="91" y="138"/>
+                    </a:cubicBezTo>
+                    <a:cubicBezTo>
+                      <a:pt x="91" y="122"/>
+                      <a:pt x="91" y="107"/>
+                      <a:pt x="91" y="92"/>
+                    </a:cubicBezTo>
+                    <a:cubicBezTo>
+                      <a:pt x="133" y="89"/>
+                      <a:pt x="164" y="51"/>
+                      <a:pt x="166" y="9"/>
+                    </a:cubicBezTo>
+                    <a:close/>
+                  </a:path>
+                </a:pathLst>
+              </a:custGeom>
+              <a:solidFill>
+                <a:srgbClr val="FFFFFF"/>
+              </a:solidFill>
+              <a:ln w="9525">
+                <a:noFill/>
+                <a:round/>
+                <a:headEnd/>
+                <a:tailEnd/>
+              </a:ln>
+            </p:spPr>
+            <p:txBody>
+              <a:bodyPr vert="horz" wrap="square" lIns="91440" tIns="45720" rIns="91440" bIns="45720" numCol="1" anchor="t" anchorCtr="0" compatLnSpc="1">
+                <a:prstTxWarp prst="textNoShape">
+                  <a:avLst/>
+                </a:prstTxWarp>
+              </a:bodyPr>
+              <a:lstStyle/>
+              <a:p>
+                <a:endParaRPr lang="en-IN"/>
+              </a:p>
+            </p:txBody>
+          </p:sp>
+        </p:grpSp>
+      </p:grpSp>
+      <p:pic>
+        <p:nvPicPr>
+          <p:cNvPr id="3" name="Picture 2">
+            <a:extLst>
+              <a:ext uri="{FF2B5EF4-FFF2-40B4-BE49-F238E27FC236}">
+                <a16:creationId xmlns:a16="http://schemas.microsoft.com/office/drawing/2014/main" id="{3A22B78C-625C-4A0E-90E3-019E50F9368B}"/>
+              </a:ext>
+            </a:extLst>
+          </p:cNvPr>
+          <p:cNvPicPr>
+            <a:picLocks noChangeAspect="1"/>
+          </p:cNvPicPr>
+          <p:nvPr/>
+        </p:nvPicPr>
+        <p:blipFill rotWithShape="1">
+          <a:blip r:embed="rId2"/>
+          <a:srcRect r="9104" b="23698"/>
+          <a:stretch/>
+        </p:blipFill>
+        <p:spPr>
+          <a:xfrm>
+            <a:off x="837828" y="1474867"/>
+            <a:ext cx="9832131" cy="2728176"/>
+          </a:xfrm>
+          <a:prstGeom prst="rect">
+            <a:avLst/>
+          </a:prstGeom>
+        </p:spPr>
+      </p:pic>
+      <p:pic>
+        <p:nvPicPr>
+          <p:cNvPr id="5" name="Picture 4">
+            <a:extLst>
+              <a:ext uri="{FF2B5EF4-FFF2-40B4-BE49-F238E27FC236}">
+                <a16:creationId xmlns:a16="http://schemas.microsoft.com/office/drawing/2014/main" id="{E8F76CB1-A8F7-4C16-A175-788D0F28A6D1}"/>
+              </a:ext>
+            </a:extLst>
+          </p:cNvPr>
+          <p:cNvPicPr>
+            <a:picLocks noChangeAspect="1"/>
+          </p:cNvPicPr>
+          <p:nvPr/>
+        </p:nvPicPr>
+        <p:blipFill>
+          <a:blip r:embed="rId3"/>
+          <a:stretch>
+            <a:fillRect/>
+          </a:stretch>
+        </p:blipFill>
+        <p:spPr>
+          <a:xfrm>
+            <a:off x="837829" y="4203043"/>
+            <a:ext cx="9832130" cy="1890253"/>
+          </a:xfrm>
+          <a:prstGeom prst="rect">
+            <a:avLst/>
+          </a:prstGeom>
+        </p:spPr>
+      </p:pic>
+      <p:pic>
+        <p:nvPicPr>
+          <p:cNvPr id="9" name="Picture 8">
+            <a:extLst>
+              <a:ext uri="{FF2B5EF4-FFF2-40B4-BE49-F238E27FC236}">
+                <a16:creationId xmlns:a16="http://schemas.microsoft.com/office/drawing/2014/main" id="{94F02D67-3DA3-48F1-B160-3A65CB709DF6}"/>
+              </a:ext>
+            </a:extLst>
+          </p:cNvPr>
+          <p:cNvPicPr>
+            <a:picLocks noChangeAspect="1"/>
+          </p:cNvPicPr>
+          <p:nvPr/>
+        </p:nvPicPr>
+        <p:blipFill rotWithShape="1">
+          <a:blip r:embed="rId4"/>
+          <a:srcRect l="-38377" t="-36709" r="-7298" b="2147"/>
+          <a:stretch/>
+        </p:blipFill>
+        <p:spPr>
+          <a:xfrm>
+            <a:off x="2797661" y="2038643"/>
+            <a:ext cx="8280920" cy="4055645"/>
+          </a:xfrm>
+          <a:prstGeom prst="rect">
+            <a:avLst/>
+          </a:prstGeom>
+        </p:spPr>
+      </p:pic>
+    </p:spTree>
+    <p:extLst>
+      <p:ext uri="{BB962C8B-B14F-4D97-AF65-F5344CB8AC3E}">
+        <p14:creationId xmlns:p14="http://schemas.microsoft.com/office/powerpoint/2010/main" val="1017201136"/>
+      </p:ext>
+    </p:extLst>
+  </p:cSld>
+  <p:clrMapOvr>
+    <a:masterClrMapping/>
+  </p:clrMapOvr>
+</p:sld>
+</file>
+
+<file path=ppt/slides/slide18.xml><?xml version="1.0" encoding="utf-8"?>
+<p:sld xmlns:a="http://schemas.openxmlformats.org/drawingml/2006/main" xmlns:r="http://schemas.openxmlformats.org/officeDocument/2006/relationships" xmlns:p="http://schemas.openxmlformats.org/presentationml/2006/main">
+  <p:cSld>
+    <p:bg>
+      <p:bgPr>
+        <a:gradFill>
+          <a:gsLst>
+            <a:gs pos="10000">
+              <a:schemeClr val="accent2"/>
+            </a:gs>
+            <a:gs pos="94000">
+              <a:schemeClr val="accent3">
+                <a:lumMod val="75000"/>
+              </a:schemeClr>
+            </a:gs>
+          </a:gsLst>
+          <a:lin ang="2700000" scaled="1"/>
+        </a:gradFill>
+        <a:effectLst/>
+      </p:bgPr>
+    </p:bg>
+    <p:spTree>
+      <p:nvGrpSpPr>
+        <p:cNvPr id="1" name=""/>
+        <p:cNvGrpSpPr/>
+        <p:nvPr/>
+      </p:nvGrpSpPr>
+      <p:grpSpPr>
+        <a:xfrm>
+          <a:off x="0" y="0"/>
+          <a:ext cx="0" cy="0"/>
+          <a:chOff x="0" y="0"/>
+          <a:chExt cx="0" cy="0"/>
+        </a:xfrm>
+      </p:grpSpPr>
+      <p:sp>
+        <p:nvSpPr>
           <p:cNvPr id="5" name="Rectangle 4">
             <a:extLst>
               <a:ext uri="{FF2B5EF4-FFF2-40B4-BE49-F238E27FC236}">
@@ -16081,7 +18555,7 @@
 </p:sld>
 </file>
 
-<file path=ppt/slides/slide15.xml><?xml version="1.0" encoding="utf-8"?>
+<file path=ppt/slides/slide19.xml><?xml version="1.0" encoding="utf-8"?>
 <p:sld xmlns:a="http://schemas.openxmlformats.org/drawingml/2006/main" xmlns:r="http://schemas.openxmlformats.org/officeDocument/2006/relationships" xmlns:p="http://schemas.openxmlformats.org/presentationml/2006/main">
   <p:cSld>
     <p:bg>
@@ -22891,7 +25365,1472 @@
 </p:sld>
 </file>
 
-<file path=ppt/slides/slide16.xml><?xml version="1.0" encoding="utf-8"?>
+<file path=ppt/slides/slide2.xml><?xml version="1.0" encoding="utf-8"?>
+<p:sld xmlns:a="http://schemas.openxmlformats.org/drawingml/2006/main" xmlns:r="http://schemas.openxmlformats.org/officeDocument/2006/relationships" xmlns:p="http://schemas.openxmlformats.org/presentationml/2006/main">
+  <p:cSld>
+    <p:bg>
+      <p:bgPr>
+        <a:solidFill>
+          <a:schemeClr val="bg1"/>
+        </a:solidFill>
+        <a:effectLst/>
+      </p:bgPr>
+    </p:bg>
+    <p:spTree>
+      <p:nvGrpSpPr>
+        <p:cNvPr id="1" name=""/>
+        <p:cNvGrpSpPr/>
+        <p:nvPr/>
+      </p:nvGrpSpPr>
+      <p:grpSpPr>
+        <a:xfrm>
+          <a:off x="0" y="0"/>
+          <a:ext cx="0" cy="0"/>
+          <a:chOff x="0" y="0"/>
+          <a:chExt cx="0" cy="0"/>
+        </a:xfrm>
+      </p:grpSpPr>
+      <p:grpSp>
+        <p:nvGrpSpPr>
+          <p:cNvPr id="209" name="Group 208">
+            <a:extLst>
+              <a:ext uri="{FF2B5EF4-FFF2-40B4-BE49-F238E27FC236}">
+                <a16:creationId xmlns:a16="http://schemas.microsoft.com/office/drawing/2014/main" id="{40D6D26E-6BAA-4DB4-BFDB-394A556CC477}"/>
+              </a:ext>
+            </a:extLst>
+          </p:cNvPr>
+          <p:cNvGrpSpPr/>
+          <p:nvPr/>
+        </p:nvGrpSpPr>
+        <p:grpSpPr>
+          <a:xfrm>
+            <a:off x="8594695" y="2357290"/>
+            <a:ext cx="1338490" cy="1339710"/>
+            <a:chOff x="5352732" y="1034056"/>
+            <a:chExt cx="1483360" cy="1484714"/>
+          </a:xfrm>
+        </p:grpSpPr>
+        <p:sp>
+          <p:nvSpPr>
+            <p:cNvPr id="210" name="Oval 209">
+              <a:extLst>
+                <a:ext uri="{FF2B5EF4-FFF2-40B4-BE49-F238E27FC236}">
+                  <a16:creationId xmlns:a16="http://schemas.microsoft.com/office/drawing/2014/main" id="{687FE17B-BDC8-492D-AB09-53A7FF042438}"/>
+                </a:ext>
+              </a:extLst>
+            </p:cNvPr>
+            <p:cNvSpPr>
+              <a:spLocks noChangeArrowheads="1"/>
+            </p:cNvSpPr>
+            <p:nvPr/>
+          </p:nvSpPr>
+          <p:spPr bwMode="auto">
+            <a:xfrm>
+              <a:off x="5352732" y="1034056"/>
+              <a:ext cx="1483360" cy="1484714"/>
+            </a:xfrm>
+            <a:prstGeom prst="ellipse">
+              <a:avLst/>
+            </a:prstGeom>
+            <a:solidFill>
+              <a:schemeClr val="accent2"/>
+            </a:solidFill>
+            <a:ln>
+              <a:noFill/>
+            </a:ln>
+            <a:effectLst/>
+          </p:spPr>
+          <p:txBody>
+            <a:bodyPr vert="horz" wrap="square" lIns="91440" tIns="45720" rIns="91440" bIns="45720" numCol="1" anchor="t" anchorCtr="0" compatLnSpc="1">
+              <a:prstTxWarp prst="textNoShape">
+                <a:avLst/>
+              </a:prstTxWarp>
+            </a:bodyPr>
+            <a:lstStyle/>
+            <a:p>
+              <a:endParaRPr lang="en-IN" dirty="0"/>
+            </a:p>
+          </p:txBody>
+        </p:sp>
+        <p:grpSp>
+          <p:nvGrpSpPr>
+            <p:cNvPr id="211" name="Group 210">
+              <a:extLst>
+                <a:ext uri="{FF2B5EF4-FFF2-40B4-BE49-F238E27FC236}">
+                  <a16:creationId xmlns:a16="http://schemas.microsoft.com/office/drawing/2014/main" id="{EC0055B4-7800-4B9B-A266-F6611F4047D4}"/>
+                </a:ext>
+              </a:extLst>
+            </p:cNvPr>
+            <p:cNvGrpSpPr/>
+            <p:nvPr/>
+          </p:nvGrpSpPr>
+          <p:grpSpPr>
+            <a:xfrm>
+              <a:off x="5872025" y="1390015"/>
+              <a:ext cx="444774" cy="772796"/>
+              <a:chOff x="5778500" y="1427163"/>
+              <a:chExt cx="635000" cy="1103313"/>
+            </a:xfrm>
+          </p:grpSpPr>
+          <p:sp>
+            <p:nvSpPr>
+              <p:cNvPr id="212" name="Freeform 15">
+                <a:extLst>
+                  <a:ext uri="{FF2B5EF4-FFF2-40B4-BE49-F238E27FC236}">
+                    <a16:creationId xmlns:a16="http://schemas.microsoft.com/office/drawing/2014/main" id="{EBC4F6D7-263C-4114-BACE-B2626FD45AE9}"/>
+                  </a:ext>
+                </a:extLst>
+              </p:cNvPr>
+              <p:cNvSpPr>
+                <a:spLocks noEditPoints="1"/>
+              </p:cNvSpPr>
+              <p:nvPr/>
+            </p:nvSpPr>
+            <p:spPr bwMode="auto">
+              <a:xfrm>
+                <a:off x="5886450" y="1427163"/>
+                <a:ext cx="420688" cy="841375"/>
+              </a:xfrm>
+              <a:custGeom>
+                <a:avLst/>
+                <a:gdLst>
+                  <a:gd name="T0" fmla="*/ 7 w 110"/>
+                  <a:gd name="T1" fmla="*/ 169 h 221"/>
+                  <a:gd name="T2" fmla="*/ 107 w 110"/>
+                  <a:gd name="T3" fmla="*/ 152 h 221"/>
+                  <a:gd name="T4" fmla="*/ 107 w 110"/>
+                  <a:gd name="T5" fmla="*/ 150 h 221"/>
+                  <a:gd name="T6" fmla="*/ 107 w 110"/>
+                  <a:gd name="T7" fmla="*/ 103 h 221"/>
+                  <a:gd name="T8" fmla="*/ 103 w 110"/>
+                  <a:gd name="T9" fmla="*/ 52 h 221"/>
+                  <a:gd name="T10" fmla="*/ 3 w 110"/>
+                  <a:gd name="T11" fmla="*/ 71 h 221"/>
+                  <a:gd name="T12" fmla="*/ 3 w 110"/>
+                  <a:gd name="T13" fmla="*/ 118 h 221"/>
+                  <a:gd name="T14" fmla="*/ 7 w 110"/>
+                  <a:gd name="T15" fmla="*/ 169 h 221"/>
+                  <a:gd name="T16" fmla="*/ 18 w 110"/>
+                  <a:gd name="T17" fmla="*/ 71 h 221"/>
+                  <a:gd name="T18" fmla="*/ 75 w 110"/>
+                  <a:gd name="T19" fmla="*/ 40 h 221"/>
+                  <a:gd name="T20" fmla="*/ 92 w 110"/>
+                  <a:gd name="T21" fmla="*/ 82 h 221"/>
+                  <a:gd name="T22" fmla="*/ 92 w 110"/>
+                  <a:gd name="T23" fmla="*/ 150 h 221"/>
+                  <a:gd name="T24" fmla="*/ 35 w 110"/>
+                  <a:gd name="T25" fmla="*/ 181 h 221"/>
+                  <a:gd name="T26" fmla="*/ 18 w 110"/>
+                  <a:gd name="T27" fmla="*/ 139 h 221"/>
+                  <a:gd name="T28" fmla="*/ 18 w 110"/>
+                  <a:gd name="T29" fmla="*/ 71 h 221"/>
+                </a:gdLst>
+                <a:ahLst/>
+                <a:cxnLst>
+                  <a:cxn ang="0">
+                    <a:pos x="T0" y="T1"/>
+                  </a:cxn>
+                  <a:cxn ang="0">
+                    <a:pos x="T2" y="T3"/>
+                  </a:cxn>
+                  <a:cxn ang="0">
+                    <a:pos x="T4" y="T5"/>
+                  </a:cxn>
+                  <a:cxn ang="0">
+                    <a:pos x="T6" y="T7"/>
+                  </a:cxn>
+                  <a:cxn ang="0">
+                    <a:pos x="T8" y="T9"/>
+                  </a:cxn>
+                  <a:cxn ang="0">
+                    <a:pos x="T10" y="T11"/>
+                  </a:cxn>
+                  <a:cxn ang="0">
+                    <a:pos x="T12" y="T13"/>
+                  </a:cxn>
+                  <a:cxn ang="0">
+                    <a:pos x="T14" y="T15"/>
+                  </a:cxn>
+                  <a:cxn ang="0">
+                    <a:pos x="T16" y="T17"/>
+                  </a:cxn>
+                  <a:cxn ang="0">
+                    <a:pos x="T18" y="T19"/>
+                  </a:cxn>
+                  <a:cxn ang="0">
+                    <a:pos x="T20" y="T21"/>
+                  </a:cxn>
+                  <a:cxn ang="0">
+                    <a:pos x="T22" y="T23"/>
+                  </a:cxn>
+                  <a:cxn ang="0">
+                    <a:pos x="T24" y="T25"/>
+                  </a:cxn>
+                  <a:cxn ang="0">
+                    <a:pos x="T26" y="T27"/>
+                  </a:cxn>
+                  <a:cxn ang="0">
+                    <a:pos x="T28" y="T29"/>
+                  </a:cxn>
+                </a:cxnLst>
+                <a:rect l="0" t="0" r="r" b="b"/>
+                <a:pathLst>
+                  <a:path w="110" h="221">
+                    <a:moveTo>
+                      <a:pt x="7" y="169"/>
+                    </a:moveTo>
+                    <a:cubicBezTo>
+                      <a:pt x="29" y="221"/>
+                      <a:pt x="102" y="206"/>
+                      <a:pt x="107" y="152"/>
+                    </a:cubicBezTo>
+                    <a:cubicBezTo>
+                      <a:pt x="107" y="151"/>
+                      <a:pt x="107" y="151"/>
+                      <a:pt x="107" y="150"/>
+                    </a:cubicBezTo>
+                    <a:cubicBezTo>
+                      <a:pt x="107" y="134"/>
+                      <a:pt x="107" y="119"/>
+                      <a:pt x="107" y="103"/>
+                    </a:cubicBezTo>
+                    <a:cubicBezTo>
+                      <a:pt x="107" y="87"/>
+                      <a:pt x="110" y="67"/>
+                      <a:pt x="103" y="52"/>
+                    </a:cubicBezTo>
+                    <a:cubicBezTo>
+                      <a:pt x="81" y="0"/>
+                      <a:pt x="6" y="16"/>
+                      <a:pt x="3" y="71"/>
+                    </a:cubicBezTo>
+                    <a:cubicBezTo>
+                      <a:pt x="2" y="87"/>
+                      <a:pt x="3" y="103"/>
+                      <a:pt x="3" y="118"/>
+                    </a:cubicBezTo>
+                    <a:cubicBezTo>
+                      <a:pt x="3" y="134"/>
+                      <a:pt x="0" y="154"/>
+                      <a:pt x="7" y="169"/>
+                    </a:cubicBezTo>
+                    <a:close/>
+                    <a:moveTo>
+                      <a:pt x="18" y="71"/>
+                    </a:moveTo>
+                    <a:cubicBezTo>
+                      <a:pt x="18" y="41"/>
+                      <a:pt x="50" y="26"/>
+                      <a:pt x="75" y="40"/>
+                    </a:cubicBezTo>
+                    <a:cubicBezTo>
+                      <a:pt x="91" y="49"/>
+                      <a:pt x="92" y="66"/>
+                      <a:pt x="92" y="82"/>
+                    </a:cubicBezTo>
+                    <a:cubicBezTo>
+                      <a:pt x="92" y="105"/>
+                      <a:pt x="92" y="127"/>
+                      <a:pt x="92" y="150"/>
+                    </a:cubicBezTo>
+                    <a:cubicBezTo>
+                      <a:pt x="90" y="180"/>
+                      <a:pt x="61" y="196"/>
+                      <a:pt x="35" y="181"/>
+                    </a:cubicBezTo>
+                    <a:cubicBezTo>
+                      <a:pt x="19" y="172"/>
+                      <a:pt x="18" y="155"/>
+                      <a:pt x="18" y="139"/>
+                    </a:cubicBezTo>
+                    <a:cubicBezTo>
+                      <a:pt x="18" y="117"/>
+                      <a:pt x="18" y="94"/>
+                      <a:pt x="18" y="71"/>
+                    </a:cubicBezTo>
+                    <a:close/>
+                  </a:path>
+                </a:pathLst>
+              </a:custGeom>
+              <a:solidFill>
+                <a:srgbClr val="FFFFFF"/>
+              </a:solidFill>
+              <a:ln w="9525">
+                <a:noFill/>
+                <a:round/>
+                <a:headEnd/>
+                <a:tailEnd/>
+              </a:ln>
+            </p:spPr>
+            <p:txBody>
+              <a:bodyPr vert="horz" wrap="square" lIns="91440" tIns="45720" rIns="91440" bIns="45720" numCol="1" anchor="t" anchorCtr="0" compatLnSpc="1">
+                <a:prstTxWarp prst="textNoShape">
+                  <a:avLst/>
+                </a:prstTxWarp>
+              </a:bodyPr>
+              <a:lstStyle/>
+              <a:p>
+                <a:endParaRPr lang="en-IN"/>
+              </a:p>
+            </p:txBody>
+          </p:sp>
+          <p:sp>
+            <p:nvSpPr>
+              <p:cNvPr id="213" name="Freeform 16">
+                <a:extLst>
+                  <a:ext uri="{FF2B5EF4-FFF2-40B4-BE49-F238E27FC236}">
+                    <a16:creationId xmlns:a16="http://schemas.microsoft.com/office/drawing/2014/main" id="{2CB59065-558B-4108-927E-8486CC7B8825}"/>
+                  </a:ext>
+                </a:extLst>
+              </p:cNvPr>
+              <p:cNvSpPr>
+                <a:spLocks/>
+              </p:cNvSpPr>
+              <p:nvPr/>
+            </p:nvSpPr>
+            <p:spPr bwMode="auto">
+              <a:xfrm>
+                <a:off x="5778500" y="1971676"/>
+                <a:ext cx="635000" cy="558800"/>
+              </a:xfrm>
+              <a:custGeom>
+                <a:avLst/>
+                <a:gdLst>
+                  <a:gd name="T0" fmla="*/ 166 w 166"/>
+                  <a:gd name="T1" fmla="*/ 9 h 147"/>
+                  <a:gd name="T2" fmla="*/ 151 w 166"/>
+                  <a:gd name="T3" fmla="*/ 9 h 147"/>
+                  <a:gd name="T4" fmla="*/ 83 w 166"/>
+                  <a:gd name="T5" fmla="*/ 77 h 147"/>
+                  <a:gd name="T6" fmla="*/ 15 w 166"/>
+                  <a:gd name="T7" fmla="*/ 9 h 147"/>
+                  <a:gd name="T8" fmla="*/ 0 w 166"/>
+                  <a:gd name="T9" fmla="*/ 9 h 147"/>
+                  <a:gd name="T10" fmla="*/ 76 w 166"/>
+                  <a:gd name="T11" fmla="*/ 92 h 147"/>
+                  <a:gd name="T12" fmla="*/ 76 w 166"/>
+                  <a:gd name="T13" fmla="*/ 138 h 147"/>
+                  <a:gd name="T14" fmla="*/ 91 w 166"/>
+                  <a:gd name="T15" fmla="*/ 138 h 147"/>
+                  <a:gd name="T16" fmla="*/ 91 w 166"/>
+                  <a:gd name="T17" fmla="*/ 92 h 147"/>
+                  <a:gd name="T18" fmla="*/ 166 w 166"/>
+                  <a:gd name="T19" fmla="*/ 9 h 147"/>
+                </a:gdLst>
+                <a:ahLst/>
+                <a:cxnLst>
+                  <a:cxn ang="0">
+                    <a:pos x="T0" y="T1"/>
+                  </a:cxn>
+                  <a:cxn ang="0">
+                    <a:pos x="T2" y="T3"/>
+                  </a:cxn>
+                  <a:cxn ang="0">
+                    <a:pos x="T4" y="T5"/>
+                  </a:cxn>
+                  <a:cxn ang="0">
+                    <a:pos x="T6" y="T7"/>
+                  </a:cxn>
+                  <a:cxn ang="0">
+                    <a:pos x="T8" y="T9"/>
+                  </a:cxn>
+                  <a:cxn ang="0">
+                    <a:pos x="T10" y="T11"/>
+                  </a:cxn>
+                  <a:cxn ang="0">
+                    <a:pos x="T12" y="T13"/>
+                  </a:cxn>
+                  <a:cxn ang="0">
+                    <a:pos x="T14" y="T15"/>
+                  </a:cxn>
+                  <a:cxn ang="0">
+                    <a:pos x="T16" y="T17"/>
+                  </a:cxn>
+                  <a:cxn ang="0">
+                    <a:pos x="T18" y="T19"/>
+                  </a:cxn>
+                </a:cxnLst>
+                <a:rect l="0" t="0" r="r" b="b"/>
+                <a:pathLst>
+                  <a:path w="166" h="147">
+                    <a:moveTo>
+                      <a:pt x="166" y="9"/>
+                    </a:moveTo>
+                    <a:cubicBezTo>
+                      <a:pt x="166" y="0"/>
+                      <a:pt x="151" y="0"/>
+                      <a:pt x="151" y="9"/>
+                    </a:cubicBezTo>
+                    <a:cubicBezTo>
+                      <a:pt x="149" y="47"/>
+                      <a:pt x="121" y="76"/>
+                      <a:pt x="83" y="77"/>
+                    </a:cubicBezTo>
+                    <a:cubicBezTo>
+                      <a:pt x="45" y="79"/>
+                      <a:pt x="17" y="45"/>
+                      <a:pt x="15" y="9"/>
+                    </a:cubicBezTo>
+                    <a:cubicBezTo>
+                      <a:pt x="15" y="0"/>
+                      <a:pt x="0" y="0"/>
+                      <a:pt x="0" y="9"/>
+                    </a:cubicBezTo>
+                    <a:cubicBezTo>
+                      <a:pt x="2" y="53"/>
+                      <a:pt x="33" y="87"/>
+                      <a:pt x="76" y="92"/>
+                    </a:cubicBezTo>
+                    <a:cubicBezTo>
+                      <a:pt x="76" y="107"/>
+                      <a:pt x="76" y="122"/>
+                      <a:pt x="76" y="138"/>
+                    </a:cubicBezTo>
+                    <a:cubicBezTo>
+                      <a:pt x="76" y="147"/>
+                      <a:pt x="91" y="147"/>
+                      <a:pt x="91" y="138"/>
+                    </a:cubicBezTo>
+                    <a:cubicBezTo>
+                      <a:pt x="91" y="122"/>
+                      <a:pt x="91" y="107"/>
+                      <a:pt x="91" y="92"/>
+                    </a:cubicBezTo>
+                    <a:cubicBezTo>
+                      <a:pt x="133" y="89"/>
+                      <a:pt x="164" y="51"/>
+                      <a:pt x="166" y="9"/>
+                    </a:cubicBezTo>
+                    <a:close/>
+                  </a:path>
+                </a:pathLst>
+              </a:custGeom>
+              <a:solidFill>
+                <a:srgbClr val="FFFFFF"/>
+              </a:solidFill>
+              <a:ln w="9525">
+                <a:noFill/>
+                <a:round/>
+                <a:headEnd/>
+                <a:tailEnd/>
+              </a:ln>
+            </p:spPr>
+            <p:txBody>
+              <a:bodyPr vert="horz" wrap="square" lIns="91440" tIns="45720" rIns="91440" bIns="45720" numCol="1" anchor="t" anchorCtr="0" compatLnSpc="1">
+                <a:prstTxWarp prst="textNoShape">
+                  <a:avLst/>
+                </a:prstTxWarp>
+              </a:bodyPr>
+              <a:lstStyle/>
+              <a:p>
+                <a:endParaRPr lang="en-IN"/>
+              </a:p>
+            </p:txBody>
+          </p:sp>
+        </p:grpSp>
+      </p:grpSp>
+      <p:grpSp>
+        <p:nvGrpSpPr>
+          <p:cNvPr id="214" name="Group 213">
+            <a:extLst>
+              <a:ext uri="{FF2B5EF4-FFF2-40B4-BE49-F238E27FC236}">
+                <a16:creationId xmlns:a16="http://schemas.microsoft.com/office/drawing/2014/main" id="{54C2F4D6-9BE9-4543-9204-1D1C1BE03430}"/>
+              </a:ext>
+            </a:extLst>
+          </p:cNvPr>
+          <p:cNvGrpSpPr/>
+          <p:nvPr/>
+        </p:nvGrpSpPr>
+        <p:grpSpPr>
+          <a:xfrm>
+            <a:off x="6642802" y="4112371"/>
+            <a:ext cx="5546023" cy="1636935"/>
+            <a:chOff x="1485900" y="2636912"/>
+            <a:chExt cx="9223146" cy="2361788"/>
+          </a:xfrm>
+        </p:grpSpPr>
+        <p:grpSp>
+          <p:nvGrpSpPr>
+            <p:cNvPr id="215" name="Group 214">
+              <a:extLst>
+                <a:ext uri="{FF2B5EF4-FFF2-40B4-BE49-F238E27FC236}">
+                  <a16:creationId xmlns:a16="http://schemas.microsoft.com/office/drawing/2014/main" id="{D3666B17-37F8-4565-BDA4-7BC2C598BBC5}"/>
+                </a:ext>
+              </a:extLst>
+            </p:cNvPr>
+            <p:cNvGrpSpPr/>
+            <p:nvPr/>
+          </p:nvGrpSpPr>
+          <p:grpSpPr>
+            <a:xfrm>
+              <a:off x="1485900" y="2636912"/>
+              <a:ext cx="8408271" cy="2361788"/>
+              <a:chOff x="1541463" y="3026017"/>
+              <a:chExt cx="7067550" cy="1985196"/>
+            </a:xfrm>
+          </p:grpSpPr>
+          <p:sp>
+            <p:nvSpPr>
+              <p:cNvPr id="219" name="Freeform 5">
+                <a:extLst>
+                  <a:ext uri="{FF2B5EF4-FFF2-40B4-BE49-F238E27FC236}">
+                    <a16:creationId xmlns:a16="http://schemas.microsoft.com/office/drawing/2014/main" id="{F24D542A-6F56-43E9-9309-E0A2AC6899FF}"/>
+                  </a:ext>
+                </a:extLst>
+              </p:cNvPr>
+              <p:cNvSpPr>
+                <a:spLocks/>
+              </p:cNvSpPr>
+              <p:nvPr/>
+            </p:nvSpPr>
+            <p:spPr bwMode="auto">
+              <a:xfrm>
+                <a:off x="1541463" y="3026017"/>
+                <a:ext cx="7008813" cy="1069975"/>
+              </a:xfrm>
+              <a:custGeom>
+                <a:avLst/>
+                <a:gdLst>
+                  <a:gd name="T0" fmla="*/ 0 w 1557"/>
+                  <a:gd name="T1" fmla="*/ 204 h 237"/>
+                  <a:gd name="T2" fmla="*/ 160 w 1557"/>
+                  <a:gd name="T3" fmla="*/ 138 h 237"/>
+                  <a:gd name="T4" fmla="*/ 353 w 1557"/>
+                  <a:gd name="T5" fmla="*/ 114 h 237"/>
+                  <a:gd name="T6" fmla="*/ 521 w 1557"/>
+                  <a:gd name="T7" fmla="*/ 74 h 237"/>
+                  <a:gd name="T8" fmla="*/ 687 w 1557"/>
+                  <a:gd name="T9" fmla="*/ 49 h 237"/>
+                  <a:gd name="T10" fmla="*/ 952 w 1557"/>
+                  <a:gd name="T11" fmla="*/ 126 h 237"/>
+                  <a:gd name="T12" fmla="*/ 1169 w 1557"/>
+                  <a:gd name="T13" fmla="*/ 140 h 237"/>
+                  <a:gd name="T14" fmla="*/ 1280 w 1557"/>
+                  <a:gd name="T15" fmla="*/ 138 h 237"/>
+                  <a:gd name="T16" fmla="*/ 1404 w 1557"/>
+                  <a:gd name="T17" fmla="*/ 180 h 237"/>
+                  <a:gd name="T18" fmla="*/ 1557 w 1557"/>
+                  <a:gd name="T19" fmla="*/ 204 h 237"/>
+                  <a:gd name="T20" fmla="*/ 0 w 1557"/>
+                  <a:gd name="T21" fmla="*/ 204 h 237"/>
+                </a:gdLst>
+                <a:ahLst/>
+                <a:cxnLst>
+                  <a:cxn ang="0">
+                    <a:pos x="T0" y="T1"/>
+                  </a:cxn>
+                  <a:cxn ang="0">
+                    <a:pos x="T2" y="T3"/>
+                  </a:cxn>
+                  <a:cxn ang="0">
+                    <a:pos x="T4" y="T5"/>
+                  </a:cxn>
+                  <a:cxn ang="0">
+                    <a:pos x="T6" y="T7"/>
+                  </a:cxn>
+                  <a:cxn ang="0">
+                    <a:pos x="T8" y="T9"/>
+                  </a:cxn>
+                  <a:cxn ang="0">
+                    <a:pos x="T10" y="T11"/>
+                  </a:cxn>
+                  <a:cxn ang="0">
+                    <a:pos x="T12" y="T13"/>
+                  </a:cxn>
+                  <a:cxn ang="0">
+                    <a:pos x="T14" y="T15"/>
+                  </a:cxn>
+                  <a:cxn ang="0">
+                    <a:pos x="T16" y="T17"/>
+                  </a:cxn>
+                  <a:cxn ang="0">
+                    <a:pos x="T18" y="T19"/>
+                  </a:cxn>
+                  <a:cxn ang="0">
+                    <a:pos x="T20" y="T21"/>
+                  </a:cxn>
+                </a:cxnLst>
+                <a:rect l="0" t="0" r="r" b="b"/>
+                <a:pathLst>
+                  <a:path w="1557" h="237">
+                    <a:moveTo>
+                      <a:pt x="0" y="204"/>
+                    </a:moveTo>
+                    <a:cubicBezTo>
+                      <a:pt x="0" y="204"/>
+                      <a:pt x="104" y="212"/>
+                      <a:pt x="160" y="138"/>
+                    </a:cubicBezTo>
+                    <a:cubicBezTo>
+                      <a:pt x="216" y="65"/>
+                      <a:pt x="271" y="84"/>
+                      <a:pt x="353" y="114"/>
+                    </a:cubicBezTo>
+                    <a:cubicBezTo>
+                      <a:pt x="436" y="145"/>
+                      <a:pt x="471" y="120"/>
+                      <a:pt x="521" y="74"/>
+                    </a:cubicBezTo>
+                    <a:cubicBezTo>
+                      <a:pt x="572" y="29"/>
+                      <a:pt x="628" y="0"/>
+                      <a:pt x="687" y="49"/>
+                    </a:cubicBezTo>
+                    <a:cubicBezTo>
+                      <a:pt x="745" y="98"/>
+                      <a:pt x="828" y="237"/>
+                      <a:pt x="952" y="126"/>
+                    </a:cubicBezTo>
+                    <a:cubicBezTo>
+                      <a:pt x="1076" y="16"/>
+                      <a:pt x="1127" y="107"/>
+                      <a:pt x="1169" y="140"/>
+                    </a:cubicBezTo>
+                    <a:cubicBezTo>
+                      <a:pt x="1212" y="173"/>
+                      <a:pt x="1243" y="146"/>
+                      <a:pt x="1280" y="138"/>
+                    </a:cubicBezTo>
+                    <a:cubicBezTo>
+                      <a:pt x="1317" y="130"/>
+                      <a:pt x="1363" y="160"/>
+                      <a:pt x="1404" y="180"/>
+                    </a:cubicBezTo>
+                    <a:cubicBezTo>
+                      <a:pt x="1445" y="200"/>
+                      <a:pt x="1507" y="204"/>
+                      <a:pt x="1557" y="204"/>
+                    </a:cubicBezTo>
+                    <a:lnTo>
+                      <a:pt x="0" y="204"/>
+                    </a:lnTo>
+                    <a:close/>
+                  </a:path>
+                </a:pathLst>
+              </a:custGeom>
+              <a:gradFill>
+                <a:gsLst>
+                  <a:gs pos="0">
+                    <a:schemeClr val="accent5">
+                      <a:alpha val="50000"/>
+                    </a:schemeClr>
+                  </a:gs>
+                  <a:gs pos="100000">
+                    <a:schemeClr val="accent2">
+                      <a:alpha val="50000"/>
+                    </a:schemeClr>
+                  </a:gs>
+                </a:gsLst>
+                <a:lin ang="10800000" scaled="1"/>
+              </a:gradFill>
+              <a:ln w="9525">
+                <a:noFill/>
+                <a:round/>
+                <a:headEnd/>
+                <a:tailEnd/>
+              </a:ln>
+            </p:spPr>
+            <p:txBody>
+              <a:bodyPr vert="horz" wrap="square" lIns="91440" tIns="45720" rIns="91440" bIns="45720" numCol="1" anchor="t" anchorCtr="0" compatLnSpc="1">
+                <a:prstTxWarp prst="textNoShape">
+                  <a:avLst/>
+                </a:prstTxWarp>
+              </a:bodyPr>
+              <a:lstStyle/>
+              <a:p>
+                <a:endParaRPr lang="en-IN"/>
+              </a:p>
+            </p:txBody>
+          </p:sp>
+          <p:sp>
+            <p:nvSpPr>
+              <p:cNvPr id="220" name="Freeform 6">
+                <a:extLst>
+                  <a:ext uri="{FF2B5EF4-FFF2-40B4-BE49-F238E27FC236}">
+                    <a16:creationId xmlns:a16="http://schemas.microsoft.com/office/drawing/2014/main" id="{207C9FFB-67EB-4EAA-A194-77A4DB06A485}"/>
+                  </a:ext>
+                </a:extLst>
+              </p:cNvPr>
+              <p:cNvSpPr>
+                <a:spLocks/>
+              </p:cNvSpPr>
+              <p:nvPr/>
+            </p:nvSpPr>
+            <p:spPr bwMode="auto">
+              <a:xfrm>
+                <a:off x="1801813" y="3946000"/>
+                <a:ext cx="6807200" cy="1065213"/>
+              </a:xfrm>
+              <a:custGeom>
+                <a:avLst/>
+                <a:gdLst>
+                  <a:gd name="T0" fmla="*/ 1512 w 1512"/>
+                  <a:gd name="T1" fmla="*/ 0 h 236"/>
+                  <a:gd name="T2" fmla="*/ 1427 w 1512"/>
+                  <a:gd name="T3" fmla="*/ 21 h 236"/>
+                  <a:gd name="T4" fmla="*/ 1324 w 1512"/>
+                  <a:gd name="T5" fmla="*/ 134 h 236"/>
+                  <a:gd name="T6" fmla="*/ 1123 w 1512"/>
+                  <a:gd name="T7" fmla="*/ 90 h 236"/>
+                  <a:gd name="T8" fmla="*/ 911 w 1512"/>
+                  <a:gd name="T9" fmla="*/ 230 h 236"/>
+                  <a:gd name="T10" fmla="*/ 681 w 1512"/>
+                  <a:gd name="T11" fmla="*/ 34 h 236"/>
+                  <a:gd name="T12" fmla="*/ 496 w 1512"/>
+                  <a:gd name="T13" fmla="*/ 170 h 236"/>
+                  <a:gd name="T14" fmla="*/ 388 w 1512"/>
+                  <a:gd name="T15" fmla="*/ 108 h 236"/>
+                  <a:gd name="T16" fmla="*/ 312 w 1512"/>
+                  <a:gd name="T17" fmla="*/ 58 h 236"/>
+                  <a:gd name="T18" fmla="*/ 168 w 1512"/>
+                  <a:gd name="T19" fmla="*/ 56 h 236"/>
+                  <a:gd name="T20" fmla="*/ 0 w 1512"/>
+                  <a:gd name="T21" fmla="*/ 0 h 236"/>
+                  <a:gd name="T22" fmla="*/ 1512 w 1512"/>
+                  <a:gd name="T23" fmla="*/ 0 h 236"/>
+                </a:gdLst>
+                <a:ahLst/>
+                <a:cxnLst>
+                  <a:cxn ang="0">
+                    <a:pos x="T0" y="T1"/>
+                  </a:cxn>
+                  <a:cxn ang="0">
+                    <a:pos x="T2" y="T3"/>
+                  </a:cxn>
+                  <a:cxn ang="0">
+                    <a:pos x="T4" y="T5"/>
+                  </a:cxn>
+                  <a:cxn ang="0">
+                    <a:pos x="T6" y="T7"/>
+                  </a:cxn>
+                  <a:cxn ang="0">
+                    <a:pos x="T8" y="T9"/>
+                  </a:cxn>
+                  <a:cxn ang="0">
+                    <a:pos x="T10" y="T11"/>
+                  </a:cxn>
+                  <a:cxn ang="0">
+                    <a:pos x="T12" y="T13"/>
+                  </a:cxn>
+                  <a:cxn ang="0">
+                    <a:pos x="T14" y="T15"/>
+                  </a:cxn>
+                  <a:cxn ang="0">
+                    <a:pos x="T16" y="T17"/>
+                  </a:cxn>
+                  <a:cxn ang="0">
+                    <a:pos x="T18" y="T19"/>
+                  </a:cxn>
+                  <a:cxn ang="0">
+                    <a:pos x="T20" y="T21"/>
+                  </a:cxn>
+                  <a:cxn ang="0">
+                    <a:pos x="T22" y="T23"/>
+                  </a:cxn>
+                </a:cxnLst>
+                <a:rect l="0" t="0" r="r" b="b"/>
+                <a:pathLst>
+                  <a:path w="1512" h="236">
+                    <a:moveTo>
+                      <a:pt x="1512" y="0"/>
+                    </a:moveTo>
+                    <a:cubicBezTo>
+                      <a:pt x="1482" y="0"/>
+                      <a:pt x="1454" y="4"/>
+                      <a:pt x="1427" y="21"/>
+                    </a:cubicBezTo>
+                    <a:cubicBezTo>
+                      <a:pt x="1382" y="49"/>
+                      <a:pt x="1363" y="101"/>
+                      <a:pt x="1324" y="134"/>
+                    </a:cubicBezTo>
+                    <a:cubicBezTo>
+                      <a:pt x="1255" y="193"/>
+                      <a:pt x="1191" y="92"/>
+                      <a:pt x="1123" y="90"/>
+                    </a:cubicBezTo>
+                    <a:cubicBezTo>
+                      <a:pt x="1059" y="87"/>
+                      <a:pt x="1007" y="236"/>
+                      <a:pt x="911" y="230"/>
+                    </a:cubicBezTo>
+                    <a:cubicBezTo>
+                      <a:pt x="815" y="223"/>
+                      <a:pt x="805" y="39"/>
+                      <a:pt x="681" y="34"/>
+                    </a:cubicBezTo>
+                    <a:cubicBezTo>
+                      <a:pt x="564" y="28"/>
+                      <a:pt x="597" y="154"/>
+                      <a:pt x="496" y="170"/>
+                    </a:cubicBezTo>
+                    <a:cubicBezTo>
+                      <a:pt x="451" y="177"/>
+                      <a:pt x="414" y="143"/>
+                      <a:pt x="388" y="108"/>
+                    </a:cubicBezTo>
+                    <a:cubicBezTo>
+                      <a:pt x="369" y="83"/>
+                      <a:pt x="347" y="48"/>
+                      <a:pt x="312" y="58"/>
+                    </a:cubicBezTo>
+                    <a:cubicBezTo>
+                      <a:pt x="263" y="73"/>
+                      <a:pt x="233" y="106"/>
+                      <a:pt x="168" y="56"/>
+                    </a:cubicBezTo>
+                    <a:cubicBezTo>
+                      <a:pt x="126" y="24"/>
+                      <a:pt x="115" y="0"/>
+                      <a:pt x="0" y="0"/>
+                    </a:cubicBezTo>
+                    <a:cubicBezTo>
+                      <a:pt x="0" y="0"/>
+                      <a:pt x="1509" y="0"/>
+                      <a:pt x="1512" y="0"/>
+                    </a:cubicBezTo>
+                    <a:close/>
+                  </a:path>
+                </a:pathLst>
+              </a:custGeom>
+              <a:gradFill>
+                <a:gsLst>
+                  <a:gs pos="0">
+                    <a:schemeClr val="accent5">
+                      <a:alpha val="70000"/>
+                    </a:schemeClr>
+                  </a:gs>
+                  <a:gs pos="100000">
+                    <a:schemeClr val="accent2">
+                      <a:alpha val="70000"/>
+                    </a:schemeClr>
+                  </a:gs>
+                </a:gsLst>
+                <a:lin ang="10800000" scaled="1"/>
+              </a:gradFill>
+              <a:ln w="9525">
+                <a:noFill/>
+                <a:round/>
+                <a:headEnd/>
+                <a:tailEnd/>
+              </a:ln>
+            </p:spPr>
+            <p:txBody>
+              <a:bodyPr vert="horz" wrap="square" lIns="91440" tIns="45720" rIns="91440" bIns="45720" numCol="1" anchor="t" anchorCtr="0" compatLnSpc="1">
+                <a:prstTxWarp prst="textNoShape">
+                  <a:avLst/>
+                </a:prstTxWarp>
+              </a:bodyPr>
+              <a:lstStyle/>
+              <a:p>
+                <a:endParaRPr lang="en-IN"/>
+              </a:p>
+            </p:txBody>
+          </p:sp>
+        </p:grpSp>
+        <p:grpSp>
+          <p:nvGrpSpPr>
+            <p:cNvPr id="216" name="Group 215">
+              <a:extLst>
+                <a:ext uri="{FF2B5EF4-FFF2-40B4-BE49-F238E27FC236}">
+                  <a16:creationId xmlns:a16="http://schemas.microsoft.com/office/drawing/2014/main" id="{1BACC1FD-EE5E-4825-8288-C4797A435EEC}"/>
+                </a:ext>
+              </a:extLst>
+            </p:cNvPr>
+            <p:cNvGrpSpPr/>
+            <p:nvPr/>
+          </p:nvGrpSpPr>
+          <p:grpSpPr>
+            <a:xfrm>
+              <a:off x="2619148" y="2636912"/>
+              <a:ext cx="8089898" cy="2195473"/>
+              <a:chOff x="3648075" y="1246188"/>
+              <a:chExt cx="6799942" cy="1845400"/>
+            </a:xfrm>
+          </p:grpSpPr>
+          <p:sp>
+            <p:nvSpPr>
+              <p:cNvPr id="217" name="Freeform 7">
+                <a:extLst>
+                  <a:ext uri="{FF2B5EF4-FFF2-40B4-BE49-F238E27FC236}">
+                    <a16:creationId xmlns:a16="http://schemas.microsoft.com/office/drawing/2014/main" id="{80848B00-D666-421C-802C-6CDADF3063A7}"/>
+                  </a:ext>
+                </a:extLst>
+              </p:cNvPr>
+              <p:cNvSpPr>
+                <a:spLocks/>
+              </p:cNvSpPr>
+              <p:nvPr/>
+            </p:nvSpPr>
+            <p:spPr bwMode="auto">
+              <a:xfrm>
+                <a:off x="3648075" y="1246188"/>
+                <a:ext cx="6675438" cy="938213"/>
+              </a:xfrm>
+              <a:custGeom>
+                <a:avLst/>
+                <a:gdLst>
+                  <a:gd name="T0" fmla="*/ 0 w 1483"/>
+                  <a:gd name="T1" fmla="*/ 204 h 208"/>
+                  <a:gd name="T2" fmla="*/ 129 w 1483"/>
+                  <a:gd name="T3" fmla="*/ 154 h 208"/>
+                  <a:gd name="T4" fmla="*/ 312 w 1483"/>
+                  <a:gd name="T5" fmla="*/ 94 h 208"/>
+                  <a:gd name="T6" fmla="*/ 511 w 1483"/>
+                  <a:gd name="T7" fmla="*/ 75 h 208"/>
+                  <a:gd name="T8" fmla="*/ 659 w 1483"/>
+                  <a:gd name="T9" fmla="*/ 38 h 208"/>
+                  <a:gd name="T10" fmla="*/ 810 w 1483"/>
+                  <a:gd name="T11" fmla="*/ 157 h 208"/>
+                  <a:gd name="T12" fmla="*/ 1044 w 1483"/>
+                  <a:gd name="T13" fmla="*/ 75 h 208"/>
+                  <a:gd name="T14" fmla="*/ 1209 w 1483"/>
+                  <a:gd name="T15" fmla="*/ 150 h 208"/>
+                  <a:gd name="T16" fmla="*/ 1365 w 1483"/>
+                  <a:gd name="T17" fmla="*/ 159 h 208"/>
+                  <a:gd name="T18" fmla="*/ 1483 w 1483"/>
+                  <a:gd name="T19" fmla="*/ 204 h 208"/>
+                  <a:gd name="T20" fmla="*/ 0 w 1483"/>
+                  <a:gd name="T21" fmla="*/ 204 h 208"/>
+                </a:gdLst>
+                <a:ahLst/>
+                <a:cxnLst>
+                  <a:cxn ang="0">
+                    <a:pos x="T0" y="T1"/>
+                  </a:cxn>
+                  <a:cxn ang="0">
+                    <a:pos x="T2" y="T3"/>
+                  </a:cxn>
+                  <a:cxn ang="0">
+                    <a:pos x="T4" y="T5"/>
+                  </a:cxn>
+                  <a:cxn ang="0">
+                    <a:pos x="T6" y="T7"/>
+                  </a:cxn>
+                  <a:cxn ang="0">
+                    <a:pos x="T8" y="T9"/>
+                  </a:cxn>
+                  <a:cxn ang="0">
+                    <a:pos x="T10" y="T11"/>
+                  </a:cxn>
+                  <a:cxn ang="0">
+                    <a:pos x="T12" y="T13"/>
+                  </a:cxn>
+                  <a:cxn ang="0">
+                    <a:pos x="T14" y="T15"/>
+                  </a:cxn>
+                  <a:cxn ang="0">
+                    <a:pos x="T16" y="T17"/>
+                  </a:cxn>
+                  <a:cxn ang="0">
+                    <a:pos x="T18" y="T19"/>
+                  </a:cxn>
+                  <a:cxn ang="0">
+                    <a:pos x="T20" y="T21"/>
+                  </a:cxn>
+                </a:cxnLst>
+                <a:rect l="0" t="0" r="r" b="b"/>
+                <a:pathLst>
+                  <a:path w="1483" h="208">
+                    <a:moveTo>
+                      <a:pt x="0" y="204"/>
+                    </a:moveTo>
+                    <a:cubicBezTo>
+                      <a:pt x="0" y="204"/>
+                      <a:pt x="82" y="199"/>
+                      <a:pt x="129" y="154"/>
+                    </a:cubicBezTo>
+                    <a:cubicBezTo>
+                      <a:pt x="189" y="98"/>
+                      <a:pt x="235" y="49"/>
+                      <a:pt x="312" y="94"/>
+                    </a:cubicBezTo>
+                    <a:cubicBezTo>
+                      <a:pt x="397" y="143"/>
+                      <a:pt x="427" y="149"/>
+                      <a:pt x="511" y="75"/>
+                    </a:cubicBezTo>
+                    <a:cubicBezTo>
+                      <a:pt x="595" y="0"/>
+                      <a:pt x="629" y="14"/>
+                      <a:pt x="659" y="38"/>
+                    </a:cubicBezTo>
+                    <a:cubicBezTo>
+                      <a:pt x="704" y="75"/>
+                      <a:pt x="731" y="146"/>
+                      <a:pt x="810" y="157"/>
+                    </a:cubicBezTo>
+                    <a:cubicBezTo>
+                      <a:pt x="889" y="168"/>
+                      <a:pt x="945" y="58"/>
+                      <a:pt x="1044" y="75"/>
+                    </a:cubicBezTo>
+                    <a:cubicBezTo>
+                      <a:pt x="1136" y="90"/>
+                      <a:pt x="1113" y="161"/>
+                      <a:pt x="1209" y="150"/>
+                    </a:cubicBezTo>
+                    <a:cubicBezTo>
+                      <a:pt x="1273" y="143"/>
+                      <a:pt x="1290" y="110"/>
+                      <a:pt x="1365" y="159"/>
+                    </a:cubicBezTo>
+                    <a:cubicBezTo>
+                      <a:pt x="1441" y="208"/>
+                      <a:pt x="1483" y="204"/>
+                      <a:pt x="1483" y="204"/>
+                    </a:cubicBezTo>
+                    <a:lnTo>
+                      <a:pt x="0" y="204"/>
+                    </a:lnTo>
+                    <a:close/>
+                  </a:path>
+                </a:pathLst>
+              </a:custGeom>
+              <a:gradFill>
+                <a:gsLst>
+                  <a:gs pos="0">
+                    <a:schemeClr val="accent5">
+                      <a:alpha val="20000"/>
+                    </a:schemeClr>
+                  </a:gs>
+                  <a:gs pos="100000">
+                    <a:schemeClr val="accent1">
+                      <a:alpha val="30000"/>
+                    </a:schemeClr>
+                  </a:gs>
+                </a:gsLst>
+                <a:lin ang="10800000" scaled="1"/>
+              </a:gradFill>
+              <a:ln w="9525">
+                <a:noFill/>
+                <a:round/>
+                <a:headEnd/>
+                <a:tailEnd/>
+              </a:ln>
+            </p:spPr>
+            <p:txBody>
+              <a:bodyPr vert="horz" wrap="square" lIns="91440" tIns="45720" rIns="91440" bIns="45720" numCol="1" anchor="t" anchorCtr="0" compatLnSpc="1">
+                <a:prstTxWarp prst="textNoShape">
+                  <a:avLst/>
+                </a:prstTxWarp>
+              </a:bodyPr>
+              <a:lstStyle/>
+              <a:p>
+                <a:endParaRPr lang="en-IN"/>
+              </a:p>
+            </p:txBody>
+          </p:sp>
+          <p:sp>
+            <p:nvSpPr>
+              <p:cNvPr id="218" name="Freeform 8">
+                <a:extLst>
+                  <a:ext uri="{FF2B5EF4-FFF2-40B4-BE49-F238E27FC236}">
+                    <a16:creationId xmlns:a16="http://schemas.microsoft.com/office/drawing/2014/main" id="{64D0895C-BEC6-4C35-A085-3F2458EBC6D5}"/>
+                  </a:ext>
+                </a:extLst>
+              </p:cNvPr>
+              <p:cNvSpPr>
+                <a:spLocks/>
+              </p:cNvSpPr>
+              <p:nvPr/>
+            </p:nvSpPr>
+            <p:spPr bwMode="auto">
+              <a:xfrm>
+                <a:off x="3678917" y="2175600"/>
+                <a:ext cx="6769100" cy="915988"/>
+              </a:xfrm>
+              <a:custGeom>
+                <a:avLst/>
+                <a:gdLst>
+                  <a:gd name="T0" fmla="*/ 0 w 1504"/>
+                  <a:gd name="T1" fmla="*/ 2 h 203"/>
+                  <a:gd name="T2" fmla="*/ 98 w 1504"/>
+                  <a:gd name="T3" fmla="*/ 23 h 203"/>
+                  <a:gd name="T4" fmla="*/ 233 w 1504"/>
+                  <a:gd name="T5" fmla="*/ 61 h 203"/>
+                  <a:gd name="T6" fmla="*/ 343 w 1504"/>
+                  <a:gd name="T7" fmla="*/ 74 h 203"/>
+                  <a:gd name="T8" fmla="*/ 495 w 1504"/>
+                  <a:gd name="T9" fmla="*/ 115 h 203"/>
+                  <a:gd name="T10" fmla="*/ 650 w 1504"/>
+                  <a:gd name="T11" fmla="*/ 30 h 203"/>
+                  <a:gd name="T12" fmla="*/ 864 w 1504"/>
+                  <a:gd name="T13" fmla="*/ 177 h 203"/>
+                  <a:gd name="T14" fmla="*/ 1096 w 1504"/>
+                  <a:gd name="T15" fmla="*/ 68 h 203"/>
+                  <a:gd name="T16" fmla="*/ 1250 w 1504"/>
+                  <a:gd name="T17" fmla="*/ 115 h 203"/>
+                  <a:gd name="T18" fmla="*/ 1504 w 1504"/>
+                  <a:gd name="T19" fmla="*/ 2 h 203"/>
+                  <a:gd name="T20" fmla="*/ 0 w 1504"/>
+                  <a:gd name="T21" fmla="*/ 2 h 203"/>
+                </a:gdLst>
+                <a:ahLst/>
+                <a:cxnLst>
+                  <a:cxn ang="0">
+                    <a:pos x="T0" y="T1"/>
+                  </a:cxn>
+                  <a:cxn ang="0">
+                    <a:pos x="T2" y="T3"/>
+                  </a:cxn>
+                  <a:cxn ang="0">
+                    <a:pos x="T4" y="T5"/>
+                  </a:cxn>
+                  <a:cxn ang="0">
+                    <a:pos x="T6" y="T7"/>
+                  </a:cxn>
+                  <a:cxn ang="0">
+                    <a:pos x="T8" y="T9"/>
+                  </a:cxn>
+                  <a:cxn ang="0">
+                    <a:pos x="T10" y="T11"/>
+                  </a:cxn>
+                  <a:cxn ang="0">
+                    <a:pos x="T12" y="T13"/>
+                  </a:cxn>
+                  <a:cxn ang="0">
+                    <a:pos x="T14" y="T15"/>
+                  </a:cxn>
+                  <a:cxn ang="0">
+                    <a:pos x="T16" y="T17"/>
+                  </a:cxn>
+                  <a:cxn ang="0">
+                    <a:pos x="T18" y="T19"/>
+                  </a:cxn>
+                  <a:cxn ang="0">
+                    <a:pos x="T20" y="T21"/>
+                  </a:cxn>
+                </a:cxnLst>
+                <a:rect l="0" t="0" r="r" b="b"/>
+                <a:pathLst>
+                  <a:path w="1504" h="203">
+                    <a:moveTo>
+                      <a:pt x="0" y="2"/>
+                    </a:moveTo>
+                    <a:cubicBezTo>
+                      <a:pt x="0" y="2"/>
+                      <a:pt x="53" y="0"/>
+                      <a:pt x="98" y="23"/>
+                    </a:cubicBezTo>
+                    <a:cubicBezTo>
+                      <a:pt x="143" y="46"/>
+                      <a:pt x="167" y="82"/>
+                      <a:pt x="233" y="61"/>
+                    </a:cubicBezTo>
+                    <a:cubicBezTo>
+                      <a:pt x="299" y="40"/>
+                      <a:pt x="308" y="37"/>
+                      <a:pt x="343" y="74"/>
+                    </a:cubicBezTo>
+                    <a:cubicBezTo>
+                      <a:pt x="378" y="111"/>
+                      <a:pt x="415" y="140"/>
+                      <a:pt x="495" y="115"/>
+                    </a:cubicBezTo>
+                    <a:cubicBezTo>
+                      <a:pt x="575" y="90"/>
+                      <a:pt x="552" y="25"/>
+                      <a:pt x="650" y="30"/>
+                    </a:cubicBezTo>
+                    <a:cubicBezTo>
+                      <a:pt x="748" y="35"/>
+                      <a:pt x="740" y="151"/>
+                      <a:pt x="864" y="177"/>
+                    </a:cubicBezTo>
+                    <a:cubicBezTo>
+                      <a:pt x="988" y="203"/>
+                      <a:pt x="1017" y="56"/>
+                      <a:pt x="1096" y="68"/>
+                    </a:cubicBezTo>
+                    <a:cubicBezTo>
+                      <a:pt x="1175" y="80"/>
+                      <a:pt x="1165" y="114"/>
+                      <a:pt x="1250" y="115"/>
+                    </a:cubicBezTo>
+                    <a:cubicBezTo>
+                      <a:pt x="1335" y="116"/>
+                      <a:pt x="1326" y="3"/>
+                      <a:pt x="1504" y="2"/>
+                    </a:cubicBezTo>
+                    <a:lnTo>
+                      <a:pt x="0" y="2"/>
+                    </a:lnTo>
+                    <a:close/>
+                  </a:path>
+                </a:pathLst>
+              </a:custGeom>
+              <a:gradFill>
+                <a:gsLst>
+                  <a:gs pos="0">
+                    <a:schemeClr val="accent5">
+                      <a:alpha val="10000"/>
+                    </a:schemeClr>
+                  </a:gs>
+                  <a:gs pos="100000">
+                    <a:schemeClr val="accent1">
+                      <a:alpha val="60000"/>
+                    </a:schemeClr>
+                  </a:gs>
+                </a:gsLst>
+                <a:lin ang="10800000" scaled="1"/>
+              </a:gradFill>
+              <a:ln w="9525">
+                <a:noFill/>
+                <a:round/>
+                <a:headEnd/>
+                <a:tailEnd/>
+              </a:ln>
+            </p:spPr>
+            <p:txBody>
+              <a:bodyPr vert="horz" wrap="square" lIns="91440" tIns="45720" rIns="91440" bIns="45720" numCol="1" anchor="t" anchorCtr="0" compatLnSpc="1">
+                <a:prstTxWarp prst="textNoShape">
+                  <a:avLst/>
+                </a:prstTxWarp>
+              </a:bodyPr>
+              <a:lstStyle/>
+              <a:p>
+                <a:endParaRPr lang="en-IN" dirty="0"/>
+              </a:p>
+            </p:txBody>
+          </p:sp>
+        </p:grpSp>
+      </p:grpSp>
+      <p:sp>
+        <p:nvSpPr>
+          <p:cNvPr id="2" name="TextBox 1">
+            <a:extLst>
+              <a:ext uri="{FF2B5EF4-FFF2-40B4-BE49-F238E27FC236}">
+                <a16:creationId xmlns:a16="http://schemas.microsoft.com/office/drawing/2014/main" id="{29C624C0-EF95-4C48-ADA3-E54C9D05ACFB}"/>
+              </a:ext>
+            </a:extLst>
+          </p:cNvPr>
+          <p:cNvSpPr txBox="1"/>
+          <p:nvPr/>
+        </p:nvSpPr>
+        <p:spPr>
+          <a:xfrm>
+            <a:off x="1053852" y="1372126"/>
+            <a:ext cx="6408712" cy="5262979"/>
+          </a:xfrm>
+          <a:prstGeom prst="rect">
+            <a:avLst/>
+          </a:prstGeom>
+          <a:noFill/>
+        </p:spPr>
+        <p:txBody>
+          <a:bodyPr wrap="square" anchor="ctr">
+            <a:spAutoFit/>
+          </a:bodyPr>
+          <a:lstStyle/>
+          <a:p>
+            <a:pPr marL="342900" indent="-342900">
+              <a:buFont typeface="Courier New" panose="02070309020205020404" pitchFamily="49" charset="0"/>
+              <a:buChar char="o"/>
+            </a:pPr>
+            <a:r>
+              <a:rPr lang="en-US" dirty="0"/>
+              <a:t>Introduction</a:t>
+            </a:r>
+          </a:p>
+          <a:p>
+            <a:pPr marL="342900" indent="-342900">
+              <a:buFont typeface="Courier New" panose="02070309020205020404" pitchFamily="49" charset="0"/>
+              <a:buChar char="o"/>
+            </a:pPr>
+            <a:r>
+              <a:rPr lang="en-US" dirty="0"/>
+              <a:t>How does an intelligent voice assistant work?</a:t>
+            </a:r>
+          </a:p>
+          <a:p>
+            <a:pPr marL="342900" indent="-342900">
+              <a:buFont typeface="Courier New" panose="02070309020205020404" pitchFamily="49" charset="0"/>
+              <a:buChar char="o"/>
+            </a:pPr>
+            <a:r>
+              <a:rPr lang="en-IN" i="0" dirty="0">
+                <a:solidFill>
+                  <a:srgbClr val="000000"/>
+                </a:solidFill>
+                <a:effectLst/>
+                <a:latin typeface="Segoe UI (Body)"/>
+                <a:ea typeface="Segoe UI Black" panose="020B0A02040204020203" pitchFamily="34" charset="0"/>
+              </a:rPr>
+              <a:t>Purpose of system</a:t>
+            </a:r>
+          </a:p>
+          <a:p>
+            <a:pPr marL="342900" indent="-342900">
+              <a:buFont typeface="Courier New" panose="02070309020205020404" pitchFamily="49" charset="0"/>
+              <a:buChar char="o"/>
+            </a:pPr>
+            <a:r>
+              <a:rPr lang="en-US" dirty="0"/>
+              <a:t>Dataflow diagram</a:t>
+            </a:r>
+          </a:p>
+          <a:p>
+            <a:pPr marL="342900" indent="-342900">
+              <a:buFont typeface="Courier New" panose="02070309020205020404" pitchFamily="49" charset="0"/>
+              <a:buChar char="o"/>
+            </a:pPr>
+            <a:r>
+              <a:rPr lang="en-US" dirty="0"/>
+              <a:t>Use case diagram</a:t>
+            </a:r>
+          </a:p>
+          <a:p>
+            <a:pPr marL="342900" indent="-342900">
+              <a:buFont typeface="Courier New" panose="02070309020205020404" pitchFamily="49" charset="0"/>
+              <a:buChar char="o"/>
+            </a:pPr>
+            <a:r>
+              <a:rPr lang="en-US" dirty="0">
+                <a:latin typeface="Segoe UI (Body)"/>
+                <a:ea typeface="Segoe UI Black" panose="020B0A02040204020203" pitchFamily="34" charset="0"/>
+              </a:rPr>
+              <a:t>Python Libraries</a:t>
+            </a:r>
+          </a:p>
+          <a:p>
+            <a:pPr marL="342900" indent="-342900">
+              <a:buFont typeface="Courier New" panose="02070309020205020404" pitchFamily="49" charset="0"/>
+              <a:buChar char="o"/>
+            </a:pPr>
+            <a:r>
+              <a:rPr lang="en-US" dirty="0"/>
+              <a:t>Existing system and proposed system</a:t>
+            </a:r>
+          </a:p>
+          <a:p>
+            <a:pPr marL="342900" indent="-342900">
+              <a:buFont typeface="Courier New" panose="02070309020205020404" pitchFamily="49" charset="0"/>
+              <a:buChar char="o"/>
+            </a:pPr>
+            <a:r>
+              <a:rPr lang="en-US" dirty="0"/>
+              <a:t>Future Functionalities:</a:t>
+            </a:r>
+          </a:p>
+          <a:p>
+            <a:pPr marL="342900" indent="-342900">
+              <a:buFont typeface="Courier New" panose="02070309020205020404" pitchFamily="49" charset="0"/>
+              <a:buChar char="o"/>
+            </a:pPr>
+            <a:r>
+              <a:rPr lang="en-US" dirty="0"/>
+              <a:t>Hardware And Software Requirements</a:t>
+            </a:r>
+          </a:p>
+          <a:p>
+            <a:pPr marL="342900" indent="-342900">
+              <a:buFont typeface="Courier New" panose="02070309020205020404" pitchFamily="49" charset="0"/>
+              <a:buChar char="o"/>
+            </a:pPr>
+            <a:r>
+              <a:rPr lang="en-US" dirty="0"/>
+              <a:t>Limitations</a:t>
+            </a:r>
+          </a:p>
+          <a:p>
+            <a:pPr marL="342900" indent="-342900">
+              <a:buFont typeface="Courier New" panose="02070309020205020404" pitchFamily="49" charset="0"/>
+              <a:buChar char="o"/>
+            </a:pPr>
+            <a:r>
+              <a:rPr lang="en-US" dirty="0"/>
+              <a:t>Preview</a:t>
+            </a:r>
+          </a:p>
+          <a:p>
+            <a:pPr marL="342900" indent="-342900">
+              <a:buFont typeface="Courier New" panose="02070309020205020404" pitchFamily="49" charset="0"/>
+              <a:buChar char="o"/>
+            </a:pPr>
+            <a:r>
+              <a:rPr lang="en-US" dirty="0"/>
+              <a:t>References</a:t>
+            </a:r>
+          </a:p>
+          <a:p>
+            <a:pPr marL="342900" indent="-342900">
+              <a:buFont typeface="Courier New" panose="02070309020205020404" pitchFamily="49" charset="0"/>
+              <a:buChar char="o"/>
+            </a:pPr>
+            <a:r>
+              <a:rPr lang="en-US" dirty="0"/>
+              <a:t>Conclusion</a:t>
+            </a:r>
+            <a:endParaRPr lang="ml-IN" dirty="0"/>
+          </a:p>
+        </p:txBody>
+      </p:sp>
+      <p:sp>
+        <p:nvSpPr>
+          <p:cNvPr id="15" name="TextBox 14">
+            <a:extLst>
+              <a:ext uri="{FF2B5EF4-FFF2-40B4-BE49-F238E27FC236}">
+                <a16:creationId xmlns:a16="http://schemas.microsoft.com/office/drawing/2014/main" id="{4FDBC157-9506-45DC-A739-AB6CA397353F}"/>
+              </a:ext>
+            </a:extLst>
+          </p:cNvPr>
+          <p:cNvSpPr txBox="1"/>
+          <p:nvPr/>
+        </p:nvSpPr>
+        <p:spPr>
+          <a:xfrm>
+            <a:off x="-602332" y="660562"/>
+            <a:ext cx="6010843" cy="757130"/>
+          </a:xfrm>
+          <a:prstGeom prst="rect">
+            <a:avLst/>
+          </a:prstGeom>
+          <a:noFill/>
+        </p:spPr>
+        <p:txBody>
+          <a:bodyPr wrap="square" anchor="ctr">
+            <a:spAutoFit/>
+          </a:bodyPr>
+          <a:lstStyle/>
+          <a:p>
+            <a:pPr algn="ctr">
+              <a:lnSpc>
+                <a:spcPct val="90000"/>
+              </a:lnSpc>
+              <a:spcBef>
+                <a:spcPts val="400"/>
+              </a:spcBef>
+            </a:pPr>
+            <a:r>
+              <a:rPr lang="en-IN" sz="4800" b="1" dirty="0">
+                <a:solidFill>
+                  <a:schemeClr val="accent2">
+                    <a:lumMod val="75000"/>
+                  </a:schemeClr>
+                </a:solidFill>
+                <a:ea typeface="Open Sans" panose="020B0606030504020204" pitchFamily="34" charset="0"/>
+                <a:cs typeface="Open Sans" panose="020B0606030504020204" pitchFamily="34" charset="0"/>
+              </a:rPr>
+              <a:t>AGENDA</a:t>
+            </a:r>
+          </a:p>
+        </p:txBody>
+      </p:sp>
+    </p:spTree>
+    <p:extLst>
+      <p:ext uri="{BB962C8B-B14F-4D97-AF65-F5344CB8AC3E}">
+        <p14:creationId xmlns:p14="http://schemas.microsoft.com/office/powerpoint/2010/main" val="2294247301"/>
+      </p:ext>
+    </p:extLst>
+  </p:cSld>
+  <p:clrMapOvr>
+    <a:masterClrMapping/>
+  </p:clrMapOvr>
+</p:sld>
+</file>
+
+<file path=ppt/slides/slide20.xml><?xml version="1.0" encoding="utf-8"?>
 <p:sld xmlns:a="http://schemas.openxmlformats.org/drawingml/2006/main" xmlns:r="http://schemas.openxmlformats.org/officeDocument/2006/relationships" xmlns:p="http://schemas.openxmlformats.org/presentationml/2006/main">
   <p:cSld>
     <p:bg>
@@ -24179,1461 +28118,6 @@
     <p:extLst>
       <p:ext uri="{BB962C8B-B14F-4D97-AF65-F5344CB8AC3E}">
         <p14:creationId xmlns:p14="http://schemas.microsoft.com/office/powerpoint/2010/main" val="265993408"/>
-      </p:ext>
-    </p:extLst>
-  </p:cSld>
-  <p:clrMapOvr>
-    <a:masterClrMapping/>
-  </p:clrMapOvr>
-</p:sld>
-</file>
-
-<file path=ppt/slides/slide2.xml><?xml version="1.0" encoding="utf-8"?>
-<p:sld xmlns:a="http://schemas.openxmlformats.org/drawingml/2006/main" xmlns:r="http://schemas.openxmlformats.org/officeDocument/2006/relationships" xmlns:p="http://schemas.openxmlformats.org/presentationml/2006/main">
-  <p:cSld>
-    <p:bg>
-      <p:bgPr>
-        <a:solidFill>
-          <a:schemeClr val="bg1"/>
-        </a:solidFill>
-        <a:effectLst/>
-      </p:bgPr>
-    </p:bg>
-    <p:spTree>
-      <p:nvGrpSpPr>
-        <p:cNvPr id="1" name=""/>
-        <p:cNvGrpSpPr/>
-        <p:nvPr/>
-      </p:nvGrpSpPr>
-      <p:grpSpPr>
-        <a:xfrm>
-          <a:off x="0" y="0"/>
-          <a:ext cx="0" cy="0"/>
-          <a:chOff x="0" y="0"/>
-          <a:chExt cx="0" cy="0"/>
-        </a:xfrm>
-      </p:grpSpPr>
-      <p:grpSp>
-        <p:nvGrpSpPr>
-          <p:cNvPr id="209" name="Group 208">
-            <a:extLst>
-              <a:ext uri="{FF2B5EF4-FFF2-40B4-BE49-F238E27FC236}">
-                <a16:creationId xmlns:a16="http://schemas.microsoft.com/office/drawing/2014/main" id="{40D6D26E-6BAA-4DB4-BFDB-394A556CC477}"/>
-              </a:ext>
-            </a:extLst>
-          </p:cNvPr>
-          <p:cNvGrpSpPr/>
-          <p:nvPr/>
-        </p:nvGrpSpPr>
-        <p:grpSpPr>
-          <a:xfrm>
-            <a:off x="8594695" y="2357290"/>
-            <a:ext cx="1338490" cy="1339710"/>
-            <a:chOff x="5352732" y="1034056"/>
-            <a:chExt cx="1483360" cy="1484714"/>
-          </a:xfrm>
-        </p:grpSpPr>
-        <p:sp>
-          <p:nvSpPr>
-            <p:cNvPr id="210" name="Oval 209">
-              <a:extLst>
-                <a:ext uri="{FF2B5EF4-FFF2-40B4-BE49-F238E27FC236}">
-                  <a16:creationId xmlns:a16="http://schemas.microsoft.com/office/drawing/2014/main" id="{687FE17B-BDC8-492D-AB09-53A7FF042438}"/>
-                </a:ext>
-              </a:extLst>
-            </p:cNvPr>
-            <p:cNvSpPr>
-              <a:spLocks noChangeArrowheads="1"/>
-            </p:cNvSpPr>
-            <p:nvPr/>
-          </p:nvSpPr>
-          <p:spPr bwMode="auto">
-            <a:xfrm>
-              <a:off x="5352732" y="1034056"/>
-              <a:ext cx="1483360" cy="1484714"/>
-            </a:xfrm>
-            <a:prstGeom prst="ellipse">
-              <a:avLst/>
-            </a:prstGeom>
-            <a:solidFill>
-              <a:schemeClr val="accent2"/>
-            </a:solidFill>
-            <a:ln>
-              <a:noFill/>
-            </a:ln>
-            <a:effectLst/>
-          </p:spPr>
-          <p:txBody>
-            <a:bodyPr vert="horz" wrap="square" lIns="91440" tIns="45720" rIns="91440" bIns="45720" numCol="1" anchor="t" anchorCtr="0" compatLnSpc="1">
-              <a:prstTxWarp prst="textNoShape">
-                <a:avLst/>
-              </a:prstTxWarp>
-            </a:bodyPr>
-            <a:lstStyle/>
-            <a:p>
-              <a:endParaRPr lang="en-IN" dirty="0"/>
-            </a:p>
-          </p:txBody>
-        </p:sp>
-        <p:grpSp>
-          <p:nvGrpSpPr>
-            <p:cNvPr id="211" name="Group 210">
-              <a:extLst>
-                <a:ext uri="{FF2B5EF4-FFF2-40B4-BE49-F238E27FC236}">
-                  <a16:creationId xmlns:a16="http://schemas.microsoft.com/office/drawing/2014/main" id="{EC0055B4-7800-4B9B-A266-F6611F4047D4}"/>
-                </a:ext>
-              </a:extLst>
-            </p:cNvPr>
-            <p:cNvGrpSpPr/>
-            <p:nvPr/>
-          </p:nvGrpSpPr>
-          <p:grpSpPr>
-            <a:xfrm>
-              <a:off x="5872025" y="1390015"/>
-              <a:ext cx="444774" cy="772796"/>
-              <a:chOff x="5778500" y="1427163"/>
-              <a:chExt cx="635000" cy="1103313"/>
-            </a:xfrm>
-          </p:grpSpPr>
-          <p:sp>
-            <p:nvSpPr>
-              <p:cNvPr id="212" name="Freeform 15">
-                <a:extLst>
-                  <a:ext uri="{FF2B5EF4-FFF2-40B4-BE49-F238E27FC236}">
-                    <a16:creationId xmlns:a16="http://schemas.microsoft.com/office/drawing/2014/main" id="{EBC4F6D7-263C-4114-BACE-B2626FD45AE9}"/>
-                  </a:ext>
-                </a:extLst>
-              </p:cNvPr>
-              <p:cNvSpPr>
-                <a:spLocks noEditPoints="1"/>
-              </p:cNvSpPr>
-              <p:nvPr/>
-            </p:nvSpPr>
-            <p:spPr bwMode="auto">
-              <a:xfrm>
-                <a:off x="5886450" y="1427163"/>
-                <a:ext cx="420688" cy="841375"/>
-              </a:xfrm>
-              <a:custGeom>
-                <a:avLst/>
-                <a:gdLst>
-                  <a:gd name="T0" fmla="*/ 7 w 110"/>
-                  <a:gd name="T1" fmla="*/ 169 h 221"/>
-                  <a:gd name="T2" fmla="*/ 107 w 110"/>
-                  <a:gd name="T3" fmla="*/ 152 h 221"/>
-                  <a:gd name="T4" fmla="*/ 107 w 110"/>
-                  <a:gd name="T5" fmla="*/ 150 h 221"/>
-                  <a:gd name="T6" fmla="*/ 107 w 110"/>
-                  <a:gd name="T7" fmla="*/ 103 h 221"/>
-                  <a:gd name="T8" fmla="*/ 103 w 110"/>
-                  <a:gd name="T9" fmla="*/ 52 h 221"/>
-                  <a:gd name="T10" fmla="*/ 3 w 110"/>
-                  <a:gd name="T11" fmla="*/ 71 h 221"/>
-                  <a:gd name="T12" fmla="*/ 3 w 110"/>
-                  <a:gd name="T13" fmla="*/ 118 h 221"/>
-                  <a:gd name="T14" fmla="*/ 7 w 110"/>
-                  <a:gd name="T15" fmla="*/ 169 h 221"/>
-                  <a:gd name="T16" fmla="*/ 18 w 110"/>
-                  <a:gd name="T17" fmla="*/ 71 h 221"/>
-                  <a:gd name="T18" fmla="*/ 75 w 110"/>
-                  <a:gd name="T19" fmla="*/ 40 h 221"/>
-                  <a:gd name="T20" fmla="*/ 92 w 110"/>
-                  <a:gd name="T21" fmla="*/ 82 h 221"/>
-                  <a:gd name="T22" fmla="*/ 92 w 110"/>
-                  <a:gd name="T23" fmla="*/ 150 h 221"/>
-                  <a:gd name="T24" fmla="*/ 35 w 110"/>
-                  <a:gd name="T25" fmla="*/ 181 h 221"/>
-                  <a:gd name="T26" fmla="*/ 18 w 110"/>
-                  <a:gd name="T27" fmla="*/ 139 h 221"/>
-                  <a:gd name="T28" fmla="*/ 18 w 110"/>
-                  <a:gd name="T29" fmla="*/ 71 h 221"/>
-                </a:gdLst>
-                <a:ahLst/>
-                <a:cxnLst>
-                  <a:cxn ang="0">
-                    <a:pos x="T0" y="T1"/>
-                  </a:cxn>
-                  <a:cxn ang="0">
-                    <a:pos x="T2" y="T3"/>
-                  </a:cxn>
-                  <a:cxn ang="0">
-                    <a:pos x="T4" y="T5"/>
-                  </a:cxn>
-                  <a:cxn ang="0">
-                    <a:pos x="T6" y="T7"/>
-                  </a:cxn>
-                  <a:cxn ang="0">
-                    <a:pos x="T8" y="T9"/>
-                  </a:cxn>
-                  <a:cxn ang="0">
-                    <a:pos x="T10" y="T11"/>
-                  </a:cxn>
-                  <a:cxn ang="0">
-                    <a:pos x="T12" y="T13"/>
-                  </a:cxn>
-                  <a:cxn ang="0">
-                    <a:pos x="T14" y="T15"/>
-                  </a:cxn>
-                  <a:cxn ang="0">
-                    <a:pos x="T16" y="T17"/>
-                  </a:cxn>
-                  <a:cxn ang="0">
-                    <a:pos x="T18" y="T19"/>
-                  </a:cxn>
-                  <a:cxn ang="0">
-                    <a:pos x="T20" y="T21"/>
-                  </a:cxn>
-                  <a:cxn ang="0">
-                    <a:pos x="T22" y="T23"/>
-                  </a:cxn>
-                  <a:cxn ang="0">
-                    <a:pos x="T24" y="T25"/>
-                  </a:cxn>
-                  <a:cxn ang="0">
-                    <a:pos x="T26" y="T27"/>
-                  </a:cxn>
-                  <a:cxn ang="0">
-                    <a:pos x="T28" y="T29"/>
-                  </a:cxn>
-                </a:cxnLst>
-                <a:rect l="0" t="0" r="r" b="b"/>
-                <a:pathLst>
-                  <a:path w="110" h="221">
-                    <a:moveTo>
-                      <a:pt x="7" y="169"/>
-                    </a:moveTo>
-                    <a:cubicBezTo>
-                      <a:pt x="29" y="221"/>
-                      <a:pt x="102" y="206"/>
-                      <a:pt x="107" y="152"/>
-                    </a:cubicBezTo>
-                    <a:cubicBezTo>
-                      <a:pt x="107" y="151"/>
-                      <a:pt x="107" y="151"/>
-                      <a:pt x="107" y="150"/>
-                    </a:cubicBezTo>
-                    <a:cubicBezTo>
-                      <a:pt x="107" y="134"/>
-                      <a:pt x="107" y="119"/>
-                      <a:pt x="107" y="103"/>
-                    </a:cubicBezTo>
-                    <a:cubicBezTo>
-                      <a:pt x="107" y="87"/>
-                      <a:pt x="110" y="67"/>
-                      <a:pt x="103" y="52"/>
-                    </a:cubicBezTo>
-                    <a:cubicBezTo>
-                      <a:pt x="81" y="0"/>
-                      <a:pt x="6" y="16"/>
-                      <a:pt x="3" y="71"/>
-                    </a:cubicBezTo>
-                    <a:cubicBezTo>
-                      <a:pt x="2" y="87"/>
-                      <a:pt x="3" y="103"/>
-                      <a:pt x="3" y="118"/>
-                    </a:cubicBezTo>
-                    <a:cubicBezTo>
-                      <a:pt x="3" y="134"/>
-                      <a:pt x="0" y="154"/>
-                      <a:pt x="7" y="169"/>
-                    </a:cubicBezTo>
-                    <a:close/>
-                    <a:moveTo>
-                      <a:pt x="18" y="71"/>
-                    </a:moveTo>
-                    <a:cubicBezTo>
-                      <a:pt x="18" y="41"/>
-                      <a:pt x="50" y="26"/>
-                      <a:pt x="75" y="40"/>
-                    </a:cubicBezTo>
-                    <a:cubicBezTo>
-                      <a:pt x="91" y="49"/>
-                      <a:pt x="92" y="66"/>
-                      <a:pt x="92" y="82"/>
-                    </a:cubicBezTo>
-                    <a:cubicBezTo>
-                      <a:pt x="92" y="105"/>
-                      <a:pt x="92" y="127"/>
-                      <a:pt x="92" y="150"/>
-                    </a:cubicBezTo>
-                    <a:cubicBezTo>
-                      <a:pt x="90" y="180"/>
-                      <a:pt x="61" y="196"/>
-                      <a:pt x="35" y="181"/>
-                    </a:cubicBezTo>
-                    <a:cubicBezTo>
-                      <a:pt x="19" y="172"/>
-                      <a:pt x="18" y="155"/>
-                      <a:pt x="18" y="139"/>
-                    </a:cubicBezTo>
-                    <a:cubicBezTo>
-                      <a:pt x="18" y="117"/>
-                      <a:pt x="18" y="94"/>
-                      <a:pt x="18" y="71"/>
-                    </a:cubicBezTo>
-                    <a:close/>
-                  </a:path>
-                </a:pathLst>
-              </a:custGeom>
-              <a:solidFill>
-                <a:srgbClr val="FFFFFF"/>
-              </a:solidFill>
-              <a:ln w="9525">
-                <a:noFill/>
-                <a:round/>
-                <a:headEnd/>
-                <a:tailEnd/>
-              </a:ln>
-            </p:spPr>
-            <p:txBody>
-              <a:bodyPr vert="horz" wrap="square" lIns="91440" tIns="45720" rIns="91440" bIns="45720" numCol="1" anchor="t" anchorCtr="0" compatLnSpc="1">
-                <a:prstTxWarp prst="textNoShape">
-                  <a:avLst/>
-                </a:prstTxWarp>
-              </a:bodyPr>
-              <a:lstStyle/>
-              <a:p>
-                <a:endParaRPr lang="en-IN"/>
-              </a:p>
-            </p:txBody>
-          </p:sp>
-          <p:sp>
-            <p:nvSpPr>
-              <p:cNvPr id="213" name="Freeform 16">
-                <a:extLst>
-                  <a:ext uri="{FF2B5EF4-FFF2-40B4-BE49-F238E27FC236}">
-                    <a16:creationId xmlns:a16="http://schemas.microsoft.com/office/drawing/2014/main" id="{2CB59065-558B-4108-927E-8486CC7B8825}"/>
-                  </a:ext>
-                </a:extLst>
-              </p:cNvPr>
-              <p:cNvSpPr>
-                <a:spLocks/>
-              </p:cNvSpPr>
-              <p:nvPr/>
-            </p:nvSpPr>
-            <p:spPr bwMode="auto">
-              <a:xfrm>
-                <a:off x="5778500" y="1971676"/>
-                <a:ext cx="635000" cy="558800"/>
-              </a:xfrm>
-              <a:custGeom>
-                <a:avLst/>
-                <a:gdLst>
-                  <a:gd name="T0" fmla="*/ 166 w 166"/>
-                  <a:gd name="T1" fmla="*/ 9 h 147"/>
-                  <a:gd name="T2" fmla="*/ 151 w 166"/>
-                  <a:gd name="T3" fmla="*/ 9 h 147"/>
-                  <a:gd name="T4" fmla="*/ 83 w 166"/>
-                  <a:gd name="T5" fmla="*/ 77 h 147"/>
-                  <a:gd name="T6" fmla="*/ 15 w 166"/>
-                  <a:gd name="T7" fmla="*/ 9 h 147"/>
-                  <a:gd name="T8" fmla="*/ 0 w 166"/>
-                  <a:gd name="T9" fmla="*/ 9 h 147"/>
-                  <a:gd name="T10" fmla="*/ 76 w 166"/>
-                  <a:gd name="T11" fmla="*/ 92 h 147"/>
-                  <a:gd name="T12" fmla="*/ 76 w 166"/>
-                  <a:gd name="T13" fmla="*/ 138 h 147"/>
-                  <a:gd name="T14" fmla="*/ 91 w 166"/>
-                  <a:gd name="T15" fmla="*/ 138 h 147"/>
-                  <a:gd name="T16" fmla="*/ 91 w 166"/>
-                  <a:gd name="T17" fmla="*/ 92 h 147"/>
-                  <a:gd name="T18" fmla="*/ 166 w 166"/>
-                  <a:gd name="T19" fmla="*/ 9 h 147"/>
-                </a:gdLst>
-                <a:ahLst/>
-                <a:cxnLst>
-                  <a:cxn ang="0">
-                    <a:pos x="T0" y="T1"/>
-                  </a:cxn>
-                  <a:cxn ang="0">
-                    <a:pos x="T2" y="T3"/>
-                  </a:cxn>
-                  <a:cxn ang="0">
-                    <a:pos x="T4" y="T5"/>
-                  </a:cxn>
-                  <a:cxn ang="0">
-                    <a:pos x="T6" y="T7"/>
-                  </a:cxn>
-                  <a:cxn ang="0">
-                    <a:pos x="T8" y="T9"/>
-                  </a:cxn>
-                  <a:cxn ang="0">
-                    <a:pos x="T10" y="T11"/>
-                  </a:cxn>
-                  <a:cxn ang="0">
-                    <a:pos x="T12" y="T13"/>
-                  </a:cxn>
-                  <a:cxn ang="0">
-                    <a:pos x="T14" y="T15"/>
-                  </a:cxn>
-                  <a:cxn ang="0">
-                    <a:pos x="T16" y="T17"/>
-                  </a:cxn>
-                  <a:cxn ang="0">
-                    <a:pos x="T18" y="T19"/>
-                  </a:cxn>
-                </a:cxnLst>
-                <a:rect l="0" t="0" r="r" b="b"/>
-                <a:pathLst>
-                  <a:path w="166" h="147">
-                    <a:moveTo>
-                      <a:pt x="166" y="9"/>
-                    </a:moveTo>
-                    <a:cubicBezTo>
-                      <a:pt x="166" y="0"/>
-                      <a:pt x="151" y="0"/>
-                      <a:pt x="151" y="9"/>
-                    </a:cubicBezTo>
-                    <a:cubicBezTo>
-                      <a:pt x="149" y="47"/>
-                      <a:pt x="121" y="76"/>
-                      <a:pt x="83" y="77"/>
-                    </a:cubicBezTo>
-                    <a:cubicBezTo>
-                      <a:pt x="45" y="79"/>
-                      <a:pt x="17" y="45"/>
-                      <a:pt x="15" y="9"/>
-                    </a:cubicBezTo>
-                    <a:cubicBezTo>
-                      <a:pt x="15" y="0"/>
-                      <a:pt x="0" y="0"/>
-                      <a:pt x="0" y="9"/>
-                    </a:cubicBezTo>
-                    <a:cubicBezTo>
-                      <a:pt x="2" y="53"/>
-                      <a:pt x="33" y="87"/>
-                      <a:pt x="76" y="92"/>
-                    </a:cubicBezTo>
-                    <a:cubicBezTo>
-                      <a:pt x="76" y="107"/>
-                      <a:pt x="76" y="122"/>
-                      <a:pt x="76" y="138"/>
-                    </a:cubicBezTo>
-                    <a:cubicBezTo>
-                      <a:pt x="76" y="147"/>
-                      <a:pt x="91" y="147"/>
-                      <a:pt x="91" y="138"/>
-                    </a:cubicBezTo>
-                    <a:cubicBezTo>
-                      <a:pt x="91" y="122"/>
-                      <a:pt x="91" y="107"/>
-                      <a:pt x="91" y="92"/>
-                    </a:cubicBezTo>
-                    <a:cubicBezTo>
-                      <a:pt x="133" y="89"/>
-                      <a:pt x="164" y="51"/>
-                      <a:pt x="166" y="9"/>
-                    </a:cubicBezTo>
-                    <a:close/>
-                  </a:path>
-                </a:pathLst>
-              </a:custGeom>
-              <a:solidFill>
-                <a:srgbClr val="FFFFFF"/>
-              </a:solidFill>
-              <a:ln w="9525">
-                <a:noFill/>
-                <a:round/>
-                <a:headEnd/>
-                <a:tailEnd/>
-              </a:ln>
-            </p:spPr>
-            <p:txBody>
-              <a:bodyPr vert="horz" wrap="square" lIns="91440" tIns="45720" rIns="91440" bIns="45720" numCol="1" anchor="t" anchorCtr="0" compatLnSpc="1">
-                <a:prstTxWarp prst="textNoShape">
-                  <a:avLst/>
-                </a:prstTxWarp>
-              </a:bodyPr>
-              <a:lstStyle/>
-              <a:p>
-                <a:endParaRPr lang="en-IN"/>
-              </a:p>
-            </p:txBody>
-          </p:sp>
-        </p:grpSp>
-      </p:grpSp>
-      <p:grpSp>
-        <p:nvGrpSpPr>
-          <p:cNvPr id="214" name="Group 213">
-            <a:extLst>
-              <a:ext uri="{FF2B5EF4-FFF2-40B4-BE49-F238E27FC236}">
-                <a16:creationId xmlns:a16="http://schemas.microsoft.com/office/drawing/2014/main" id="{54C2F4D6-9BE9-4543-9204-1D1C1BE03430}"/>
-              </a:ext>
-            </a:extLst>
-          </p:cNvPr>
-          <p:cNvGrpSpPr/>
-          <p:nvPr/>
-        </p:nvGrpSpPr>
-        <p:grpSpPr>
-          <a:xfrm>
-            <a:off x="6642802" y="4112371"/>
-            <a:ext cx="5546023" cy="1636935"/>
-            <a:chOff x="1485900" y="2636912"/>
-            <a:chExt cx="9223146" cy="2361788"/>
-          </a:xfrm>
-        </p:grpSpPr>
-        <p:grpSp>
-          <p:nvGrpSpPr>
-            <p:cNvPr id="215" name="Group 214">
-              <a:extLst>
-                <a:ext uri="{FF2B5EF4-FFF2-40B4-BE49-F238E27FC236}">
-                  <a16:creationId xmlns:a16="http://schemas.microsoft.com/office/drawing/2014/main" id="{D3666B17-37F8-4565-BDA4-7BC2C598BBC5}"/>
-                </a:ext>
-              </a:extLst>
-            </p:cNvPr>
-            <p:cNvGrpSpPr/>
-            <p:nvPr/>
-          </p:nvGrpSpPr>
-          <p:grpSpPr>
-            <a:xfrm>
-              <a:off x="1485900" y="2636912"/>
-              <a:ext cx="8408271" cy="2361788"/>
-              <a:chOff x="1541463" y="3026017"/>
-              <a:chExt cx="7067550" cy="1985196"/>
-            </a:xfrm>
-          </p:grpSpPr>
-          <p:sp>
-            <p:nvSpPr>
-              <p:cNvPr id="219" name="Freeform 5">
-                <a:extLst>
-                  <a:ext uri="{FF2B5EF4-FFF2-40B4-BE49-F238E27FC236}">
-                    <a16:creationId xmlns:a16="http://schemas.microsoft.com/office/drawing/2014/main" id="{F24D542A-6F56-43E9-9309-E0A2AC6899FF}"/>
-                  </a:ext>
-                </a:extLst>
-              </p:cNvPr>
-              <p:cNvSpPr>
-                <a:spLocks/>
-              </p:cNvSpPr>
-              <p:nvPr/>
-            </p:nvSpPr>
-            <p:spPr bwMode="auto">
-              <a:xfrm>
-                <a:off x="1541463" y="3026017"/>
-                <a:ext cx="7008813" cy="1069975"/>
-              </a:xfrm>
-              <a:custGeom>
-                <a:avLst/>
-                <a:gdLst>
-                  <a:gd name="T0" fmla="*/ 0 w 1557"/>
-                  <a:gd name="T1" fmla="*/ 204 h 237"/>
-                  <a:gd name="T2" fmla="*/ 160 w 1557"/>
-                  <a:gd name="T3" fmla="*/ 138 h 237"/>
-                  <a:gd name="T4" fmla="*/ 353 w 1557"/>
-                  <a:gd name="T5" fmla="*/ 114 h 237"/>
-                  <a:gd name="T6" fmla="*/ 521 w 1557"/>
-                  <a:gd name="T7" fmla="*/ 74 h 237"/>
-                  <a:gd name="T8" fmla="*/ 687 w 1557"/>
-                  <a:gd name="T9" fmla="*/ 49 h 237"/>
-                  <a:gd name="T10" fmla="*/ 952 w 1557"/>
-                  <a:gd name="T11" fmla="*/ 126 h 237"/>
-                  <a:gd name="T12" fmla="*/ 1169 w 1557"/>
-                  <a:gd name="T13" fmla="*/ 140 h 237"/>
-                  <a:gd name="T14" fmla="*/ 1280 w 1557"/>
-                  <a:gd name="T15" fmla="*/ 138 h 237"/>
-                  <a:gd name="T16" fmla="*/ 1404 w 1557"/>
-                  <a:gd name="T17" fmla="*/ 180 h 237"/>
-                  <a:gd name="T18" fmla="*/ 1557 w 1557"/>
-                  <a:gd name="T19" fmla="*/ 204 h 237"/>
-                  <a:gd name="T20" fmla="*/ 0 w 1557"/>
-                  <a:gd name="T21" fmla="*/ 204 h 237"/>
-                </a:gdLst>
-                <a:ahLst/>
-                <a:cxnLst>
-                  <a:cxn ang="0">
-                    <a:pos x="T0" y="T1"/>
-                  </a:cxn>
-                  <a:cxn ang="0">
-                    <a:pos x="T2" y="T3"/>
-                  </a:cxn>
-                  <a:cxn ang="0">
-                    <a:pos x="T4" y="T5"/>
-                  </a:cxn>
-                  <a:cxn ang="0">
-                    <a:pos x="T6" y="T7"/>
-                  </a:cxn>
-                  <a:cxn ang="0">
-                    <a:pos x="T8" y="T9"/>
-                  </a:cxn>
-                  <a:cxn ang="0">
-                    <a:pos x="T10" y="T11"/>
-                  </a:cxn>
-                  <a:cxn ang="0">
-                    <a:pos x="T12" y="T13"/>
-                  </a:cxn>
-                  <a:cxn ang="0">
-                    <a:pos x="T14" y="T15"/>
-                  </a:cxn>
-                  <a:cxn ang="0">
-                    <a:pos x="T16" y="T17"/>
-                  </a:cxn>
-                  <a:cxn ang="0">
-                    <a:pos x="T18" y="T19"/>
-                  </a:cxn>
-                  <a:cxn ang="0">
-                    <a:pos x="T20" y="T21"/>
-                  </a:cxn>
-                </a:cxnLst>
-                <a:rect l="0" t="0" r="r" b="b"/>
-                <a:pathLst>
-                  <a:path w="1557" h="237">
-                    <a:moveTo>
-                      <a:pt x="0" y="204"/>
-                    </a:moveTo>
-                    <a:cubicBezTo>
-                      <a:pt x="0" y="204"/>
-                      <a:pt x="104" y="212"/>
-                      <a:pt x="160" y="138"/>
-                    </a:cubicBezTo>
-                    <a:cubicBezTo>
-                      <a:pt x="216" y="65"/>
-                      <a:pt x="271" y="84"/>
-                      <a:pt x="353" y="114"/>
-                    </a:cubicBezTo>
-                    <a:cubicBezTo>
-                      <a:pt x="436" y="145"/>
-                      <a:pt x="471" y="120"/>
-                      <a:pt x="521" y="74"/>
-                    </a:cubicBezTo>
-                    <a:cubicBezTo>
-                      <a:pt x="572" y="29"/>
-                      <a:pt x="628" y="0"/>
-                      <a:pt x="687" y="49"/>
-                    </a:cubicBezTo>
-                    <a:cubicBezTo>
-                      <a:pt x="745" y="98"/>
-                      <a:pt x="828" y="237"/>
-                      <a:pt x="952" y="126"/>
-                    </a:cubicBezTo>
-                    <a:cubicBezTo>
-                      <a:pt x="1076" y="16"/>
-                      <a:pt x="1127" y="107"/>
-                      <a:pt x="1169" y="140"/>
-                    </a:cubicBezTo>
-                    <a:cubicBezTo>
-                      <a:pt x="1212" y="173"/>
-                      <a:pt x="1243" y="146"/>
-                      <a:pt x="1280" y="138"/>
-                    </a:cubicBezTo>
-                    <a:cubicBezTo>
-                      <a:pt x="1317" y="130"/>
-                      <a:pt x="1363" y="160"/>
-                      <a:pt x="1404" y="180"/>
-                    </a:cubicBezTo>
-                    <a:cubicBezTo>
-                      <a:pt x="1445" y="200"/>
-                      <a:pt x="1507" y="204"/>
-                      <a:pt x="1557" y="204"/>
-                    </a:cubicBezTo>
-                    <a:lnTo>
-                      <a:pt x="0" y="204"/>
-                    </a:lnTo>
-                    <a:close/>
-                  </a:path>
-                </a:pathLst>
-              </a:custGeom>
-              <a:gradFill>
-                <a:gsLst>
-                  <a:gs pos="0">
-                    <a:schemeClr val="accent5">
-                      <a:alpha val="50000"/>
-                    </a:schemeClr>
-                  </a:gs>
-                  <a:gs pos="100000">
-                    <a:schemeClr val="accent2">
-                      <a:alpha val="50000"/>
-                    </a:schemeClr>
-                  </a:gs>
-                </a:gsLst>
-                <a:lin ang="10800000" scaled="1"/>
-              </a:gradFill>
-              <a:ln w="9525">
-                <a:noFill/>
-                <a:round/>
-                <a:headEnd/>
-                <a:tailEnd/>
-              </a:ln>
-            </p:spPr>
-            <p:txBody>
-              <a:bodyPr vert="horz" wrap="square" lIns="91440" tIns="45720" rIns="91440" bIns="45720" numCol="1" anchor="t" anchorCtr="0" compatLnSpc="1">
-                <a:prstTxWarp prst="textNoShape">
-                  <a:avLst/>
-                </a:prstTxWarp>
-              </a:bodyPr>
-              <a:lstStyle/>
-              <a:p>
-                <a:endParaRPr lang="en-IN"/>
-              </a:p>
-            </p:txBody>
-          </p:sp>
-          <p:sp>
-            <p:nvSpPr>
-              <p:cNvPr id="220" name="Freeform 6">
-                <a:extLst>
-                  <a:ext uri="{FF2B5EF4-FFF2-40B4-BE49-F238E27FC236}">
-                    <a16:creationId xmlns:a16="http://schemas.microsoft.com/office/drawing/2014/main" id="{207C9FFB-67EB-4EAA-A194-77A4DB06A485}"/>
-                  </a:ext>
-                </a:extLst>
-              </p:cNvPr>
-              <p:cNvSpPr>
-                <a:spLocks/>
-              </p:cNvSpPr>
-              <p:nvPr/>
-            </p:nvSpPr>
-            <p:spPr bwMode="auto">
-              <a:xfrm>
-                <a:off x="1801813" y="3946000"/>
-                <a:ext cx="6807200" cy="1065213"/>
-              </a:xfrm>
-              <a:custGeom>
-                <a:avLst/>
-                <a:gdLst>
-                  <a:gd name="T0" fmla="*/ 1512 w 1512"/>
-                  <a:gd name="T1" fmla="*/ 0 h 236"/>
-                  <a:gd name="T2" fmla="*/ 1427 w 1512"/>
-                  <a:gd name="T3" fmla="*/ 21 h 236"/>
-                  <a:gd name="T4" fmla="*/ 1324 w 1512"/>
-                  <a:gd name="T5" fmla="*/ 134 h 236"/>
-                  <a:gd name="T6" fmla="*/ 1123 w 1512"/>
-                  <a:gd name="T7" fmla="*/ 90 h 236"/>
-                  <a:gd name="T8" fmla="*/ 911 w 1512"/>
-                  <a:gd name="T9" fmla="*/ 230 h 236"/>
-                  <a:gd name="T10" fmla="*/ 681 w 1512"/>
-                  <a:gd name="T11" fmla="*/ 34 h 236"/>
-                  <a:gd name="T12" fmla="*/ 496 w 1512"/>
-                  <a:gd name="T13" fmla="*/ 170 h 236"/>
-                  <a:gd name="T14" fmla="*/ 388 w 1512"/>
-                  <a:gd name="T15" fmla="*/ 108 h 236"/>
-                  <a:gd name="T16" fmla="*/ 312 w 1512"/>
-                  <a:gd name="T17" fmla="*/ 58 h 236"/>
-                  <a:gd name="T18" fmla="*/ 168 w 1512"/>
-                  <a:gd name="T19" fmla="*/ 56 h 236"/>
-                  <a:gd name="T20" fmla="*/ 0 w 1512"/>
-                  <a:gd name="T21" fmla="*/ 0 h 236"/>
-                  <a:gd name="T22" fmla="*/ 1512 w 1512"/>
-                  <a:gd name="T23" fmla="*/ 0 h 236"/>
-                </a:gdLst>
-                <a:ahLst/>
-                <a:cxnLst>
-                  <a:cxn ang="0">
-                    <a:pos x="T0" y="T1"/>
-                  </a:cxn>
-                  <a:cxn ang="0">
-                    <a:pos x="T2" y="T3"/>
-                  </a:cxn>
-                  <a:cxn ang="0">
-                    <a:pos x="T4" y="T5"/>
-                  </a:cxn>
-                  <a:cxn ang="0">
-                    <a:pos x="T6" y="T7"/>
-                  </a:cxn>
-                  <a:cxn ang="0">
-                    <a:pos x="T8" y="T9"/>
-                  </a:cxn>
-                  <a:cxn ang="0">
-                    <a:pos x="T10" y="T11"/>
-                  </a:cxn>
-                  <a:cxn ang="0">
-                    <a:pos x="T12" y="T13"/>
-                  </a:cxn>
-                  <a:cxn ang="0">
-                    <a:pos x="T14" y="T15"/>
-                  </a:cxn>
-                  <a:cxn ang="0">
-                    <a:pos x="T16" y="T17"/>
-                  </a:cxn>
-                  <a:cxn ang="0">
-                    <a:pos x="T18" y="T19"/>
-                  </a:cxn>
-                  <a:cxn ang="0">
-                    <a:pos x="T20" y="T21"/>
-                  </a:cxn>
-                  <a:cxn ang="0">
-                    <a:pos x="T22" y="T23"/>
-                  </a:cxn>
-                </a:cxnLst>
-                <a:rect l="0" t="0" r="r" b="b"/>
-                <a:pathLst>
-                  <a:path w="1512" h="236">
-                    <a:moveTo>
-                      <a:pt x="1512" y="0"/>
-                    </a:moveTo>
-                    <a:cubicBezTo>
-                      <a:pt x="1482" y="0"/>
-                      <a:pt x="1454" y="4"/>
-                      <a:pt x="1427" y="21"/>
-                    </a:cubicBezTo>
-                    <a:cubicBezTo>
-                      <a:pt x="1382" y="49"/>
-                      <a:pt x="1363" y="101"/>
-                      <a:pt x="1324" y="134"/>
-                    </a:cubicBezTo>
-                    <a:cubicBezTo>
-                      <a:pt x="1255" y="193"/>
-                      <a:pt x="1191" y="92"/>
-                      <a:pt x="1123" y="90"/>
-                    </a:cubicBezTo>
-                    <a:cubicBezTo>
-                      <a:pt x="1059" y="87"/>
-                      <a:pt x="1007" y="236"/>
-                      <a:pt x="911" y="230"/>
-                    </a:cubicBezTo>
-                    <a:cubicBezTo>
-                      <a:pt x="815" y="223"/>
-                      <a:pt x="805" y="39"/>
-                      <a:pt x="681" y="34"/>
-                    </a:cubicBezTo>
-                    <a:cubicBezTo>
-                      <a:pt x="564" y="28"/>
-                      <a:pt x="597" y="154"/>
-                      <a:pt x="496" y="170"/>
-                    </a:cubicBezTo>
-                    <a:cubicBezTo>
-                      <a:pt x="451" y="177"/>
-                      <a:pt x="414" y="143"/>
-                      <a:pt x="388" y="108"/>
-                    </a:cubicBezTo>
-                    <a:cubicBezTo>
-                      <a:pt x="369" y="83"/>
-                      <a:pt x="347" y="48"/>
-                      <a:pt x="312" y="58"/>
-                    </a:cubicBezTo>
-                    <a:cubicBezTo>
-                      <a:pt x="263" y="73"/>
-                      <a:pt x="233" y="106"/>
-                      <a:pt x="168" y="56"/>
-                    </a:cubicBezTo>
-                    <a:cubicBezTo>
-                      <a:pt x="126" y="24"/>
-                      <a:pt x="115" y="0"/>
-                      <a:pt x="0" y="0"/>
-                    </a:cubicBezTo>
-                    <a:cubicBezTo>
-                      <a:pt x="0" y="0"/>
-                      <a:pt x="1509" y="0"/>
-                      <a:pt x="1512" y="0"/>
-                    </a:cubicBezTo>
-                    <a:close/>
-                  </a:path>
-                </a:pathLst>
-              </a:custGeom>
-              <a:gradFill>
-                <a:gsLst>
-                  <a:gs pos="0">
-                    <a:schemeClr val="accent5">
-                      <a:alpha val="70000"/>
-                    </a:schemeClr>
-                  </a:gs>
-                  <a:gs pos="100000">
-                    <a:schemeClr val="accent2">
-                      <a:alpha val="70000"/>
-                    </a:schemeClr>
-                  </a:gs>
-                </a:gsLst>
-                <a:lin ang="10800000" scaled="1"/>
-              </a:gradFill>
-              <a:ln w="9525">
-                <a:noFill/>
-                <a:round/>
-                <a:headEnd/>
-                <a:tailEnd/>
-              </a:ln>
-            </p:spPr>
-            <p:txBody>
-              <a:bodyPr vert="horz" wrap="square" lIns="91440" tIns="45720" rIns="91440" bIns="45720" numCol="1" anchor="t" anchorCtr="0" compatLnSpc="1">
-                <a:prstTxWarp prst="textNoShape">
-                  <a:avLst/>
-                </a:prstTxWarp>
-              </a:bodyPr>
-              <a:lstStyle/>
-              <a:p>
-                <a:endParaRPr lang="en-IN"/>
-              </a:p>
-            </p:txBody>
-          </p:sp>
-        </p:grpSp>
-        <p:grpSp>
-          <p:nvGrpSpPr>
-            <p:cNvPr id="216" name="Group 215">
-              <a:extLst>
-                <a:ext uri="{FF2B5EF4-FFF2-40B4-BE49-F238E27FC236}">
-                  <a16:creationId xmlns:a16="http://schemas.microsoft.com/office/drawing/2014/main" id="{1BACC1FD-EE5E-4825-8288-C4797A435EEC}"/>
-                </a:ext>
-              </a:extLst>
-            </p:cNvPr>
-            <p:cNvGrpSpPr/>
-            <p:nvPr/>
-          </p:nvGrpSpPr>
-          <p:grpSpPr>
-            <a:xfrm>
-              <a:off x="2619148" y="2636912"/>
-              <a:ext cx="8089898" cy="2195473"/>
-              <a:chOff x="3648075" y="1246188"/>
-              <a:chExt cx="6799942" cy="1845400"/>
-            </a:xfrm>
-          </p:grpSpPr>
-          <p:sp>
-            <p:nvSpPr>
-              <p:cNvPr id="217" name="Freeform 7">
-                <a:extLst>
-                  <a:ext uri="{FF2B5EF4-FFF2-40B4-BE49-F238E27FC236}">
-                    <a16:creationId xmlns:a16="http://schemas.microsoft.com/office/drawing/2014/main" id="{80848B00-D666-421C-802C-6CDADF3063A7}"/>
-                  </a:ext>
-                </a:extLst>
-              </p:cNvPr>
-              <p:cNvSpPr>
-                <a:spLocks/>
-              </p:cNvSpPr>
-              <p:nvPr/>
-            </p:nvSpPr>
-            <p:spPr bwMode="auto">
-              <a:xfrm>
-                <a:off x="3648075" y="1246188"/>
-                <a:ext cx="6675438" cy="938213"/>
-              </a:xfrm>
-              <a:custGeom>
-                <a:avLst/>
-                <a:gdLst>
-                  <a:gd name="T0" fmla="*/ 0 w 1483"/>
-                  <a:gd name="T1" fmla="*/ 204 h 208"/>
-                  <a:gd name="T2" fmla="*/ 129 w 1483"/>
-                  <a:gd name="T3" fmla="*/ 154 h 208"/>
-                  <a:gd name="T4" fmla="*/ 312 w 1483"/>
-                  <a:gd name="T5" fmla="*/ 94 h 208"/>
-                  <a:gd name="T6" fmla="*/ 511 w 1483"/>
-                  <a:gd name="T7" fmla="*/ 75 h 208"/>
-                  <a:gd name="T8" fmla="*/ 659 w 1483"/>
-                  <a:gd name="T9" fmla="*/ 38 h 208"/>
-                  <a:gd name="T10" fmla="*/ 810 w 1483"/>
-                  <a:gd name="T11" fmla="*/ 157 h 208"/>
-                  <a:gd name="T12" fmla="*/ 1044 w 1483"/>
-                  <a:gd name="T13" fmla="*/ 75 h 208"/>
-                  <a:gd name="T14" fmla="*/ 1209 w 1483"/>
-                  <a:gd name="T15" fmla="*/ 150 h 208"/>
-                  <a:gd name="T16" fmla="*/ 1365 w 1483"/>
-                  <a:gd name="T17" fmla="*/ 159 h 208"/>
-                  <a:gd name="T18" fmla="*/ 1483 w 1483"/>
-                  <a:gd name="T19" fmla="*/ 204 h 208"/>
-                  <a:gd name="T20" fmla="*/ 0 w 1483"/>
-                  <a:gd name="T21" fmla="*/ 204 h 208"/>
-                </a:gdLst>
-                <a:ahLst/>
-                <a:cxnLst>
-                  <a:cxn ang="0">
-                    <a:pos x="T0" y="T1"/>
-                  </a:cxn>
-                  <a:cxn ang="0">
-                    <a:pos x="T2" y="T3"/>
-                  </a:cxn>
-                  <a:cxn ang="0">
-                    <a:pos x="T4" y="T5"/>
-                  </a:cxn>
-                  <a:cxn ang="0">
-                    <a:pos x="T6" y="T7"/>
-                  </a:cxn>
-                  <a:cxn ang="0">
-                    <a:pos x="T8" y="T9"/>
-                  </a:cxn>
-                  <a:cxn ang="0">
-                    <a:pos x="T10" y="T11"/>
-                  </a:cxn>
-                  <a:cxn ang="0">
-                    <a:pos x="T12" y="T13"/>
-                  </a:cxn>
-                  <a:cxn ang="0">
-                    <a:pos x="T14" y="T15"/>
-                  </a:cxn>
-                  <a:cxn ang="0">
-                    <a:pos x="T16" y="T17"/>
-                  </a:cxn>
-                  <a:cxn ang="0">
-                    <a:pos x="T18" y="T19"/>
-                  </a:cxn>
-                  <a:cxn ang="0">
-                    <a:pos x="T20" y="T21"/>
-                  </a:cxn>
-                </a:cxnLst>
-                <a:rect l="0" t="0" r="r" b="b"/>
-                <a:pathLst>
-                  <a:path w="1483" h="208">
-                    <a:moveTo>
-                      <a:pt x="0" y="204"/>
-                    </a:moveTo>
-                    <a:cubicBezTo>
-                      <a:pt x="0" y="204"/>
-                      <a:pt x="82" y="199"/>
-                      <a:pt x="129" y="154"/>
-                    </a:cubicBezTo>
-                    <a:cubicBezTo>
-                      <a:pt x="189" y="98"/>
-                      <a:pt x="235" y="49"/>
-                      <a:pt x="312" y="94"/>
-                    </a:cubicBezTo>
-                    <a:cubicBezTo>
-                      <a:pt x="397" y="143"/>
-                      <a:pt x="427" y="149"/>
-                      <a:pt x="511" y="75"/>
-                    </a:cubicBezTo>
-                    <a:cubicBezTo>
-                      <a:pt x="595" y="0"/>
-                      <a:pt x="629" y="14"/>
-                      <a:pt x="659" y="38"/>
-                    </a:cubicBezTo>
-                    <a:cubicBezTo>
-                      <a:pt x="704" y="75"/>
-                      <a:pt x="731" y="146"/>
-                      <a:pt x="810" y="157"/>
-                    </a:cubicBezTo>
-                    <a:cubicBezTo>
-                      <a:pt x="889" y="168"/>
-                      <a:pt x="945" y="58"/>
-                      <a:pt x="1044" y="75"/>
-                    </a:cubicBezTo>
-                    <a:cubicBezTo>
-                      <a:pt x="1136" y="90"/>
-                      <a:pt x="1113" y="161"/>
-                      <a:pt x="1209" y="150"/>
-                    </a:cubicBezTo>
-                    <a:cubicBezTo>
-                      <a:pt x="1273" y="143"/>
-                      <a:pt x="1290" y="110"/>
-                      <a:pt x="1365" y="159"/>
-                    </a:cubicBezTo>
-                    <a:cubicBezTo>
-                      <a:pt x="1441" y="208"/>
-                      <a:pt x="1483" y="204"/>
-                      <a:pt x="1483" y="204"/>
-                    </a:cubicBezTo>
-                    <a:lnTo>
-                      <a:pt x="0" y="204"/>
-                    </a:lnTo>
-                    <a:close/>
-                  </a:path>
-                </a:pathLst>
-              </a:custGeom>
-              <a:gradFill>
-                <a:gsLst>
-                  <a:gs pos="0">
-                    <a:schemeClr val="accent5">
-                      <a:alpha val="20000"/>
-                    </a:schemeClr>
-                  </a:gs>
-                  <a:gs pos="100000">
-                    <a:schemeClr val="accent1">
-                      <a:alpha val="30000"/>
-                    </a:schemeClr>
-                  </a:gs>
-                </a:gsLst>
-                <a:lin ang="10800000" scaled="1"/>
-              </a:gradFill>
-              <a:ln w="9525">
-                <a:noFill/>
-                <a:round/>
-                <a:headEnd/>
-                <a:tailEnd/>
-              </a:ln>
-            </p:spPr>
-            <p:txBody>
-              <a:bodyPr vert="horz" wrap="square" lIns="91440" tIns="45720" rIns="91440" bIns="45720" numCol="1" anchor="t" anchorCtr="0" compatLnSpc="1">
-                <a:prstTxWarp prst="textNoShape">
-                  <a:avLst/>
-                </a:prstTxWarp>
-              </a:bodyPr>
-              <a:lstStyle/>
-              <a:p>
-                <a:endParaRPr lang="en-IN"/>
-              </a:p>
-            </p:txBody>
-          </p:sp>
-          <p:sp>
-            <p:nvSpPr>
-              <p:cNvPr id="218" name="Freeform 8">
-                <a:extLst>
-                  <a:ext uri="{FF2B5EF4-FFF2-40B4-BE49-F238E27FC236}">
-                    <a16:creationId xmlns:a16="http://schemas.microsoft.com/office/drawing/2014/main" id="{64D0895C-BEC6-4C35-A085-3F2458EBC6D5}"/>
-                  </a:ext>
-                </a:extLst>
-              </p:cNvPr>
-              <p:cNvSpPr>
-                <a:spLocks/>
-              </p:cNvSpPr>
-              <p:nvPr/>
-            </p:nvSpPr>
-            <p:spPr bwMode="auto">
-              <a:xfrm>
-                <a:off x="3678917" y="2175600"/>
-                <a:ext cx="6769100" cy="915988"/>
-              </a:xfrm>
-              <a:custGeom>
-                <a:avLst/>
-                <a:gdLst>
-                  <a:gd name="T0" fmla="*/ 0 w 1504"/>
-                  <a:gd name="T1" fmla="*/ 2 h 203"/>
-                  <a:gd name="T2" fmla="*/ 98 w 1504"/>
-                  <a:gd name="T3" fmla="*/ 23 h 203"/>
-                  <a:gd name="T4" fmla="*/ 233 w 1504"/>
-                  <a:gd name="T5" fmla="*/ 61 h 203"/>
-                  <a:gd name="T6" fmla="*/ 343 w 1504"/>
-                  <a:gd name="T7" fmla="*/ 74 h 203"/>
-                  <a:gd name="T8" fmla="*/ 495 w 1504"/>
-                  <a:gd name="T9" fmla="*/ 115 h 203"/>
-                  <a:gd name="T10" fmla="*/ 650 w 1504"/>
-                  <a:gd name="T11" fmla="*/ 30 h 203"/>
-                  <a:gd name="T12" fmla="*/ 864 w 1504"/>
-                  <a:gd name="T13" fmla="*/ 177 h 203"/>
-                  <a:gd name="T14" fmla="*/ 1096 w 1504"/>
-                  <a:gd name="T15" fmla="*/ 68 h 203"/>
-                  <a:gd name="T16" fmla="*/ 1250 w 1504"/>
-                  <a:gd name="T17" fmla="*/ 115 h 203"/>
-                  <a:gd name="T18" fmla="*/ 1504 w 1504"/>
-                  <a:gd name="T19" fmla="*/ 2 h 203"/>
-                  <a:gd name="T20" fmla="*/ 0 w 1504"/>
-                  <a:gd name="T21" fmla="*/ 2 h 203"/>
-                </a:gdLst>
-                <a:ahLst/>
-                <a:cxnLst>
-                  <a:cxn ang="0">
-                    <a:pos x="T0" y="T1"/>
-                  </a:cxn>
-                  <a:cxn ang="0">
-                    <a:pos x="T2" y="T3"/>
-                  </a:cxn>
-                  <a:cxn ang="0">
-                    <a:pos x="T4" y="T5"/>
-                  </a:cxn>
-                  <a:cxn ang="0">
-                    <a:pos x="T6" y="T7"/>
-                  </a:cxn>
-                  <a:cxn ang="0">
-                    <a:pos x="T8" y="T9"/>
-                  </a:cxn>
-                  <a:cxn ang="0">
-                    <a:pos x="T10" y="T11"/>
-                  </a:cxn>
-                  <a:cxn ang="0">
-                    <a:pos x="T12" y="T13"/>
-                  </a:cxn>
-                  <a:cxn ang="0">
-                    <a:pos x="T14" y="T15"/>
-                  </a:cxn>
-                  <a:cxn ang="0">
-                    <a:pos x="T16" y="T17"/>
-                  </a:cxn>
-                  <a:cxn ang="0">
-                    <a:pos x="T18" y="T19"/>
-                  </a:cxn>
-                  <a:cxn ang="0">
-                    <a:pos x="T20" y="T21"/>
-                  </a:cxn>
-                </a:cxnLst>
-                <a:rect l="0" t="0" r="r" b="b"/>
-                <a:pathLst>
-                  <a:path w="1504" h="203">
-                    <a:moveTo>
-                      <a:pt x="0" y="2"/>
-                    </a:moveTo>
-                    <a:cubicBezTo>
-                      <a:pt x="0" y="2"/>
-                      <a:pt x="53" y="0"/>
-                      <a:pt x="98" y="23"/>
-                    </a:cubicBezTo>
-                    <a:cubicBezTo>
-                      <a:pt x="143" y="46"/>
-                      <a:pt x="167" y="82"/>
-                      <a:pt x="233" y="61"/>
-                    </a:cubicBezTo>
-                    <a:cubicBezTo>
-                      <a:pt x="299" y="40"/>
-                      <a:pt x="308" y="37"/>
-                      <a:pt x="343" y="74"/>
-                    </a:cubicBezTo>
-                    <a:cubicBezTo>
-                      <a:pt x="378" y="111"/>
-                      <a:pt x="415" y="140"/>
-                      <a:pt x="495" y="115"/>
-                    </a:cubicBezTo>
-                    <a:cubicBezTo>
-                      <a:pt x="575" y="90"/>
-                      <a:pt x="552" y="25"/>
-                      <a:pt x="650" y="30"/>
-                    </a:cubicBezTo>
-                    <a:cubicBezTo>
-                      <a:pt x="748" y="35"/>
-                      <a:pt x="740" y="151"/>
-                      <a:pt x="864" y="177"/>
-                    </a:cubicBezTo>
-                    <a:cubicBezTo>
-                      <a:pt x="988" y="203"/>
-                      <a:pt x="1017" y="56"/>
-                      <a:pt x="1096" y="68"/>
-                    </a:cubicBezTo>
-                    <a:cubicBezTo>
-                      <a:pt x="1175" y="80"/>
-                      <a:pt x="1165" y="114"/>
-                      <a:pt x="1250" y="115"/>
-                    </a:cubicBezTo>
-                    <a:cubicBezTo>
-                      <a:pt x="1335" y="116"/>
-                      <a:pt x="1326" y="3"/>
-                      <a:pt x="1504" y="2"/>
-                    </a:cubicBezTo>
-                    <a:lnTo>
-                      <a:pt x="0" y="2"/>
-                    </a:lnTo>
-                    <a:close/>
-                  </a:path>
-                </a:pathLst>
-              </a:custGeom>
-              <a:gradFill>
-                <a:gsLst>
-                  <a:gs pos="0">
-                    <a:schemeClr val="accent5">
-                      <a:alpha val="10000"/>
-                    </a:schemeClr>
-                  </a:gs>
-                  <a:gs pos="100000">
-                    <a:schemeClr val="accent1">
-                      <a:alpha val="60000"/>
-                    </a:schemeClr>
-                  </a:gs>
-                </a:gsLst>
-                <a:lin ang="10800000" scaled="1"/>
-              </a:gradFill>
-              <a:ln w="9525">
-                <a:noFill/>
-                <a:round/>
-                <a:headEnd/>
-                <a:tailEnd/>
-              </a:ln>
-            </p:spPr>
-            <p:txBody>
-              <a:bodyPr vert="horz" wrap="square" lIns="91440" tIns="45720" rIns="91440" bIns="45720" numCol="1" anchor="t" anchorCtr="0" compatLnSpc="1">
-                <a:prstTxWarp prst="textNoShape">
-                  <a:avLst/>
-                </a:prstTxWarp>
-              </a:bodyPr>
-              <a:lstStyle/>
-              <a:p>
-                <a:endParaRPr lang="en-IN" dirty="0"/>
-              </a:p>
-            </p:txBody>
-          </p:sp>
-        </p:grpSp>
-      </p:grpSp>
-      <p:sp>
-        <p:nvSpPr>
-          <p:cNvPr id="2" name="TextBox 1">
-            <a:extLst>
-              <a:ext uri="{FF2B5EF4-FFF2-40B4-BE49-F238E27FC236}">
-                <a16:creationId xmlns:a16="http://schemas.microsoft.com/office/drawing/2014/main" id="{29C624C0-EF95-4C48-ADA3-E54C9D05ACFB}"/>
-              </a:ext>
-            </a:extLst>
-          </p:cNvPr>
-          <p:cNvSpPr txBox="1"/>
-          <p:nvPr/>
-        </p:nvSpPr>
-        <p:spPr>
-          <a:xfrm>
-            <a:off x="1053852" y="1556792"/>
-            <a:ext cx="6408712" cy="4893647"/>
-          </a:xfrm>
-          <a:prstGeom prst="rect">
-            <a:avLst/>
-          </a:prstGeom>
-          <a:noFill/>
-        </p:spPr>
-        <p:txBody>
-          <a:bodyPr wrap="square" anchor="ctr">
-            <a:spAutoFit/>
-          </a:bodyPr>
-          <a:lstStyle/>
-          <a:p>
-            <a:pPr marL="342900" indent="-342900">
-              <a:buFont typeface="Courier New" panose="02070309020205020404" pitchFamily="49" charset="0"/>
-              <a:buChar char="o"/>
-            </a:pPr>
-            <a:r>
-              <a:rPr lang="en-US" dirty="0"/>
-              <a:t>Introduction</a:t>
-            </a:r>
-          </a:p>
-          <a:p>
-            <a:pPr marL="342900" indent="-342900">
-              <a:buFont typeface="Courier New" panose="02070309020205020404" pitchFamily="49" charset="0"/>
-              <a:buChar char="o"/>
-            </a:pPr>
-            <a:r>
-              <a:rPr lang="en-US" dirty="0"/>
-              <a:t>How does an intelligent voice assistant work?</a:t>
-            </a:r>
-          </a:p>
-          <a:p>
-            <a:pPr marL="342900" indent="-342900">
-              <a:buFont typeface="Courier New" panose="02070309020205020404" pitchFamily="49" charset="0"/>
-              <a:buChar char="o"/>
-            </a:pPr>
-            <a:r>
-              <a:rPr lang="en-IN" i="0" dirty="0">
-                <a:solidFill>
-                  <a:srgbClr val="000000"/>
-                </a:solidFill>
-                <a:effectLst/>
-                <a:latin typeface="Segoe UI (Body)"/>
-                <a:ea typeface="Segoe UI Black" panose="020B0A02040204020203" pitchFamily="34" charset="0"/>
-              </a:rPr>
-              <a:t>Purpose of system</a:t>
-            </a:r>
-          </a:p>
-          <a:p>
-            <a:pPr marL="342900" indent="-342900">
-              <a:buFont typeface="Courier New" panose="02070309020205020404" pitchFamily="49" charset="0"/>
-              <a:buChar char="o"/>
-            </a:pPr>
-            <a:r>
-              <a:rPr lang="en-US" dirty="0"/>
-              <a:t>Dataflow diagram</a:t>
-            </a:r>
-          </a:p>
-          <a:p>
-            <a:pPr marL="342900" indent="-342900">
-              <a:buFont typeface="Courier New" panose="02070309020205020404" pitchFamily="49" charset="0"/>
-              <a:buChar char="o"/>
-            </a:pPr>
-            <a:r>
-              <a:rPr lang="en-US" dirty="0"/>
-              <a:t>Use case diagram</a:t>
-            </a:r>
-          </a:p>
-          <a:p>
-            <a:pPr marL="342900" indent="-342900">
-              <a:buFont typeface="Courier New" panose="02070309020205020404" pitchFamily="49" charset="0"/>
-              <a:buChar char="o"/>
-            </a:pPr>
-            <a:r>
-              <a:rPr lang="en-US" dirty="0">
-                <a:latin typeface="Segoe UI (Body)"/>
-                <a:ea typeface="Segoe UI Black" panose="020B0A02040204020203" pitchFamily="34" charset="0"/>
-              </a:rPr>
-              <a:t>Python Libraries</a:t>
-            </a:r>
-          </a:p>
-          <a:p>
-            <a:pPr marL="342900" indent="-342900">
-              <a:buFont typeface="Courier New" panose="02070309020205020404" pitchFamily="49" charset="0"/>
-              <a:buChar char="o"/>
-            </a:pPr>
-            <a:r>
-              <a:rPr lang="en-US" dirty="0"/>
-              <a:t>Existing system and proposed system</a:t>
-            </a:r>
-          </a:p>
-          <a:p>
-            <a:pPr marL="342900" indent="-342900">
-              <a:buFont typeface="Courier New" panose="02070309020205020404" pitchFamily="49" charset="0"/>
-              <a:buChar char="o"/>
-            </a:pPr>
-            <a:r>
-              <a:rPr lang="en-US" dirty="0"/>
-              <a:t>Future Functionalities:</a:t>
-            </a:r>
-          </a:p>
-          <a:p>
-            <a:pPr marL="342900" indent="-342900">
-              <a:buFont typeface="Courier New" panose="02070309020205020404" pitchFamily="49" charset="0"/>
-              <a:buChar char="o"/>
-            </a:pPr>
-            <a:r>
-              <a:rPr lang="en-US" dirty="0"/>
-              <a:t>Hardware And Software Requirements</a:t>
-            </a:r>
-          </a:p>
-          <a:p>
-            <a:pPr marL="342900" indent="-342900">
-              <a:buFont typeface="Courier New" panose="02070309020205020404" pitchFamily="49" charset="0"/>
-              <a:buChar char="o"/>
-            </a:pPr>
-            <a:r>
-              <a:rPr lang="en-US" dirty="0"/>
-              <a:t>Limitations</a:t>
-            </a:r>
-          </a:p>
-          <a:p>
-            <a:pPr marL="342900" indent="-342900">
-              <a:buFont typeface="Courier New" panose="02070309020205020404" pitchFamily="49" charset="0"/>
-              <a:buChar char="o"/>
-            </a:pPr>
-            <a:r>
-              <a:rPr lang="en-US" dirty="0"/>
-              <a:t>References</a:t>
-            </a:r>
-          </a:p>
-          <a:p>
-            <a:pPr marL="342900" indent="-342900">
-              <a:buFont typeface="Courier New" panose="02070309020205020404" pitchFamily="49" charset="0"/>
-              <a:buChar char="o"/>
-            </a:pPr>
-            <a:r>
-              <a:rPr lang="en-US" dirty="0"/>
-              <a:t>Conclusion</a:t>
-            </a:r>
-            <a:endParaRPr lang="ml-IN" dirty="0"/>
-          </a:p>
-        </p:txBody>
-      </p:sp>
-      <p:sp>
-        <p:nvSpPr>
-          <p:cNvPr id="15" name="TextBox 14">
-            <a:extLst>
-              <a:ext uri="{FF2B5EF4-FFF2-40B4-BE49-F238E27FC236}">
-                <a16:creationId xmlns:a16="http://schemas.microsoft.com/office/drawing/2014/main" id="{4FDBC157-9506-45DC-A739-AB6CA397353F}"/>
-              </a:ext>
-            </a:extLst>
-          </p:cNvPr>
-          <p:cNvSpPr txBox="1"/>
-          <p:nvPr/>
-        </p:nvSpPr>
-        <p:spPr>
-          <a:xfrm>
-            <a:off x="-602332" y="660562"/>
-            <a:ext cx="6010843" cy="757130"/>
-          </a:xfrm>
-          <a:prstGeom prst="rect">
-            <a:avLst/>
-          </a:prstGeom>
-          <a:noFill/>
-        </p:spPr>
-        <p:txBody>
-          <a:bodyPr wrap="square" anchor="ctr">
-            <a:spAutoFit/>
-          </a:bodyPr>
-          <a:lstStyle/>
-          <a:p>
-            <a:pPr algn="ctr">
-              <a:lnSpc>
-                <a:spcPct val="90000"/>
-              </a:lnSpc>
-              <a:spcBef>
-                <a:spcPts val="400"/>
-              </a:spcBef>
-            </a:pPr>
-            <a:r>
-              <a:rPr lang="en-IN" sz="4800" b="1" dirty="0">
-                <a:solidFill>
-                  <a:schemeClr val="accent2">
-                    <a:lumMod val="75000"/>
-                  </a:schemeClr>
-                </a:solidFill>
-                <a:ea typeface="Open Sans" panose="020B0606030504020204" pitchFamily="34" charset="0"/>
-                <a:cs typeface="Open Sans" panose="020B0606030504020204" pitchFamily="34" charset="0"/>
-              </a:rPr>
-              <a:t>AGENDA</a:t>
-            </a:r>
-          </a:p>
-        </p:txBody>
-      </p:sp>
-    </p:spTree>
-    <p:extLst>
-      <p:ext uri="{BB962C8B-B14F-4D97-AF65-F5344CB8AC3E}">
-        <p14:creationId xmlns:p14="http://schemas.microsoft.com/office/powerpoint/2010/main" val="2294247301"/>
       </p:ext>
     </p:extLst>
   </p:cSld>
